--- a/doc/Presentation.pptx
+++ b/doc/Presentation.pptx
@@ -1,27 +1,29 @@
 
 <file path=ppt/presentation.xml><?xml version="1.0" encoding="utf-8"?>
-<p:presentation xmlns:a="http://schemas.openxmlformats.org/drawingml/2006/main" xmlns:r="http://schemas.openxmlformats.org/officeDocument/2006/relationships" xmlns:mc="http://schemas.openxmlformats.org/markup-compatibility/2006" xmlns:mv="urn:schemas-microsoft-com:mac:vml" xmlns:p="http://schemas.openxmlformats.org/presentationml/2006/main" xmlns:c="http://schemas.openxmlformats.org/drawingml/2006/chart" xmlns:dgm="http://schemas.openxmlformats.org/drawingml/2006/diagram" xmlns:o="urn:schemas-microsoft-com:office:office" xmlns:v="urn:schemas-microsoft-com:vml" xmlns:pvml="urn:schemas-microsoft-com:office:powerpoint" xmlns:com="http://schemas.openxmlformats.org/drawingml/2006/compatibility" xmlns:p14="http://schemas.microsoft.com/office/powerpoint/2010/main" xmlns:p15="http://schemas.microsoft.com/office/powerpoint/2012/main" xmlns:ahyp="http://schemas.microsoft.com/office/drawing/2018/hyperlinkcolor" autoCompressPictures="0" strictFirstAndLastChars="0" saveSubsetFonts="1">
+<p:presentation xmlns:a="http://schemas.openxmlformats.org/drawingml/2006/main" xmlns:r="http://schemas.openxmlformats.org/officeDocument/2006/relationships" xmlns:p="http://schemas.openxmlformats.org/presentationml/2006/main" strictFirstAndLastChars="0" saveSubsetFonts="1" autoCompressPictures="0">
   <p:sldMasterIdLst>
-    <p:sldMasterId id="2147483659" r:id="rId4"/>
+    <p:sldMasterId id="2147483659" r:id="rId1"/>
   </p:sldMasterIdLst>
   <p:notesMasterIdLst>
-    <p:notesMasterId r:id="rId5"/>
+    <p:notesMasterId r:id="rId13"/>
   </p:notesMasterIdLst>
   <p:sldIdLst>
-    <p:sldId id="256" r:id="rId6"/>
-    <p:sldId id="257" r:id="rId7"/>
-    <p:sldId id="258" r:id="rId8"/>
-    <p:sldId id="259" r:id="rId9"/>
-    <p:sldId id="260" r:id="rId10"/>
-    <p:sldId id="261" r:id="rId11"/>
-    <p:sldId id="262" r:id="rId12"/>
-    <p:sldId id="263" r:id="rId13"/>
-    <p:sldId id="264" r:id="rId14"/>
+    <p:sldId id="256" r:id="rId2"/>
+    <p:sldId id="257" r:id="rId3"/>
+    <p:sldId id="258" r:id="rId4"/>
+    <p:sldId id="259" r:id="rId5"/>
+    <p:sldId id="260" r:id="rId6"/>
+    <p:sldId id="261" r:id="rId7"/>
+    <p:sldId id="262" r:id="rId8"/>
+    <p:sldId id="263" r:id="rId9"/>
+    <p:sldId id="264" r:id="rId10"/>
+    <p:sldId id="265" r:id="rId11"/>
+    <p:sldId id="266" r:id="rId12"/>
   </p:sldIdLst>
-  <p:sldSz cy="5143500" cx="9144000"/>
+  <p:sldSz cx="9144000" cy="5143500" type="screen16x9"/>
   <p:notesSz cx="6858000" cy="9144000"/>
   <p:defaultTextStyle>
-    <a:defPPr lvl="0" marR="0" rtl="0" algn="l">
+    <a:defPPr marR="0" lvl="0" algn="l" rtl="0">
       <a:lnSpc>
         <a:spcPct val="100000"/>
       </a:lnSpc>
@@ -32,7 +34,7 @@
         <a:spcPts val="0"/>
       </a:spcAft>
     </a:defPPr>
-    <a:lvl1pPr lvl="0" marR="0" rtl="0" algn="l">
+    <a:lvl1pPr marR="0" lvl="0" algn="l" rtl="0">
       <a:lnSpc>
         <a:spcPct val="100000"/>
       </a:lnSpc>
@@ -46,7 +48,7 @@
         <a:srgbClr val="000000"/>
       </a:buClr>
       <a:buFont typeface="Arial"/>
-      <a:defRPr b="0" i="0" sz="1400" u="none" cap="none" strike="noStrike">
+      <a:defRPr sz="1400" b="0" i="0" u="none" strike="noStrike" cap="none">
         <a:solidFill>
           <a:srgbClr val="000000"/>
         </a:solidFill>
@@ -56,7 +58,7 @@
         <a:sym typeface="Arial"/>
       </a:defRPr>
     </a:lvl1pPr>
-    <a:lvl2pPr lvl="1" marR="0" rtl="0" algn="l">
+    <a:lvl2pPr marR="0" lvl="1" algn="l" rtl="0">
       <a:lnSpc>
         <a:spcPct val="100000"/>
       </a:lnSpc>
@@ -70,7 +72,7 @@
         <a:srgbClr val="000000"/>
       </a:buClr>
       <a:buFont typeface="Arial"/>
-      <a:defRPr b="0" i="0" sz="1400" u="none" cap="none" strike="noStrike">
+      <a:defRPr sz="1400" b="0" i="0" u="none" strike="noStrike" cap="none">
         <a:solidFill>
           <a:srgbClr val="000000"/>
         </a:solidFill>
@@ -80,7 +82,7 @@
         <a:sym typeface="Arial"/>
       </a:defRPr>
     </a:lvl2pPr>
-    <a:lvl3pPr lvl="2" marR="0" rtl="0" algn="l">
+    <a:lvl3pPr marR="0" lvl="2" algn="l" rtl="0">
       <a:lnSpc>
         <a:spcPct val="100000"/>
       </a:lnSpc>
@@ -94,7 +96,7 @@
         <a:srgbClr val="000000"/>
       </a:buClr>
       <a:buFont typeface="Arial"/>
-      <a:defRPr b="0" i="0" sz="1400" u="none" cap="none" strike="noStrike">
+      <a:defRPr sz="1400" b="0" i="0" u="none" strike="noStrike" cap="none">
         <a:solidFill>
           <a:srgbClr val="000000"/>
         </a:solidFill>
@@ -104,7 +106,7 @@
         <a:sym typeface="Arial"/>
       </a:defRPr>
     </a:lvl3pPr>
-    <a:lvl4pPr lvl="3" marR="0" rtl="0" algn="l">
+    <a:lvl4pPr marR="0" lvl="3" algn="l" rtl="0">
       <a:lnSpc>
         <a:spcPct val="100000"/>
       </a:lnSpc>
@@ -118,7 +120,7 @@
         <a:srgbClr val="000000"/>
       </a:buClr>
       <a:buFont typeface="Arial"/>
-      <a:defRPr b="0" i="0" sz="1400" u="none" cap="none" strike="noStrike">
+      <a:defRPr sz="1400" b="0" i="0" u="none" strike="noStrike" cap="none">
         <a:solidFill>
           <a:srgbClr val="000000"/>
         </a:solidFill>
@@ -128,7 +130,7 @@
         <a:sym typeface="Arial"/>
       </a:defRPr>
     </a:lvl4pPr>
-    <a:lvl5pPr lvl="4" marR="0" rtl="0" algn="l">
+    <a:lvl5pPr marR="0" lvl="4" algn="l" rtl="0">
       <a:lnSpc>
         <a:spcPct val="100000"/>
       </a:lnSpc>
@@ -142,7 +144,7 @@
         <a:srgbClr val="000000"/>
       </a:buClr>
       <a:buFont typeface="Arial"/>
-      <a:defRPr b="0" i="0" sz="1400" u="none" cap="none" strike="noStrike">
+      <a:defRPr sz="1400" b="0" i="0" u="none" strike="noStrike" cap="none">
         <a:solidFill>
           <a:srgbClr val="000000"/>
         </a:solidFill>
@@ -152,7 +154,7 @@
         <a:sym typeface="Arial"/>
       </a:defRPr>
     </a:lvl5pPr>
-    <a:lvl6pPr lvl="5" marR="0" rtl="0" algn="l">
+    <a:lvl6pPr marR="0" lvl="5" algn="l" rtl="0">
       <a:lnSpc>
         <a:spcPct val="100000"/>
       </a:lnSpc>
@@ -166,7 +168,7 @@
         <a:srgbClr val="000000"/>
       </a:buClr>
       <a:buFont typeface="Arial"/>
-      <a:defRPr b="0" i="0" sz="1400" u="none" cap="none" strike="noStrike">
+      <a:defRPr sz="1400" b="0" i="0" u="none" strike="noStrike" cap="none">
         <a:solidFill>
           <a:srgbClr val="000000"/>
         </a:solidFill>
@@ -176,7 +178,7 @@
         <a:sym typeface="Arial"/>
       </a:defRPr>
     </a:lvl6pPr>
-    <a:lvl7pPr lvl="6" marR="0" rtl="0" algn="l">
+    <a:lvl7pPr marR="0" lvl="6" algn="l" rtl="0">
       <a:lnSpc>
         <a:spcPct val="100000"/>
       </a:lnSpc>
@@ -190,7 +192,7 @@
         <a:srgbClr val="000000"/>
       </a:buClr>
       <a:buFont typeface="Arial"/>
-      <a:defRPr b="0" i="0" sz="1400" u="none" cap="none" strike="noStrike">
+      <a:defRPr sz="1400" b="0" i="0" u="none" strike="noStrike" cap="none">
         <a:solidFill>
           <a:srgbClr val="000000"/>
         </a:solidFill>
@@ -200,7 +202,7 @@
         <a:sym typeface="Arial"/>
       </a:defRPr>
     </a:lvl7pPr>
-    <a:lvl8pPr lvl="7" marR="0" rtl="0" algn="l">
+    <a:lvl8pPr marR="0" lvl="7" algn="l" rtl="0">
       <a:lnSpc>
         <a:spcPct val="100000"/>
       </a:lnSpc>
@@ -214,7 +216,7 @@
         <a:srgbClr val="000000"/>
       </a:buClr>
       <a:buFont typeface="Arial"/>
-      <a:defRPr b="0" i="0" sz="1400" u="none" cap="none" strike="noStrike">
+      <a:defRPr sz="1400" b="0" i="0" u="none" strike="noStrike" cap="none">
         <a:solidFill>
           <a:srgbClr val="000000"/>
         </a:solidFill>
@@ -224,7 +226,7 @@
         <a:sym typeface="Arial"/>
       </a:defRPr>
     </a:lvl8pPr>
-    <a:lvl9pPr lvl="8" marR="0" rtl="0" algn="l">
+    <a:lvl9pPr marR="0" lvl="8" algn="l" rtl="0">
       <a:lnSpc>
         <a:spcPct val="100000"/>
       </a:lnSpc>
@@ -238,7 +240,7 @@
         <a:srgbClr val="000000"/>
       </a:buClr>
       <a:buFont typeface="Arial"/>
-      <a:defRPr b="0" i="0" sz="1400" u="none" cap="none" strike="noStrike">
+      <a:defRPr sz="1400" b="0" i="0" u="none" strike="noStrike" cap="none">
         <a:solidFill>
           <a:srgbClr val="000000"/>
         </a:solidFill>
@@ -251,7 +253,7 @@
   </p:defaultTextStyle>
   <p:extLst>
     <p:ext uri="{EFAFB233-063F-42B5-8137-9DF3F51BA10A}">
-      <p15:sldGuideLst>
+      <p15:sldGuideLst xmlns:p15="http://schemas.microsoft.com/office/powerpoint/2012/main">
         <p15:guide id="1" orient="horz" pos="1620">
           <p15:clr>
             <a:srgbClr val="747775"/>
@@ -269,11 +271,16 @@
 </file>
 
 <file path=ppt/notesMasters/notesMaster1.xml><?xml version="1.0" encoding="utf-8"?>
-<p:notesMaster xmlns:a="http://schemas.openxmlformats.org/drawingml/2006/main" xmlns:r="http://schemas.openxmlformats.org/officeDocument/2006/relationships" xmlns:mc="http://schemas.openxmlformats.org/markup-compatibility/2006" xmlns:mv="urn:schemas-microsoft-com:mac:vml" xmlns:p="http://schemas.openxmlformats.org/presentationml/2006/main" xmlns:c="http://schemas.openxmlformats.org/drawingml/2006/chart" xmlns:dgm="http://schemas.openxmlformats.org/drawingml/2006/diagram" xmlns:o="urn:schemas-microsoft-com:office:office" xmlns:v="urn:schemas-microsoft-com:vml" xmlns:pvml="urn:schemas-microsoft-com:office:powerpoint" xmlns:com="http://schemas.openxmlformats.org/drawingml/2006/compatibility" xmlns:p14="http://schemas.microsoft.com/office/powerpoint/2010/main" xmlns:p15="http://schemas.microsoft.com/office/powerpoint/2012/main" xmlns:ahyp="http://schemas.microsoft.com/office/drawing/2018/hyperlinkcolor">
+<p:notesMaster xmlns:a="http://schemas.openxmlformats.org/drawingml/2006/main" xmlns:r="http://schemas.openxmlformats.org/officeDocument/2006/relationships" xmlns:p="http://schemas.openxmlformats.org/presentationml/2006/main">
   <p:cSld>
+    <p:bg>
+      <p:bgRef idx="1001">
+        <a:schemeClr val="bg1"/>
+      </p:bgRef>
+    </p:bg>
     <p:spTree>
       <p:nvGrpSpPr>
-        <p:cNvPr id="2" name="Shape 2"/>
+        <p:cNvPr id="1" name="Shape 2"/>
         <p:cNvGrpSpPr/>
         <p:nvPr/>
       </p:nvGrpSpPr>
@@ -288,9 +295,11 @@
       <p:sp>
         <p:nvSpPr>
           <p:cNvPr id="3" name="Google Shape;3;n"/>
-          <p:cNvSpPr/>
+          <p:cNvSpPr>
+            <a:spLocks noGrp="1" noRot="1" noChangeAspect="1"/>
+          </p:cNvSpPr>
           <p:nvPr>
-            <p:ph idx="2" type="sldImg"/>
+            <p:ph type="sldImg" idx="2"/>
           </p:nvPr>
         </p:nvSpPr>
         <p:spPr>
@@ -299,9 +308,13 @@
             <a:ext cx="6096075" cy="3429000"/>
           </a:xfrm>
           <a:custGeom>
-            <a:rect b="b" l="l" r="r" t="t"/>
+            <a:avLst/>
+            <a:gdLst/>
+            <a:ahLst/>
+            <a:cxnLst/>
+            <a:rect l="l" t="t" r="r" b="b"/>
             <a:pathLst>
-              <a:path extrusionOk="0" h="120000" w="120000">
+              <a:path w="120000" h="120000" extrusionOk="0">
                 <a:moveTo>
                   <a:pt x="0" y="0"/>
                 </a:moveTo>
@@ -319,23 +332,25 @@
             </a:pathLst>
           </a:custGeom>
           <a:noFill/>
-          <a:ln cap="flat" cmpd="sng" w="9525">
+          <a:ln w="9525" cap="flat" cmpd="sng">
             <a:solidFill>
               <a:srgbClr val="000000"/>
             </a:solidFill>
             <a:prstDash val="solid"/>
             <a:round/>
-            <a:headEnd len="sm" w="sm" type="none"/>
-            <a:tailEnd len="sm" w="sm" type="none"/>
+            <a:headEnd type="none" w="sm" len="sm"/>
+            <a:tailEnd type="none" w="sm" len="sm"/>
           </a:ln>
         </p:spPr>
       </p:sp>
       <p:sp>
         <p:nvSpPr>
           <p:cNvPr id="4" name="Google Shape;4;n"/>
-          <p:cNvSpPr txBox="1"/>
+          <p:cNvSpPr txBox="1">
+            <a:spLocks noGrp="1"/>
+          </p:cNvSpPr>
           <p:nvPr>
-            <p:ph idx="1" type="body"/>
+            <p:ph type="body" idx="1"/>
           </p:nvPr>
         </p:nvSpPr>
         <p:spPr>
@@ -352,11 +367,11 @@
           </a:ln>
         </p:spPr>
         <p:txBody>
-          <a:bodyPr anchorCtr="0" anchor="t" bIns="91425" lIns="91425" spcFirstLastPara="1" rIns="91425" wrap="square" tIns="91425">
+          <a:bodyPr spcFirstLastPara="1" wrap="square" lIns="91425" tIns="91425" rIns="91425" bIns="91425" anchor="t" anchorCtr="0">
             <a:noAutofit/>
           </a:bodyPr>
           <a:lstStyle>
-            <a:lvl1pPr indent="-298450" lvl="0" marL="457200">
+            <a:lvl1pPr marL="457200" lvl="0" indent="-298450">
               <a:spcBef>
                 <a:spcPts val="0"/>
               </a:spcBef>
@@ -367,7 +382,7 @@
               <a:buChar char="●"/>
               <a:defRPr sz="1100"/>
             </a:lvl1pPr>
-            <a:lvl2pPr indent="-298450" lvl="1" marL="914400">
+            <a:lvl2pPr marL="914400" lvl="1" indent="-298450">
               <a:spcBef>
                 <a:spcPts val="0"/>
               </a:spcBef>
@@ -378,7 +393,7 @@
               <a:buChar char="○"/>
               <a:defRPr sz="1100"/>
             </a:lvl2pPr>
-            <a:lvl3pPr indent="-298450" lvl="2" marL="1371600">
+            <a:lvl3pPr marL="1371600" lvl="2" indent="-298450">
               <a:spcBef>
                 <a:spcPts val="0"/>
               </a:spcBef>
@@ -389,7 +404,7 @@
               <a:buChar char="■"/>
               <a:defRPr sz="1100"/>
             </a:lvl3pPr>
-            <a:lvl4pPr indent="-298450" lvl="3" marL="1828800">
+            <a:lvl4pPr marL="1828800" lvl="3" indent="-298450">
               <a:spcBef>
                 <a:spcPts val="0"/>
               </a:spcBef>
@@ -400,7 +415,7 @@
               <a:buChar char="●"/>
               <a:defRPr sz="1100"/>
             </a:lvl4pPr>
-            <a:lvl5pPr indent="-298450" lvl="4" marL="2286000">
+            <a:lvl5pPr marL="2286000" lvl="4" indent="-298450">
               <a:spcBef>
                 <a:spcPts val="0"/>
               </a:spcBef>
@@ -411,7 +426,7 @@
               <a:buChar char="○"/>
               <a:defRPr sz="1100"/>
             </a:lvl5pPr>
-            <a:lvl6pPr indent="-298450" lvl="5" marL="2743200">
+            <a:lvl6pPr marL="2743200" lvl="5" indent="-298450">
               <a:spcBef>
                 <a:spcPts val="0"/>
               </a:spcBef>
@@ -422,7 +437,7 @@
               <a:buChar char="■"/>
               <a:defRPr sz="1100"/>
             </a:lvl6pPr>
-            <a:lvl7pPr indent="-298450" lvl="6" marL="3200400">
+            <a:lvl7pPr marL="3200400" lvl="6" indent="-298450">
               <a:spcBef>
                 <a:spcPts val="0"/>
               </a:spcBef>
@@ -433,7 +448,7 @@
               <a:buChar char="●"/>
               <a:defRPr sz="1100"/>
             </a:lvl7pPr>
-            <a:lvl8pPr indent="-298450" lvl="7" marL="3657600">
+            <a:lvl8pPr marL="3657600" lvl="7" indent="-298450">
               <a:spcBef>
                 <a:spcPts val="0"/>
               </a:spcBef>
@@ -444,7 +459,7 @@
               <a:buChar char="○"/>
               <a:defRPr sz="1100"/>
             </a:lvl8pPr>
-            <a:lvl9pPr indent="-298450" lvl="8" marL="4114800">
+            <a:lvl9pPr marL="4114800" lvl="8" indent="-298450">
               <a:spcBef>
                 <a:spcPts val="0"/>
               </a:spcBef>
@@ -456,14 +471,16 @@
               <a:defRPr sz="1100"/>
             </a:lvl9pPr>
           </a:lstStyle>
-          <a:p/>
+          <a:p>
+            <a:endParaRPr/>
+          </a:p>
         </p:txBody>
       </p:sp>
     </p:spTree>
   </p:cSld>
-  <p:clrMap accent1="accent1" accent2="accent2" accent3="accent3" accent4="accent4" accent5="accent5" accent6="accent6" bg1="lt1" bg2="dk2" tx1="dk1" tx2="lt2" folHlink="folHlink" hlink="hlink"/>
+  <p:clrMap bg1="lt1" tx1="dk1" bg2="dk2" tx2="lt2" accent1="accent1" accent2="accent2" accent3="accent3" accent4="accent4" accent5="accent5" accent6="accent6" hlink="hlink" folHlink="folHlink"/>
   <p:notesStyle>
-    <a:defPPr lvl="0" marR="0" rtl="0" algn="l">
+    <a:defPPr marR="0" lvl="0" algn="l" rtl="0">
       <a:lnSpc>
         <a:spcPct val="100000"/>
       </a:lnSpc>
@@ -474,7 +491,7 @@
         <a:spcPts val="0"/>
       </a:spcAft>
     </a:defPPr>
-    <a:lvl1pPr lvl="0" marR="0" rtl="0" algn="l">
+    <a:lvl1pPr marR="0" lvl="0" algn="l" rtl="0">
       <a:lnSpc>
         <a:spcPct val="100000"/>
       </a:lnSpc>
@@ -488,7 +505,7 @@
         <a:srgbClr val="000000"/>
       </a:buClr>
       <a:buFont typeface="Arial"/>
-      <a:defRPr b="0" i="0" sz="1400" u="none" cap="none" strike="noStrike">
+      <a:defRPr sz="1400" b="0" i="0" u="none" strike="noStrike" cap="none">
         <a:solidFill>
           <a:srgbClr val="000000"/>
         </a:solidFill>
@@ -498,7 +515,7 @@
         <a:sym typeface="Arial"/>
       </a:defRPr>
     </a:lvl1pPr>
-    <a:lvl2pPr lvl="1" marR="0" rtl="0" algn="l">
+    <a:lvl2pPr marR="0" lvl="1" algn="l" rtl="0">
       <a:lnSpc>
         <a:spcPct val="100000"/>
       </a:lnSpc>
@@ -512,7 +529,7 @@
         <a:srgbClr val="000000"/>
       </a:buClr>
       <a:buFont typeface="Arial"/>
-      <a:defRPr b="0" i="0" sz="1400" u="none" cap="none" strike="noStrike">
+      <a:defRPr sz="1400" b="0" i="0" u="none" strike="noStrike" cap="none">
         <a:solidFill>
           <a:srgbClr val="000000"/>
         </a:solidFill>
@@ -522,7 +539,7 @@
         <a:sym typeface="Arial"/>
       </a:defRPr>
     </a:lvl2pPr>
-    <a:lvl3pPr lvl="2" marR="0" rtl="0" algn="l">
+    <a:lvl3pPr marR="0" lvl="2" algn="l" rtl="0">
       <a:lnSpc>
         <a:spcPct val="100000"/>
       </a:lnSpc>
@@ -536,7 +553,7 @@
         <a:srgbClr val="000000"/>
       </a:buClr>
       <a:buFont typeface="Arial"/>
-      <a:defRPr b="0" i="0" sz="1400" u="none" cap="none" strike="noStrike">
+      <a:defRPr sz="1400" b="0" i="0" u="none" strike="noStrike" cap="none">
         <a:solidFill>
           <a:srgbClr val="000000"/>
         </a:solidFill>
@@ -546,7 +563,7 @@
         <a:sym typeface="Arial"/>
       </a:defRPr>
     </a:lvl3pPr>
-    <a:lvl4pPr lvl="3" marR="0" rtl="0" algn="l">
+    <a:lvl4pPr marR="0" lvl="3" algn="l" rtl="0">
       <a:lnSpc>
         <a:spcPct val="100000"/>
       </a:lnSpc>
@@ -560,7 +577,7 @@
         <a:srgbClr val="000000"/>
       </a:buClr>
       <a:buFont typeface="Arial"/>
-      <a:defRPr b="0" i="0" sz="1400" u="none" cap="none" strike="noStrike">
+      <a:defRPr sz="1400" b="0" i="0" u="none" strike="noStrike" cap="none">
         <a:solidFill>
           <a:srgbClr val="000000"/>
         </a:solidFill>
@@ -570,7 +587,7 @@
         <a:sym typeface="Arial"/>
       </a:defRPr>
     </a:lvl4pPr>
-    <a:lvl5pPr lvl="4" marR="0" rtl="0" algn="l">
+    <a:lvl5pPr marR="0" lvl="4" algn="l" rtl="0">
       <a:lnSpc>
         <a:spcPct val="100000"/>
       </a:lnSpc>
@@ -584,7 +601,7 @@
         <a:srgbClr val="000000"/>
       </a:buClr>
       <a:buFont typeface="Arial"/>
-      <a:defRPr b="0" i="0" sz="1400" u="none" cap="none" strike="noStrike">
+      <a:defRPr sz="1400" b="0" i="0" u="none" strike="noStrike" cap="none">
         <a:solidFill>
           <a:srgbClr val="000000"/>
         </a:solidFill>
@@ -594,7 +611,7 @@
         <a:sym typeface="Arial"/>
       </a:defRPr>
     </a:lvl5pPr>
-    <a:lvl6pPr lvl="5" marR="0" rtl="0" algn="l">
+    <a:lvl6pPr marR="0" lvl="5" algn="l" rtl="0">
       <a:lnSpc>
         <a:spcPct val="100000"/>
       </a:lnSpc>
@@ -608,7 +625,7 @@
         <a:srgbClr val="000000"/>
       </a:buClr>
       <a:buFont typeface="Arial"/>
-      <a:defRPr b="0" i="0" sz="1400" u="none" cap="none" strike="noStrike">
+      <a:defRPr sz="1400" b="0" i="0" u="none" strike="noStrike" cap="none">
         <a:solidFill>
           <a:srgbClr val="000000"/>
         </a:solidFill>
@@ -618,7 +635,7 @@
         <a:sym typeface="Arial"/>
       </a:defRPr>
     </a:lvl6pPr>
-    <a:lvl7pPr lvl="6" marR="0" rtl="0" algn="l">
+    <a:lvl7pPr marR="0" lvl="6" algn="l" rtl="0">
       <a:lnSpc>
         <a:spcPct val="100000"/>
       </a:lnSpc>
@@ -632,7 +649,7 @@
         <a:srgbClr val="000000"/>
       </a:buClr>
       <a:buFont typeface="Arial"/>
-      <a:defRPr b="0" i="0" sz="1400" u="none" cap="none" strike="noStrike">
+      <a:defRPr sz="1400" b="0" i="0" u="none" strike="noStrike" cap="none">
         <a:solidFill>
           <a:srgbClr val="000000"/>
         </a:solidFill>
@@ -642,7 +659,7 @@
         <a:sym typeface="Arial"/>
       </a:defRPr>
     </a:lvl7pPr>
-    <a:lvl8pPr lvl="7" marR="0" rtl="0" algn="l">
+    <a:lvl8pPr marR="0" lvl="7" algn="l" rtl="0">
       <a:lnSpc>
         <a:spcPct val="100000"/>
       </a:lnSpc>
@@ -656,7 +673,7 @@
         <a:srgbClr val="000000"/>
       </a:buClr>
       <a:buFont typeface="Arial"/>
-      <a:defRPr b="0" i="0" sz="1400" u="none" cap="none" strike="noStrike">
+      <a:defRPr sz="1400" b="0" i="0" u="none" strike="noStrike" cap="none">
         <a:solidFill>
           <a:srgbClr val="000000"/>
         </a:solidFill>
@@ -666,7 +683,7 @@
         <a:sym typeface="Arial"/>
       </a:defRPr>
     </a:lvl8pPr>
-    <a:lvl9pPr lvl="8" marR="0" rtl="0" algn="l">
+    <a:lvl9pPr marR="0" lvl="8" algn="l" rtl="0">
       <a:lnSpc>
         <a:spcPct val="100000"/>
       </a:lnSpc>
@@ -680,7 +697,7 @@
         <a:srgbClr val="000000"/>
       </a:buClr>
       <a:buFont typeface="Arial"/>
-      <a:defRPr b="0" i="0" sz="1400" u="none" cap="none" strike="noStrike">
+      <a:defRPr sz="1400" b="0" i="0" u="none" strike="noStrike" cap="none">
         <a:solidFill>
           <a:srgbClr val="000000"/>
         </a:solidFill>
@@ -695,11 +712,11 @@
 </file>
 
 <file path=ppt/notesSlides/notesSlide1.xml><?xml version="1.0" encoding="utf-8"?>
-<p:notes xmlns:a="http://schemas.openxmlformats.org/drawingml/2006/main" xmlns:r="http://schemas.openxmlformats.org/officeDocument/2006/relationships" xmlns:mc="http://schemas.openxmlformats.org/markup-compatibility/2006" xmlns:mv="urn:schemas-microsoft-com:mac:vml" xmlns:p="http://schemas.openxmlformats.org/presentationml/2006/main" xmlns:c="http://schemas.openxmlformats.org/drawingml/2006/chart" xmlns:dgm="http://schemas.openxmlformats.org/drawingml/2006/diagram" xmlns:o="urn:schemas-microsoft-com:office:office" xmlns:v="urn:schemas-microsoft-com:vml" xmlns:pvml="urn:schemas-microsoft-com:office:powerpoint" xmlns:com="http://schemas.openxmlformats.org/drawingml/2006/compatibility" xmlns:p14="http://schemas.microsoft.com/office/powerpoint/2010/main" xmlns:p15="http://schemas.microsoft.com/office/powerpoint/2012/main" xmlns:ahyp="http://schemas.microsoft.com/office/drawing/2018/hyperlinkcolor" showMasterPhAnim="0" showMasterSp="0">
+<p:notes xmlns:a="http://schemas.openxmlformats.org/drawingml/2006/main" xmlns:r="http://schemas.openxmlformats.org/officeDocument/2006/relationships" xmlns:p="http://schemas.openxmlformats.org/presentationml/2006/main" showMasterSp="0" showMasterPhAnim="0">
   <p:cSld>
     <p:spTree>
       <p:nvGrpSpPr>
-        <p:cNvPr id="50" name="Shape 50"/>
+        <p:cNvPr id="1" name="Shape 50"/>
         <p:cNvGrpSpPr/>
         <p:nvPr/>
       </p:nvGrpSpPr>
@@ -714,20 +731,26 @@
       <p:sp>
         <p:nvSpPr>
           <p:cNvPr id="51" name="Google Shape;51;p:notes"/>
-          <p:cNvSpPr/>
+          <p:cNvSpPr>
+            <a:spLocks noGrp="1" noRot="1" noChangeAspect="1"/>
+          </p:cNvSpPr>
           <p:nvPr>
-            <p:ph idx="2" type="sldImg"/>
+            <p:ph type="sldImg" idx="2"/>
           </p:nvPr>
         </p:nvSpPr>
         <p:spPr>
           <a:xfrm>
-            <a:off x="381300" y="685800"/>
-            <a:ext cx="6096075" cy="3429000"/>
+            <a:off x="381000" y="685800"/>
+            <a:ext cx="6096000" cy="3429000"/>
           </a:xfrm>
           <a:custGeom>
-            <a:rect b="b" l="l" r="r" t="t"/>
+            <a:avLst/>
+            <a:gdLst/>
+            <a:ahLst/>
+            <a:cxnLst/>
+            <a:rect l="l" t="t" r="r" b="b"/>
             <a:pathLst>
-              <a:path extrusionOk="0" h="120000" w="120000">
+              <a:path w="120000" h="120000" extrusionOk="0">
                 <a:moveTo>
                   <a:pt x="0" y="0"/>
                 </a:moveTo>
@@ -749,9 +772,11 @@
       <p:sp>
         <p:nvSpPr>
           <p:cNvPr id="52" name="Google Shape;52;p:notes"/>
-          <p:cNvSpPr txBox="1"/>
+          <p:cNvSpPr txBox="1">
+            <a:spLocks noGrp="1"/>
+          </p:cNvSpPr>
           <p:nvPr>
-            <p:ph idx="1" type="body"/>
+            <p:ph type="body" idx="1"/>
           </p:nvPr>
         </p:nvSpPr>
         <p:spPr>
@@ -764,12 +789,12 @@
           </a:prstGeom>
         </p:spPr>
         <p:txBody>
-          <a:bodyPr anchorCtr="0" anchor="t" bIns="91425" lIns="91425" spcFirstLastPara="1" rIns="91425" wrap="square" tIns="91425">
+          <a:bodyPr spcFirstLastPara="1" wrap="square" lIns="91425" tIns="91425" rIns="91425" bIns="91425" anchor="t" anchorCtr="0">
             <a:noAutofit/>
           </a:bodyPr>
           <a:lstStyle/>
           <a:p>
-            <a:pPr indent="0" lvl="0" marL="0" rtl="0" algn="l">
+            <a:pPr marL="0" lvl="0" indent="0" algn="l" rtl="0">
               <a:spcBef>
                 <a:spcPts val="0"/>
               </a:spcBef>
@@ -778,9 +803,6 @@
               </a:spcAft>
               <a:buNone/>
             </a:pPr>
-            <a:r>
-              <a:t/>
-            </a:r>
             <a:endParaRPr/>
           </a:p>
         </p:txBody>
@@ -793,12 +815,73 @@
 </p:notes>
 </file>
 
-<file path=ppt/notesSlides/notesSlide2.xml><?xml version="1.0" encoding="utf-8"?>
-<p:notes xmlns:a="http://schemas.openxmlformats.org/drawingml/2006/main" xmlns:r="http://schemas.openxmlformats.org/officeDocument/2006/relationships" xmlns:mc="http://schemas.openxmlformats.org/markup-compatibility/2006" xmlns:mv="urn:schemas-microsoft-com:mac:vml" xmlns:p="http://schemas.openxmlformats.org/presentationml/2006/main" xmlns:c="http://schemas.openxmlformats.org/drawingml/2006/chart" xmlns:dgm="http://schemas.openxmlformats.org/drawingml/2006/diagram" xmlns:o="urn:schemas-microsoft-com:office:office" xmlns:v="urn:schemas-microsoft-com:vml" xmlns:pvml="urn:schemas-microsoft-com:office:powerpoint" xmlns:com="http://schemas.openxmlformats.org/drawingml/2006/compatibility" xmlns:p14="http://schemas.microsoft.com/office/powerpoint/2010/main" xmlns:p15="http://schemas.microsoft.com/office/powerpoint/2012/main" xmlns:ahyp="http://schemas.microsoft.com/office/drawing/2018/hyperlinkcolor" showMasterPhAnim="0" showMasterSp="0">
+<file path=ppt/notesSlides/notesSlide10.xml><?xml version="1.0" encoding="utf-8"?>
+<p:notes xmlns:a="http://schemas.openxmlformats.org/drawingml/2006/main" xmlns:r="http://schemas.openxmlformats.org/officeDocument/2006/relationships" xmlns:p="http://schemas.openxmlformats.org/presentationml/2006/main">
   <p:cSld>
     <p:spTree>
       <p:nvGrpSpPr>
-        <p:cNvPr id="56" name="Shape 56"/>
+        <p:cNvPr id="1" name=""/>
+        <p:cNvGrpSpPr/>
+        <p:nvPr/>
+      </p:nvGrpSpPr>
+      <p:grpSpPr>
+        <a:xfrm>
+          <a:off x="0" y="0"/>
+          <a:ext cx="0" cy="0"/>
+          <a:chOff x="0" y="0"/>
+          <a:chExt cx="0" cy="0"/>
+        </a:xfrm>
+      </p:grpSpPr>
+      <p:sp>
+        <p:nvSpPr>
+          <p:cNvPr id="2" name="幻灯片图像占位符 1"/>
+          <p:cNvSpPr>
+            <a:spLocks noGrp="1" noRot="1" noChangeAspect="1"/>
+          </p:cNvSpPr>
+          <p:nvPr>
+            <p:ph type="sldImg"/>
+          </p:nvPr>
+        </p:nvSpPr>
+        <p:spPr/>
+      </p:sp>
+      <p:sp>
+        <p:nvSpPr>
+          <p:cNvPr id="3" name="备注占位符 2"/>
+          <p:cNvSpPr>
+            <a:spLocks noGrp="1"/>
+          </p:cNvSpPr>
+          <p:nvPr>
+            <p:ph type="body" idx="1"/>
+          </p:nvPr>
+        </p:nvSpPr>
+        <p:spPr/>
+        <p:txBody>
+          <a:bodyPr/>
+          <a:lstStyle/>
+          <a:p>
+            <a:endParaRPr kumimoji="1" lang="zh-CN" altLang="en-US" dirty="0"/>
+          </a:p>
+        </p:txBody>
+      </p:sp>
+    </p:spTree>
+    <p:extLst>
+      <p:ext uri="{BB962C8B-B14F-4D97-AF65-F5344CB8AC3E}">
+        <p14:creationId xmlns:p14="http://schemas.microsoft.com/office/powerpoint/2010/main" val="1094713136"/>
+      </p:ext>
+    </p:extLst>
+  </p:cSld>
+  <p:clrMapOvr>
+    <a:masterClrMapping/>
+  </p:clrMapOvr>
+</p:notes>
+</file>
+
+<file path=ppt/notesSlides/notesSlide2.xml><?xml version="1.0" encoding="utf-8"?>
+<p:notes xmlns:a="http://schemas.openxmlformats.org/drawingml/2006/main" xmlns:r="http://schemas.openxmlformats.org/officeDocument/2006/relationships" xmlns:p="http://schemas.openxmlformats.org/presentationml/2006/main" showMasterSp="0" showMasterPhAnim="0">
+  <p:cSld>
+    <p:spTree>
+      <p:nvGrpSpPr>
+        <p:cNvPr id="1" name="Shape 56"/>
         <p:cNvGrpSpPr/>
         <p:nvPr/>
       </p:nvGrpSpPr>
@@ -813,9 +896,11 @@
       <p:sp>
         <p:nvSpPr>
           <p:cNvPr id="57" name="Google Shape;57;g22c6459d7db_0_0:notes"/>
-          <p:cNvSpPr/>
+          <p:cNvSpPr>
+            <a:spLocks noGrp="1" noRot="1" noChangeAspect="1"/>
+          </p:cNvSpPr>
           <p:nvPr>
-            <p:ph idx="2" type="sldImg"/>
+            <p:ph type="sldImg" idx="2"/>
           </p:nvPr>
         </p:nvSpPr>
         <p:spPr>
@@ -824,9 +909,13 @@
             <a:ext cx="6096000" cy="3429000"/>
           </a:xfrm>
           <a:custGeom>
-            <a:rect b="b" l="l" r="r" t="t"/>
+            <a:avLst/>
+            <a:gdLst/>
+            <a:ahLst/>
+            <a:cxnLst/>
+            <a:rect l="l" t="t" r="r" b="b"/>
             <a:pathLst>
-              <a:path extrusionOk="0" h="120000" w="120000">
+              <a:path w="120000" h="120000" extrusionOk="0">
                 <a:moveTo>
                   <a:pt x="0" y="0"/>
                 </a:moveTo>
@@ -848,9 +937,11 @@
       <p:sp>
         <p:nvSpPr>
           <p:cNvPr id="58" name="Google Shape;58;g22c6459d7db_0_0:notes"/>
-          <p:cNvSpPr txBox="1"/>
+          <p:cNvSpPr txBox="1">
+            <a:spLocks noGrp="1"/>
+          </p:cNvSpPr>
           <p:nvPr>
-            <p:ph idx="1" type="body"/>
+            <p:ph type="body" idx="1"/>
           </p:nvPr>
         </p:nvSpPr>
         <p:spPr>
@@ -863,12 +954,12 @@
           </a:prstGeom>
         </p:spPr>
         <p:txBody>
-          <a:bodyPr anchorCtr="0" anchor="t" bIns="91425" lIns="91425" spcFirstLastPara="1" rIns="91425" wrap="square" tIns="91425">
+          <a:bodyPr spcFirstLastPara="1" wrap="square" lIns="91425" tIns="91425" rIns="91425" bIns="91425" anchor="t" anchorCtr="0">
             <a:noAutofit/>
           </a:bodyPr>
           <a:lstStyle/>
           <a:p>
-            <a:pPr indent="0" lvl="0" marL="0" rtl="0" algn="l">
+            <a:pPr marL="0" lvl="0" indent="0" algn="l" rtl="0">
               <a:spcBef>
                 <a:spcPts val="0"/>
               </a:spcBef>
@@ -877,9 +968,6 @@
               </a:spcAft>
               <a:buNone/>
             </a:pPr>
-            <a:r>
-              <a:t/>
-            </a:r>
             <a:endParaRPr/>
           </a:p>
         </p:txBody>
@@ -893,11 +981,11 @@
 </file>
 
 <file path=ppt/notesSlides/notesSlide3.xml><?xml version="1.0" encoding="utf-8"?>
-<p:notes xmlns:a="http://schemas.openxmlformats.org/drawingml/2006/main" xmlns:r="http://schemas.openxmlformats.org/officeDocument/2006/relationships" xmlns:mc="http://schemas.openxmlformats.org/markup-compatibility/2006" xmlns:mv="urn:schemas-microsoft-com:mac:vml" xmlns:p="http://schemas.openxmlformats.org/presentationml/2006/main" xmlns:c="http://schemas.openxmlformats.org/drawingml/2006/chart" xmlns:dgm="http://schemas.openxmlformats.org/drawingml/2006/diagram" xmlns:o="urn:schemas-microsoft-com:office:office" xmlns:v="urn:schemas-microsoft-com:vml" xmlns:pvml="urn:schemas-microsoft-com:office:powerpoint" xmlns:com="http://schemas.openxmlformats.org/drawingml/2006/compatibility" xmlns:p14="http://schemas.microsoft.com/office/powerpoint/2010/main" xmlns:p15="http://schemas.microsoft.com/office/powerpoint/2012/main" xmlns:ahyp="http://schemas.microsoft.com/office/drawing/2018/hyperlinkcolor" showMasterPhAnim="0" showMasterSp="0">
+<p:notes xmlns:a="http://schemas.openxmlformats.org/drawingml/2006/main" xmlns:r="http://schemas.openxmlformats.org/officeDocument/2006/relationships" xmlns:p="http://schemas.openxmlformats.org/presentationml/2006/main" showMasterSp="0" showMasterPhAnim="0">
   <p:cSld>
     <p:spTree>
       <p:nvGrpSpPr>
-        <p:cNvPr id="62" name="Shape 62"/>
+        <p:cNvPr id="1" name="Shape 62"/>
         <p:cNvGrpSpPr/>
         <p:nvPr/>
       </p:nvGrpSpPr>
@@ -912,20 +1000,26 @@
       <p:sp>
         <p:nvSpPr>
           <p:cNvPr id="63" name="Google Shape;63;g22c6459d7db_0_116:notes"/>
-          <p:cNvSpPr/>
+          <p:cNvSpPr>
+            <a:spLocks noGrp="1" noRot="1" noChangeAspect="1"/>
+          </p:cNvSpPr>
           <p:nvPr>
-            <p:ph idx="2" type="sldImg"/>
+            <p:ph type="sldImg" idx="2"/>
           </p:nvPr>
         </p:nvSpPr>
         <p:spPr>
           <a:xfrm>
-            <a:off x="381300" y="685800"/>
+            <a:off x="381000" y="685800"/>
             <a:ext cx="6096000" cy="3429000"/>
           </a:xfrm>
           <a:custGeom>
-            <a:rect b="b" l="l" r="r" t="t"/>
+            <a:avLst/>
+            <a:gdLst/>
+            <a:ahLst/>
+            <a:cxnLst/>
+            <a:rect l="l" t="t" r="r" b="b"/>
             <a:pathLst>
-              <a:path extrusionOk="0" h="120000" w="120000">
+              <a:path w="120000" h="120000" extrusionOk="0">
                 <a:moveTo>
                   <a:pt x="0" y="0"/>
                 </a:moveTo>
@@ -947,9 +1041,11 @@
       <p:sp>
         <p:nvSpPr>
           <p:cNvPr id="64" name="Google Shape;64;g22c6459d7db_0_116:notes"/>
-          <p:cNvSpPr txBox="1"/>
+          <p:cNvSpPr txBox="1">
+            <a:spLocks noGrp="1"/>
+          </p:cNvSpPr>
           <p:nvPr>
-            <p:ph idx="1" type="body"/>
+            <p:ph type="body" idx="1"/>
           </p:nvPr>
         </p:nvSpPr>
         <p:spPr>
@@ -962,12 +1058,12 @@
           </a:prstGeom>
         </p:spPr>
         <p:txBody>
-          <a:bodyPr anchorCtr="0" anchor="t" bIns="91425" lIns="91425" spcFirstLastPara="1" rIns="91425" wrap="square" tIns="91425">
+          <a:bodyPr spcFirstLastPara="1" wrap="square" lIns="91425" tIns="91425" rIns="91425" bIns="91425" anchor="t" anchorCtr="0">
             <a:noAutofit/>
           </a:bodyPr>
           <a:lstStyle/>
           <a:p>
-            <a:pPr indent="0" lvl="0" marL="0" rtl="0" algn="l">
+            <a:pPr marL="0" lvl="0" indent="0" algn="l" rtl="0">
               <a:spcBef>
                 <a:spcPts val="0"/>
               </a:spcBef>
@@ -976,9 +1072,6 @@
               </a:spcAft>
               <a:buNone/>
             </a:pPr>
-            <a:r>
-              <a:t/>
-            </a:r>
             <a:endParaRPr/>
           </a:p>
         </p:txBody>
@@ -992,11 +1085,11 @@
 </file>
 
 <file path=ppt/notesSlides/notesSlide4.xml><?xml version="1.0" encoding="utf-8"?>
-<p:notes xmlns:a="http://schemas.openxmlformats.org/drawingml/2006/main" xmlns:r="http://schemas.openxmlformats.org/officeDocument/2006/relationships" xmlns:mc="http://schemas.openxmlformats.org/markup-compatibility/2006" xmlns:mv="urn:schemas-microsoft-com:mac:vml" xmlns:p="http://schemas.openxmlformats.org/presentationml/2006/main" xmlns:c="http://schemas.openxmlformats.org/drawingml/2006/chart" xmlns:dgm="http://schemas.openxmlformats.org/drawingml/2006/diagram" xmlns:o="urn:schemas-microsoft-com:office:office" xmlns:v="urn:schemas-microsoft-com:vml" xmlns:pvml="urn:schemas-microsoft-com:office:powerpoint" xmlns:com="http://schemas.openxmlformats.org/drawingml/2006/compatibility" xmlns:p14="http://schemas.microsoft.com/office/powerpoint/2010/main" xmlns:p15="http://schemas.microsoft.com/office/powerpoint/2012/main" xmlns:ahyp="http://schemas.microsoft.com/office/drawing/2018/hyperlinkcolor" showMasterPhAnim="0" showMasterSp="0">
+<p:notes xmlns:a="http://schemas.openxmlformats.org/drawingml/2006/main" xmlns:r="http://schemas.openxmlformats.org/officeDocument/2006/relationships" xmlns:p="http://schemas.openxmlformats.org/presentationml/2006/main" showMasterSp="0" showMasterPhAnim="0">
   <p:cSld>
     <p:spTree>
       <p:nvGrpSpPr>
-        <p:cNvPr id="69" name="Shape 69"/>
+        <p:cNvPr id="1" name="Shape 69"/>
         <p:cNvGrpSpPr/>
         <p:nvPr/>
       </p:nvGrpSpPr>
@@ -1011,20 +1104,26 @@
       <p:sp>
         <p:nvSpPr>
           <p:cNvPr id="70" name="Google Shape;70;g22cde43b884_0_11:notes"/>
-          <p:cNvSpPr/>
+          <p:cNvSpPr>
+            <a:spLocks noGrp="1" noRot="1" noChangeAspect="1"/>
+          </p:cNvSpPr>
           <p:nvPr>
-            <p:ph idx="2" type="sldImg"/>
+            <p:ph type="sldImg" idx="2"/>
           </p:nvPr>
         </p:nvSpPr>
         <p:spPr>
           <a:xfrm>
-            <a:off x="381300" y="685800"/>
+            <a:off x="381000" y="685800"/>
             <a:ext cx="6096000" cy="3429000"/>
           </a:xfrm>
           <a:custGeom>
-            <a:rect b="b" l="l" r="r" t="t"/>
+            <a:avLst/>
+            <a:gdLst/>
+            <a:ahLst/>
+            <a:cxnLst/>
+            <a:rect l="l" t="t" r="r" b="b"/>
             <a:pathLst>
-              <a:path extrusionOk="0" h="120000" w="120000">
+              <a:path w="120000" h="120000" extrusionOk="0">
                 <a:moveTo>
                   <a:pt x="0" y="0"/>
                 </a:moveTo>
@@ -1046,9 +1145,11 @@
       <p:sp>
         <p:nvSpPr>
           <p:cNvPr id="71" name="Google Shape;71;g22cde43b884_0_11:notes"/>
-          <p:cNvSpPr txBox="1"/>
+          <p:cNvSpPr txBox="1">
+            <a:spLocks noGrp="1"/>
+          </p:cNvSpPr>
           <p:nvPr>
-            <p:ph idx="1" type="body"/>
+            <p:ph type="body" idx="1"/>
           </p:nvPr>
         </p:nvSpPr>
         <p:spPr>
@@ -1061,12 +1162,12 @@
           </a:prstGeom>
         </p:spPr>
         <p:txBody>
-          <a:bodyPr anchorCtr="0" anchor="t" bIns="91425" lIns="91425" spcFirstLastPara="1" rIns="91425" wrap="square" tIns="91425">
+          <a:bodyPr spcFirstLastPara="1" wrap="square" lIns="91425" tIns="91425" rIns="91425" bIns="91425" anchor="t" anchorCtr="0">
             <a:noAutofit/>
           </a:bodyPr>
           <a:lstStyle/>
           <a:p>
-            <a:pPr indent="0" lvl="0" marL="0" rtl="0" algn="l">
+            <a:pPr marL="0" lvl="0" indent="0" algn="l" rtl="0">
               <a:spcBef>
                 <a:spcPts val="0"/>
               </a:spcBef>
@@ -1075,9 +1176,6 @@
               </a:spcAft>
               <a:buNone/>
             </a:pPr>
-            <a:r>
-              <a:t/>
-            </a:r>
             <a:endParaRPr/>
           </a:p>
         </p:txBody>
@@ -1091,11 +1189,11 @@
 </file>
 
 <file path=ppt/notesSlides/notesSlide5.xml><?xml version="1.0" encoding="utf-8"?>
-<p:notes xmlns:a="http://schemas.openxmlformats.org/drawingml/2006/main" xmlns:r="http://schemas.openxmlformats.org/officeDocument/2006/relationships" xmlns:mc="http://schemas.openxmlformats.org/markup-compatibility/2006" xmlns:mv="urn:schemas-microsoft-com:mac:vml" xmlns:p="http://schemas.openxmlformats.org/presentationml/2006/main" xmlns:c="http://schemas.openxmlformats.org/drawingml/2006/chart" xmlns:dgm="http://schemas.openxmlformats.org/drawingml/2006/diagram" xmlns:o="urn:schemas-microsoft-com:office:office" xmlns:v="urn:schemas-microsoft-com:vml" xmlns:pvml="urn:schemas-microsoft-com:office:powerpoint" xmlns:com="http://schemas.openxmlformats.org/drawingml/2006/compatibility" xmlns:p14="http://schemas.microsoft.com/office/powerpoint/2010/main" xmlns:p15="http://schemas.microsoft.com/office/powerpoint/2012/main" xmlns:ahyp="http://schemas.microsoft.com/office/drawing/2018/hyperlinkcolor" showMasterPhAnim="0" showMasterSp="0">
+<p:notes xmlns:a="http://schemas.openxmlformats.org/drawingml/2006/main" xmlns:r="http://schemas.openxmlformats.org/officeDocument/2006/relationships" xmlns:p="http://schemas.openxmlformats.org/presentationml/2006/main" showMasterSp="0" showMasterPhAnim="0">
   <p:cSld>
     <p:spTree>
       <p:nvGrpSpPr>
-        <p:cNvPr id="78" name="Shape 78"/>
+        <p:cNvPr id="1" name="Shape 78"/>
         <p:cNvGrpSpPr/>
         <p:nvPr/>
       </p:nvGrpSpPr>
@@ -1110,9 +1208,11 @@
       <p:sp>
         <p:nvSpPr>
           <p:cNvPr id="79" name="Google Shape;79;g22c6459d7db_0_5:notes"/>
-          <p:cNvSpPr/>
+          <p:cNvSpPr>
+            <a:spLocks noGrp="1" noRot="1" noChangeAspect="1"/>
+          </p:cNvSpPr>
           <p:nvPr>
-            <p:ph idx="2" type="sldImg"/>
+            <p:ph type="sldImg" idx="2"/>
           </p:nvPr>
         </p:nvSpPr>
         <p:spPr>
@@ -1121,9 +1221,13 @@
             <a:ext cx="6096000" cy="3429000"/>
           </a:xfrm>
           <a:custGeom>
-            <a:rect b="b" l="l" r="r" t="t"/>
+            <a:avLst/>
+            <a:gdLst/>
+            <a:ahLst/>
+            <a:cxnLst/>
+            <a:rect l="l" t="t" r="r" b="b"/>
             <a:pathLst>
-              <a:path extrusionOk="0" h="120000" w="120000">
+              <a:path w="120000" h="120000" extrusionOk="0">
                 <a:moveTo>
                   <a:pt x="0" y="0"/>
                 </a:moveTo>
@@ -1145,9 +1249,11 @@
       <p:sp>
         <p:nvSpPr>
           <p:cNvPr id="80" name="Google Shape;80;g22c6459d7db_0_5:notes"/>
-          <p:cNvSpPr txBox="1"/>
+          <p:cNvSpPr txBox="1">
+            <a:spLocks noGrp="1"/>
+          </p:cNvSpPr>
           <p:nvPr>
-            <p:ph idx="1" type="body"/>
+            <p:ph type="body" idx="1"/>
           </p:nvPr>
         </p:nvSpPr>
         <p:spPr>
@@ -1160,12 +1266,12 @@
           </a:prstGeom>
         </p:spPr>
         <p:txBody>
-          <a:bodyPr anchorCtr="0" anchor="t" bIns="91425" lIns="91425" spcFirstLastPara="1" rIns="91425" wrap="square" tIns="91425">
+          <a:bodyPr spcFirstLastPara="1" wrap="square" lIns="91425" tIns="91425" rIns="91425" bIns="91425" anchor="t" anchorCtr="0">
             <a:noAutofit/>
           </a:bodyPr>
           <a:lstStyle/>
           <a:p>
-            <a:pPr indent="0" lvl="0" marL="0" rtl="0" algn="l">
+            <a:pPr marL="0" lvl="0" indent="0" algn="l" rtl="0">
               <a:spcBef>
                 <a:spcPts val="0"/>
               </a:spcBef>
@@ -1174,9 +1280,6 @@
               </a:spcAft>
               <a:buNone/>
             </a:pPr>
-            <a:r>
-              <a:t/>
-            </a:r>
             <a:endParaRPr/>
           </a:p>
         </p:txBody>
@@ -1190,11 +1293,11 @@
 </file>
 
 <file path=ppt/notesSlides/notesSlide6.xml><?xml version="1.0" encoding="utf-8"?>
-<p:notes xmlns:a="http://schemas.openxmlformats.org/drawingml/2006/main" xmlns:r="http://schemas.openxmlformats.org/officeDocument/2006/relationships" xmlns:mc="http://schemas.openxmlformats.org/markup-compatibility/2006" xmlns:mv="urn:schemas-microsoft-com:mac:vml" xmlns:p="http://schemas.openxmlformats.org/presentationml/2006/main" xmlns:c="http://schemas.openxmlformats.org/drawingml/2006/chart" xmlns:dgm="http://schemas.openxmlformats.org/drawingml/2006/diagram" xmlns:o="urn:schemas-microsoft-com:office:office" xmlns:v="urn:schemas-microsoft-com:vml" xmlns:pvml="urn:schemas-microsoft-com:office:powerpoint" xmlns:com="http://schemas.openxmlformats.org/drawingml/2006/compatibility" xmlns:p14="http://schemas.microsoft.com/office/powerpoint/2010/main" xmlns:p15="http://schemas.microsoft.com/office/powerpoint/2012/main" xmlns:ahyp="http://schemas.microsoft.com/office/drawing/2018/hyperlinkcolor" showMasterPhAnim="0" showMasterSp="0">
+<p:notes xmlns:a="http://schemas.openxmlformats.org/drawingml/2006/main" xmlns:r="http://schemas.openxmlformats.org/officeDocument/2006/relationships" xmlns:p="http://schemas.openxmlformats.org/presentationml/2006/main" showMasterSp="0" showMasterPhAnim="0">
   <p:cSld>
     <p:spTree>
       <p:nvGrpSpPr>
-        <p:cNvPr id="85" name="Shape 85"/>
+        <p:cNvPr id="1" name="Shape 85"/>
         <p:cNvGrpSpPr/>
         <p:nvPr/>
       </p:nvGrpSpPr>
@@ -1209,9 +1312,11 @@
       <p:sp>
         <p:nvSpPr>
           <p:cNvPr id="86" name="Google Shape;86;g22cde43b884_0_18:notes"/>
-          <p:cNvSpPr/>
+          <p:cNvSpPr>
+            <a:spLocks noGrp="1" noRot="1" noChangeAspect="1"/>
+          </p:cNvSpPr>
           <p:nvPr>
-            <p:ph idx="2" type="sldImg"/>
+            <p:ph type="sldImg" idx="2"/>
           </p:nvPr>
         </p:nvSpPr>
         <p:spPr>
@@ -1220,9 +1325,13 @@
             <a:ext cx="6096000" cy="3429000"/>
           </a:xfrm>
           <a:custGeom>
-            <a:rect b="b" l="l" r="r" t="t"/>
+            <a:avLst/>
+            <a:gdLst/>
+            <a:ahLst/>
+            <a:cxnLst/>
+            <a:rect l="l" t="t" r="r" b="b"/>
             <a:pathLst>
-              <a:path extrusionOk="0" h="120000" w="120000">
+              <a:path w="120000" h="120000" extrusionOk="0">
                 <a:moveTo>
                   <a:pt x="0" y="0"/>
                 </a:moveTo>
@@ -1244,9 +1353,11 @@
       <p:sp>
         <p:nvSpPr>
           <p:cNvPr id="87" name="Google Shape;87;g22cde43b884_0_18:notes"/>
-          <p:cNvSpPr txBox="1"/>
+          <p:cNvSpPr txBox="1">
+            <a:spLocks noGrp="1"/>
+          </p:cNvSpPr>
           <p:nvPr>
-            <p:ph idx="1" type="body"/>
+            <p:ph type="body" idx="1"/>
           </p:nvPr>
         </p:nvSpPr>
         <p:spPr>
@@ -1259,12 +1370,12 @@
           </a:prstGeom>
         </p:spPr>
         <p:txBody>
-          <a:bodyPr anchorCtr="0" anchor="t" bIns="91425" lIns="91425" spcFirstLastPara="1" rIns="91425" wrap="square" tIns="91425">
+          <a:bodyPr spcFirstLastPara="1" wrap="square" lIns="91425" tIns="91425" rIns="91425" bIns="91425" anchor="t" anchorCtr="0">
             <a:noAutofit/>
           </a:bodyPr>
           <a:lstStyle/>
           <a:p>
-            <a:pPr indent="0" lvl="0" marL="0" rtl="0" algn="l">
+            <a:pPr marL="0" lvl="0" indent="0" algn="l" rtl="0">
               <a:spcBef>
                 <a:spcPts val="0"/>
               </a:spcBef>
@@ -1273,9 +1384,6 @@
               </a:spcAft>
               <a:buNone/>
             </a:pPr>
-            <a:r>
-              <a:t/>
-            </a:r>
             <a:endParaRPr/>
           </a:p>
         </p:txBody>
@@ -1289,11 +1397,11 @@
 </file>
 
 <file path=ppt/notesSlides/notesSlide7.xml><?xml version="1.0" encoding="utf-8"?>
-<p:notes xmlns:a="http://schemas.openxmlformats.org/drawingml/2006/main" xmlns:r="http://schemas.openxmlformats.org/officeDocument/2006/relationships" xmlns:mc="http://schemas.openxmlformats.org/markup-compatibility/2006" xmlns:mv="urn:schemas-microsoft-com:mac:vml" xmlns:p="http://schemas.openxmlformats.org/presentationml/2006/main" xmlns:c="http://schemas.openxmlformats.org/drawingml/2006/chart" xmlns:dgm="http://schemas.openxmlformats.org/drawingml/2006/diagram" xmlns:o="urn:schemas-microsoft-com:office:office" xmlns:v="urn:schemas-microsoft-com:vml" xmlns:pvml="urn:schemas-microsoft-com:office:powerpoint" xmlns:com="http://schemas.openxmlformats.org/drawingml/2006/compatibility" xmlns:p14="http://schemas.microsoft.com/office/powerpoint/2010/main" xmlns:p15="http://schemas.microsoft.com/office/powerpoint/2012/main" xmlns:ahyp="http://schemas.microsoft.com/office/drawing/2018/hyperlinkcolor" showMasterPhAnim="0" showMasterSp="0">
+<p:notes xmlns:a="http://schemas.openxmlformats.org/drawingml/2006/main" xmlns:r="http://schemas.openxmlformats.org/officeDocument/2006/relationships" xmlns:p="http://schemas.openxmlformats.org/presentationml/2006/main" showMasterSp="0" showMasterPhAnim="0">
   <p:cSld>
     <p:spTree>
       <p:nvGrpSpPr>
-        <p:cNvPr id="93" name="Shape 93"/>
+        <p:cNvPr id="1" name="Shape 93"/>
         <p:cNvGrpSpPr/>
         <p:nvPr/>
       </p:nvGrpSpPr>
@@ -1308,9 +1416,11 @@
       <p:sp>
         <p:nvSpPr>
           <p:cNvPr id="94" name="Google Shape;94;g22c6459d7db_0_10:notes"/>
-          <p:cNvSpPr/>
+          <p:cNvSpPr>
+            <a:spLocks noGrp="1" noRot="1" noChangeAspect="1"/>
+          </p:cNvSpPr>
           <p:nvPr>
-            <p:ph idx="2" type="sldImg"/>
+            <p:ph type="sldImg" idx="2"/>
           </p:nvPr>
         </p:nvSpPr>
         <p:spPr>
@@ -1319,9 +1429,13 @@
             <a:ext cx="6096000" cy="3429000"/>
           </a:xfrm>
           <a:custGeom>
-            <a:rect b="b" l="l" r="r" t="t"/>
+            <a:avLst/>
+            <a:gdLst/>
+            <a:ahLst/>
+            <a:cxnLst/>
+            <a:rect l="l" t="t" r="r" b="b"/>
             <a:pathLst>
-              <a:path extrusionOk="0" h="120000" w="120000">
+              <a:path w="120000" h="120000" extrusionOk="0">
                 <a:moveTo>
                   <a:pt x="0" y="0"/>
                 </a:moveTo>
@@ -1343,9 +1457,11 @@
       <p:sp>
         <p:nvSpPr>
           <p:cNvPr id="95" name="Google Shape;95;g22c6459d7db_0_10:notes"/>
-          <p:cNvSpPr txBox="1"/>
+          <p:cNvSpPr txBox="1">
+            <a:spLocks noGrp="1"/>
+          </p:cNvSpPr>
           <p:nvPr>
-            <p:ph idx="1" type="body"/>
+            <p:ph type="body" idx="1"/>
           </p:nvPr>
         </p:nvSpPr>
         <p:spPr>
@@ -1358,12 +1474,12 @@
           </a:prstGeom>
         </p:spPr>
         <p:txBody>
-          <a:bodyPr anchorCtr="0" anchor="t" bIns="91425" lIns="91425" spcFirstLastPara="1" rIns="91425" wrap="square" tIns="91425">
+          <a:bodyPr spcFirstLastPara="1" wrap="square" lIns="91425" tIns="91425" rIns="91425" bIns="91425" anchor="t" anchorCtr="0">
             <a:noAutofit/>
           </a:bodyPr>
           <a:lstStyle/>
           <a:p>
-            <a:pPr indent="0" lvl="0" marL="0" rtl="0" algn="l">
+            <a:pPr marL="0" lvl="0" indent="0" algn="l" rtl="0">
               <a:spcBef>
                 <a:spcPts val="0"/>
               </a:spcBef>
@@ -1379,7 +1495,7 @@
             <a:endParaRPr/>
           </a:p>
           <a:p>
-            <a:pPr indent="0" lvl="0" marL="0" rtl="0" algn="l">
+            <a:pPr marL="0" lvl="0" indent="0" algn="l" rtl="0">
               <a:spcBef>
                 <a:spcPts val="0"/>
               </a:spcBef>
@@ -1388,9 +1504,6 @@
               </a:spcAft>
               <a:buNone/>
             </a:pPr>
-            <a:r>
-              <a:t/>
-            </a:r>
             <a:endParaRPr/>
           </a:p>
         </p:txBody>
@@ -1404,11 +1517,11 @@
 </file>
 
 <file path=ppt/notesSlides/notesSlide8.xml><?xml version="1.0" encoding="utf-8"?>
-<p:notes xmlns:a="http://schemas.openxmlformats.org/drawingml/2006/main" xmlns:r="http://schemas.openxmlformats.org/officeDocument/2006/relationships" xmlns:mc="http://schemas.openxmlformats.org/markup-compatibility/2006" xmlns:mv="urn:schemas-microsoft-com:mac:vml" xmlns:p="http://schemas.openxmlformats.org/presentationml/2006/main" xmlns:c="http://schemas.openxmlformats.org/drawingml/2006/chart" xmlns:dgm="http://schemas.openxmlformats.org/drawingml/2006/diagram" xmlns:o="urn:schemas-microsoft-com:office:office" xmlns:v="urn:schemas-microsoft-com:vml" xmlns:pvml="urn:schemas-microsoft-com:office:powerpoint" xmlns:com="http://schemas.openxmlformats.org/drawingml/2006/compatibility" xmlns:p14="http://schemas.microsoft.com/office/powerpoint/2010/main" xmlns:p15="http://schemas.microsoft.com/office/powerpoint/2012/main" xmlns:ahyp="http://schemas.microsoft.com/office/drawing/2018/hyperlinkcolor" showMasterPhAnim="0" showMasterSp="0">
+<p:notes xmlns:a="http://schemas.openxmlformats.org/drawingml/2006/main" xmlns:r="http://schemas.openxmlformats.org/officeDocument/2006/relationships" xmlns:p="http://schemas.openxmlformats.org/presentationml/2006/main" showMasterSp="0" showMasterPhAnim="0">
   <p:cSld>
     <p:spTree>
       <p:nvGrpSpPr>
-        <p:cNvPr id="101" name="Shape 101"/>
+        <p:cNvPr id="1" name="Shape 101"/>
         <p:cNvGrpSpPr/>
         <p:nvPr/>
       </p:nvGrpSpPr>
@@ -1423,9 +1536,11 @@
       <p:sp>
         <p:nvSpPr>
           <p:cNvPr id="102" name="Google Shape;102;g22c6459d7db_0_1251:notes"/>
-          <p:cNvSpPr/>
+          <p:cNvSpPr>
+            <a:spLocks noGrp="1" noRot="1" noChangeAspect="1"/>
+          </p:cNvSpPr>
           <p:nvPr>
-            <p:ph idx="2" type="sldImg"/>
+            <p:ph type="sldImg" idx="2"/>
           </p:nvPr>
         </p:nvSpPr>
         <p:spPr>
@@ -1434,9 +1549,13 @@
             <a:ext cx="6096000" cy="3429000"/>
           </a:xfrm>
           <a:custGeom>
-            <a:rect b="b" l="l" r="r" t="t"/>
+            <a:avLst/>
+            <a:gdLst/>
+            <a:ahLst/>
+            <a:cxnLst/>
+            <a:rect l="l" t="t" r="r" b="b"/>
             <a:pathLst>
-              <a:path extrusionOk="0" h="120000" w="120000">
+              <a:path w="120000" h="120000" extrusionOk="0">
                 <a:moveTo>
                   <a:pt x="0" y="0"/>
                 </a:moveTo>
@@ -1458,9 +1577,11 @@
       <p:sp>
         <p:nvSpPr>
           <p:cNvPr id="103" name="Google Shape;103;g22c6459d7db_0_1251:notes"/>
-          <p:cNvSpPr txBox="1"/>
+          <p:cNvSpPr txBox="1">
+            <a:spLocks noGrp="1"/>
+          </p:cNvSpPr>
           <p:nvPr>
-            <p:ph idx="1" type="body"/>
+            <p:ph type="body" idx="1"/>
           </p:nvPr>
         </p:nvSpPr>
         <p:spPr>
@@ -1473,12 +1594,12 @@
           </a:prstGeom>
         </p:spPr>
         <p:txBody>
-          <a:bodyPr anchorCtr="0" anchor="t" bIns="91425" lIns="91425" spcFirstLastPara="1" rIns="91425" wrap="square" tIns="91425">
+          <a:bodyPr spcFirstLastPara="1" wrap="square" lIns="91425" tIns="91425" rIns="91425" bIns="91425" anchor="t" anchorCtr="0">
             <a:noAutofit/>
           </a:bodyPr>
           <a:lstStyle/>
           <a:p>
-            <a:pPr indent="0" lvl="0" marL="0" rtl="0" algn="l">
+            <a:pPr marL="0" lvl="0" indent="0" algn="l" rtl="0">
               <a:spcBef>
                 <a:spcPts val="0"/>
               </a:spcBef>
@@ -1487,9 +1608,6 @@
               </a:spcAft>
               <a:buNone/>
             </a:pPr>
-            <a:r>
-              <a:t/>
-            </a:r>
             <a:endParaRPr/>
           </a:p>
         </p:txBody>
@@ -1503,11 +1621,11 @@
 </file>
 
 <file path=ppt/notesSlides/notesSlide9.xml><?xml version="1.0" encoding="utf-8"?>
-<p:notes xmlns:a="http://schemas.openxmlformats.org/drawingml/2006/main" xmlns:r="http://schemas.openxmlformats.org/officeDocument/2006/relationships" xmlns:mc="http://schemas.openxmlformats.org/markup-compatibility/2006" xmlns:mv="urn:schemas-microsoft-com:mac:vml" xmlns:p="http://schemas.openxmlformats.org/presentationml/2006/main" xmlns:c="http://schemas.openxmlformats.org/drawingml/2006/chart" xmlns:dgm="http://schemas.openxmlformats.org/drawingml/2006/diagram" xmlns:o="urn:schemas-microsoft-com:office:office" xmlns:v="urn:schemas-microsoft-com:vml" xmlns:pvml="urn:schemas-microsoft-com:office:powerpoint" xmlns:com="http://schemas.openxmlformats.org/drawingml/2006/compatibility" xmlns:p14="http://schemas.microsoft.com/office/powerpoint/2010/main" xmlns:p15="http://schemas.microsoft.com/office/powerpoint/2012/main" xmlns:ahyp="http://schemas.microsoft.com/office/drawing/2018/hyperlinkcolor" showMasterPhAnim="0" showMasterSp="0">
+<p:notes xmlns:a="http://schemas.openxmlformats.org/drawingml/2006/main" xmlns:r="http://schemas.openxmlformats.org/officeDocument/2006/relationships" xmlns:p="http://schemas.openxmlformats.org/presentationml/2006/main" showMasterSp="0" showMasterPhAnim="0">
   <p:cSld>
     <p:spTree>
       <p:nvGrpSpPr>
-        <p:cNvPr id="108" name="Shape 108"/>
+        <p:cNvPr id="1" name="Shape 108"/>
         <p:cNvGrpSpPr/>
         <p:nvPr/>
       </p:nvGrpSpPr>
@@ -1522,9 +1640,11 @@
       <p:sp>
         <p:nvSpPr>
           <p:cNvPr id="109" name="Google Shape;109;g22cde43b884_0_1:notes"/>
-          <p:cNvSpPr/>
+          <p:cNvSpPr>
+            <a:spLocks noGrp="1" noRot="1" noChangeAspect="1"/>
+          </p:cNvSpPr>
           <p:nvPr>
-            <p:ph idx="2" type="sldImg"/>
+            <p:ph type="sldImg" idx="2"/>
           </p:nvPr>
         </p:nvSpPr>
         <p:spPr>
@@ -1533,9 +1653,13 @@
             <a:ext cx="6096000" cy="3429000"/>
           </a:xfrm>
           <a:custGeom>
-            <a:rect b="b" l="l" r="r" t="t"/>
+            <a:avLst/>
+            <a:gdLst/>
+            <a:ahLst/>
+            <a:cxnLst/>
+            <a:rect l="l" t="t" r="r" b="b"/>
             <a:pathLst>
-              <a:path extrusionOk="0" h="120000" w="120000">
+              <a:path w="120000" h="120000" extrusionOk="0">
                 <a:moveTo>
                   <a:pt x="0" y="0"/>
                 </a:moveTo>
@@ -1557,9 +1681,11 @@
       <p:sp>
         <p:nvSpPr>
           <p:cNvPr id="110" name="Google Shape;110;g22cde43b884_0_1:notes"/>
-          <p:cNvSpPr txBox="1"/>
+          <p:cNvSpPr txBox="1">
+            <a:spLocks noGrp="1"/>
+          </p:cNvSpPr>
           <p:nvPr>
-            <p:ph idx="1" type="body"/>
+            <p:ph type="body" idx="1"/>
           </p:nvPr>
         </p:nvSpPr>
         <p:spPr>
@@ -1572,12 +1698,12 @@
           </a:prstGeom>
         </p:spPr>
         <p:txBody>
-          <a:bodyPr anchorCtr="0" anchor="t" bIns="91425" lIns="91425" spcFirstLastPara="1" rIns="91425" wrap="square" tIns="91425">
+          <a:bodyPr spcFirstLastPara="1" wrap="square" lIns="91425" tIns="91425" rIns="91425" bIns="91425" anchor="t" anchorCtr="0">
             <a:noAutofit/>
           </a:bodyPr>
           <a:lstStyle/>
           <a:p>
-            <a:pPr indent="0" lvl="0" marL="0" rtl="0" algn="l">
+            <a:pPr marL="0" lvl="0" indent="0" algn="l" rtl="0">
               <a:spcBef>
                 <a:spcPts val="0"/>
               </a:spcBef>
@@ -1586,9 +1712,6 @@
               </a:spcAft>
               <a:buNone/>
             </a:pPr>
-            <a:r>
-              <a:t/>
-            </a:r>
             <a:endParaRPr/>
           </a:p>
         </p:txBody>
@@ -1602,11 +1725,11 @@
 </file>
 
 <file path=ppt/slideLayouts/slideLayout1.xml><?xml version="1.0" encoding="utf-8"?>
-<p:sldLayout xmlns:a="http://schemas.openxmlformats.org/drawingml/2006/main" xmlns:r="http://schemas.openxmlformats.org/officeDocument/2006/relationships" xmlns:mc="http://schemas.openxmlformats.org/markup-compatibility/2006" xmlns:mv="urn:schemas-microsoft-com:mac:vml" xmlns:p="http://schemas.openxmlformats.org/presentationml/2006/main" xmlns:c="http://schemas.openxmlformats.org/drawingml/2006/chart" xmlns:dgm="http://schemas.openxmlformats.org/drawingml/2006/diagram" xmlns:o="urn:schemas-microsoft-com:office:office" xmlns:v="urn:schemas-microsoft-com:vml" xmlns:pvml="urn:schemas-microsoft-com:office:powerpoint" xmlns:com="http://schemas.openxmlformats.org/drawingml/2006/compatibility" xmlns:p14="http://schemas.microsoft.com/office/powerpoint/2010/main" xmlns:p15="http://schemas.microsoft.com/office/powerpoint/2012/main" xmlns:ahyp="http://schemas.microsoft.com/office/drawing/2018/hyperlinkcolor" matchingName="Title slide" type="title">
+<p:sldLayout xmlns:a="http://schemas.openxmlformats.org/drawingml/2006/main" xmlns:r="http://schemas.openxmlformats.org/officeDocument/2006/relationships" xmlns:p="http://schemas.openxmlformats.org/presentationml/2006/main" matchingName="Title slide" type="title">
   <p:cSld name="TITLE">
     <p:spTree>
       <p:nvGrpSpPr>
-        <p:cNvPr id="9" name="Shape 9"/>
+        <p:cNvPr id="1" name="Shape 9"/>
         <p:cNvGrpSpPr/>
         <p:nvPr/>
       </p:nvGrpSpPr>
@@ -1621,7 +1744,9 @@
       <p:sp>
         <p:nvSpPr>
           <p:cNvPr id="10" name="Google Shape;10;p2"/>
-          <p:cNvSpPr txBox="1"/>
+          <p:cNvSpPr txBox="1">
+            <a:spLocks noGrp="1"/>
+          </p:cNvSpPr>
           <p:nvPr>
             <p:ph type="ctrTitle"/>
           </p:nvPr>
@@ -1636,7 +1761,7 @@
           </a:prstGeom>
         </p:spPr>
         <p:txBody>
-          <a:bodyPr anchorCtr="0" anchor="b" bIns="91425" lIns="91425" spcFirstLastPara="1" rIns="91425" wrap="square" tIns="91425">
+          <a:bodyPr spcFirstLastPara="1" wrap="square" lIns="91425" tIns="91425" rIns="91425" bIns="91425" anchor="b" anchorCtr="0">
             <a:normAutofit/>
           </a:bodyPr>
           <a:lstStyle>
@@ -1740,15 +1865,19 @@
               <a:defRPr sz="5200"/>
             </a:lvl9pPr>
           </a:lstStyle>
-          <a:p/>
+          <a:p>
+            <a:endParaRPr/>
+          </a:p>
         </p:txBody>
       </p:sp>
       <p:sp>
         <p:nvSpPr>
           <p:cNvPr id="11" name="Google Shape;11;p2"/>
-          <p:cNvSpPr txBox="1"/>
+          <p:cNvSpPr txBox="1">
+            <a:spLocks noGrp="1"/>
+          </p:cNvSpPr>
           <p:nvPr>
-            <p:ph idx="1" type="subTitle"/>
+            <p:ph type="subTitle" idx="1"/>
           </p:nvPr>
         </p:nvSpPr>
         <p:spPr>
@@ -1761,7 +1890,7 @@
           </a:prstGeom>
         </p:spPr>
         <p:txBody>
-          <a:bodyPr anchorCtr="0" anchor="t" bIns="91425" lIns="91425" spcFirstLastPara="1" rIns="91425" wrap="square" tIns="91425">
+          <a:bodyPr spcFirstLastPara="1" wrap="square" lIns="91425" tIns="91425" rIns="91425" bIns="91425" anchor="t" anchorCtr="0">
             <a:normAutofit/>
           </a:bodyPr>
           <a:lstStyle>
@@ -1892,15 +2021,19 @@
               <a:defRPr sz="2800"/>
             </a:lvl9pPr>
           </a:lstStyle>
-          <a:p/>
+          <a:p>
+            <a:endParaRPr/>
+          </a:p>
         </p:txBody>
       </p:sp>
       <p:sp>
         <p:nvSpPr>
           <p:cNvPr id="12" name="Google Shape;12;p2"/>
-          <p:cNvSpPr txBox="1"/>
+          <p:cNvSpPr txBox="1">
+            <a:spLocks noGrp="1"/>
+          </p:cNvSpPr>
           <p:nvPr>
-            <p:ph idx="12" type="sldNum"/>
+            <p:ph type="sldNum" idx="12"/>
           </p:nvPr>
         </p:nvSpPr>
         <p:spPr>
@@ -1913,7 +2046,7 @@
           </a:prstGeom>
         </p:spPr>
         <p:txBody>
-          <a:bodyPr anchorCtr="0" anchor="ctr" bIns="91425" lIns="91425" spcFirstLastPara="1" rIns="91425" wrap="square" tIns="91425">
+          <a:bodyPr spcFirstLastPara="1" wrap="square" lIns="91425" tIns="91425" rIns="91425" bIns="91425" anchor="ctr" anchorCtr="0">
             <a:normAutofit/>
           </a:bodyPr>
           <a:lstStyle>
@@ -1955,7 +2088,7 @@
             </a:lvl9pPr>
           </a:lstStyle>
           <a:p>
-            <a:pPr indent="0" lvl="0" marL="0" rtl="0" algn="r">
+            <a:pPr marL="0" lvl="0" indent="0" algn="r" rtl="0">
               <a:spcBef>
                 <a:spcPts val="0"/>
               </a:spcBef>
@@ -1981,11 +2114,11 @@
 </file>
 
 <file path=ppt/slideLayouts/slideLayout10.xml><?xml version="1.0" encoding="utf-8"?>
-<p:sldLayout xmlns:a="http://schemas.openxmlformats.org/drawingml/2006/main" xmlns:r="http://schemas.openxmlformats.org/officeDocument/2006/relationships" xmlns:mc="http://schemas.openxmlformats.org/markup-compatibility/2006" xmlns:mv="urn:schemas-microsoft-com:mac:vml" xmlns:p="http://schemas.openxmlformats.org/presentationml/2006/main" xmlns:c="http://schemas.openxmlformats.org/drawingml/2006/chart" xmlns:dgm="http://schemas.openxmlformats.org/drawingml/2006/diagram" xmlns:o="urn:schemas-microsoft-com:office:office" xmlns:v="urn:schemas-microsoft-com:vml" xmlns:pvml="urn:schemas-microsoft-com:office:powerpoint" xmlns:com="http://schemas.openxmlformats.org/drawingml/2006/compatibility" xmlns:p14="http://schemas.microsoft.com/office/powerpoint/2010/main" xmlns:p15="http://schemas.microsoft.com/office/powerpoint/2012/main" xmlns:ahyp="http://schemas.microsoft.com/office/drawing/2018/hyperlinkcolor" matchingName="Big number">
+<p:sldLayout xmlns:a="http://schemas.openxmlformats.org/drawingml/2006/main" xmlns:r="http://schemas.openxmlformats.org/officeDocument/2006/relationships" xmlns:p="http://schemas.openxmlformats.org/presentationml/2006/main" matchingName="Big number">
   <p:cSld name="BIG_NUMBER">
     <p:spTree>
       <p:nvGrpSpPr>
-        <p:cNvPr id="44" name="Shape 44"/>
+        <p:cNvPr id="1" name="Shape 44"/>
         <p:cNvGrpSpPr/>
         <p:nvPr/>
       </p:nvGrpSpPr>
@@ -2000,9 +2133,11 @@
       <p:sp>
         <p:nvSpPr>
           <p:cNvPr id="45" name="Google Shape;45;p11"/>
-          <p:cNvSpPr txBox="1"/>
+          <p:cNvSpPr txBox="1">
+            <a:spLocks noGrp="1"/>
+          </p:cNvSpPr>
           <p:nvPr>
-            <p:ph hasCustomPrompt="1" type="title"/>
+            <p:ph type="title" hasCustomPrompt="1"/>
           </p:nvPr>
         </p:nvSpPr>
         <p:spPr>
@@ -2015,7 +2150,7 @@
           </a:prstGeom>
         </p:spPr>
         <p:txBody>
-          <a:bodyPr anchorCtr="0" anchor="b" bIns="91425" lIns="91425" spcFirstLastPara="1" rIns="91425" wrap="square" tIns="91425">
+          <a:bodyPr spcFirstLastPara="1" wrap="square" lIns="91425" tIns="91425" rIns="91425" bIns="91425" anchor="b" anchorCtr="0">
             <a:normAutofit/>
           </a:bodyPr>
           <a:lstStyle>
@@ -2129,9 +2264,11 @@
       <p:sp>
         <p:nvSpPr>
           <p:cNvPr id="46" name="Google Shape;46;p11"/>
-          <p:cNvSpPr txBox="1"/>
+          <p:cNvSpPr txBox="1">
+            <a:spLocks noGrp="1"/>
+          </p:cNvSpPr>
           <p:nvPr>
-            <p:ph idx="1" type="body"/>
+            <p:ph type="body" idx="1"/>
           </p:nvPr>
         </p:nvSpPr>
         <p:spPr>
@@ -2144,11 +2281,11 @@
           </a:prstGeom>
         </p:spPr>
         <p:txBody>
-          <a:bodyPr anchorCtr="0" anchor="t" bIns="91425" lIns="91425" spcFirstLastPara="1" rIns="91425" wrap="square" tIns="91425">
+          <a:bodyPr spcFirstLastPara="1" wrap="square" lIns="91425" tIns="91425" rIns="91425" bIns="91425" anchor="t" anchorCtr="0">
             <a:normAutofit/>
           </a:bodyPr>
           <a:lstStyle>
-            <a:lvl1pPr indent="-342900" lvl="0" marL="457200" algn="ctr">
+            <a:lvl1pPr marL="457200" lvl="0" indent="-342900" algn="ctr">
               <a:spcBef>
                 <a:spcPts val="0"/>
               </a:spcBef>
@@ -2159,7 +2296,7 @@
               <a:buChar char="●"/>
               <a:defRPr/>
             </a:lvl1pPr>
-            <a:lvl2pPr indent="-317500" lvl="1" marL="914400" algn="ctr">
+            <a:lvl2pPr marL="914400" lvl="1" indent="-317500" algn="ctr">
               <a:spcBef>
                 <a:spcPts val="0"/>
               </a:spcBef>
@@ -2170,7 +2307,7 @@
               <a:buChar char="○"/>
               <a:defRPr/>
             </a:lvl2pPr>
-            <a:lvl3pPr indent="-317500" lvl="2" marL="1371600" algn="ctr">
+            <a:lvl3pPr marL="1371600" lvl="2" indent="-317500" algn="ctr">
               <a:spcBef>
                 <a:spcPts val="0"/>
               </a:spcBef>
@@ -2181,7 +2318,7 @@
               <a:buChar char="■"/>
               <a:defRPr/>
             </a:lvl3pPr>
-            <a:lvl4pPr indent="-317500" lvl="3" marL="1828800" algn="ctr">
+            <a:lvl4pPr marL="1828800" lvl="3" indent="-317500" algn="ctr">
               <a:spcBef>
                 <a:spcPts val="0"/>
               </a:spcBef>
@@ -2192,7 +2329,7 @@
               <a:buChar char="●"/>
               <a:defRPr/>
             </a:lvl4pPr>
-            <a:lvl5pPr indent="-317500" lvl="4" marL="2286000" algn="ctr">
+            <a:lvl5pPr marL="2286000" lvl="4" indent="-317500" algn="ctr">
               <a:spcBef>
                 <a:spcPts val="0"/>
               </a:spcBef>
@@ -2203,7 +2340,7 @@
               <a:buChar char="○"/>
               <a:defRPr/>
             </a:lvl5pPr>
-            <a:lvl6pPr indent="-317500" lvl="5" marL="2743200" algn="ctr">
+            <a:lvl6pPr marL="2743200" lvl="5" indent="-317500" algn="ctr">
               <a:spcBef>
                 <a:spcPts val="0"/>
               </a:spcBef>
@@ -2214,7 +2351,7 @@
               <a:buChar char="■"/>
               <a:defRPr/>
             </a:lvl6pPr>
-            <a:lvl7pPr indent="-317500" lvl="6" marL="3200400" algn="ctr">
+            <a:lvl7pPr marL="3200400" lvl="6" indent="-317500" algn="ctr">
               <a:spcBef>
                 <a:spcPts val="0"/>
               </a:spcBef>
@@ -2225,7 +2362,7 @@
               <a:buChar char="●"/>
               <a:defRPr/>
             </a:lvl7pPr>
-            <a:lvl8pPr indent="-317500" lvl="7" marL="3657600" algn="ctr">
+            <a:lvl8pPr marL="3657600" lvl="7" indent="-317500" algn="ctr">
               <a:spcBef>
                 <a:spcPts val="0"/>
               </a:spcBef>
@@ -2236,7 +2373,7 @@
               <a:buChar char="○"/>
               <a:defRPr/>
             </a:lvl8pPr>
-            <a:lvl9pPr indent="-317500" lvl="8" marL="4114800" algn="ctr">
+            <a:lvl9pPr marL="4114800" lvl="8" indent="-317500" algn="ctr">
               <a:spcBef>
                 <a:spcPts val="0"/>
               </a:spcBef>
@@ -2248,15 +2385,19 @@
               <a:defRPr/>
             </a:lvl9pPr>
           </a:lstStyle>
-          <a:p/>
+          <a:p>
+            <a:endParaRPr/>
+          </a:p>
         </p:txBody>
       </p:sp>
       <p:sp>
         <p:nvSpPr>
           <p:cNvPr id="47" name="Google Shape;47;p11"/>
-          <p:cNvSpPr txBox="1"/>
+          <p:cNvSpPr txBox="1">
+            <a:spLocks noGrp="1"/>
+          </p:cNvSpPr>
           <p:nvPr>
-            <p:ph idx="12" type="sldNum"/>
+            <p:ph type="sldNum" idx="12"/>
           </p:nvPr>
         </p:nvSpPr>
         <p:spPr>
@@ -2269,7 +2410,7 @@
           </a:prstGeom>
         </p:spPr>
         <p:txBody>
-          <a:bodyPr anchorCtr="0" anchor="ctr" bIns="91425" lIns="91425" spcFirstLastPara="1" rIns="91425" wrap="square" tIns="91425">
+          <a:bodyPr spcFirstLastPara="1" wrap="square" lIns="91425" tIns="91425" rIns="91425" bIns="91425" anchor="ctr" anchorCtr="0">
             <a:normAutofit/>
           </a:bodyPr>
           <a:lstStyle>
@@ -2311,7 +2452,7 @@
             </a:lvl9pPr>
           </a:lstStyle>
           <a:p>
-            <a:pPr indent="0" lvl="0" marL="0" rtl="0" algn="r">
+            <a:pPr marL="0" lvl="0" indent="0" algn="r" rtl="0">
               <a:spcBef>
                 <a:spcPts val="0"/>
               </a:spcBef>
@@ -2337,11 +2478,11 @@
 </file>
 
 <file path=ppt/slideLayouts/slideLayout11.xml><?xml version="1.0" encoding="utf-8"?>
-<p:sldLayout xmlns:a="http://schemas.openxmlformats.org/drawingml/2006/main" xmlns:r="http://schemas.openxmlformats.org/officeDocument/2006/relationships" xmlns:mc="http://schemas.openxmlformats.org/markup-compatibility/2006" xmlns:mv="urn:schemas-microsoft-com:mac:vml" xmlns:p="http://schemas.openxmlformats.org/presentationml/2006/main" xmlns:c="http://schemas.openxmlformats.org/drawingml/2006/chart" xmlns:dgm="http://schemas.openxmlformats.org/drawingml/2006/diagram" xmlns:o="urn:schemas-microsoft-com:office:office" xmlns:v="urn:schemas-microsoft-com:vml" xmlns:pvml="urn:schemas-microsoft-com:office:powerpoint" xmlns:com="http://schemas.openxmlformats.org/drawingml/2006/compatibility" xmlns:p14="http://schemas.microsoft.com/office/powerpoint/2010/main" xmlns:p15="http://schemas.microsoft.com/office/powerpoint/2012/main" xmlns:ahyp="http://schemas.microsoft.com/office/drawing/2018/hyperlinkcolor" matchingName="Blank" type="blank">
+<p:sldLayout xmlns:a="http://schemas.openxmlformats.org/drawingml/2006/main" xmlns:r="http://schemas.openxmlformats.org/officeDocument/2006/relationships" xmlns:p="http://schemas.openxmlformats.org/presentationml/2006/main" matchingName="Blank" type="blank">
   <p:cSld name="BLANK">
     <p:spTree>
       <p:nvGrpSpPr>
-        <p:cNvPr id="48" name="Shape 48"/>
+        <p:cNvPr id="1" name="Shape 48"/>
         <p:cNvGrpSpPr/>
         <p:nvPr/>
       </p:nvGrpSpPr>
@@ -2356,9 +2497,11 @@
       <p:sp>
         <p:nvSpPr>
           <p:cNvPr id="49" name="Google Shape;49;p12"/>
-          <p:cNvSpPr txBox="1"/>
+          <p:cNvSpPr txBox="1">
+            <a:spLocks noGrp="1"/>
+          </p:cNvSpPr>
           <p:nvPr>
-            <p:ph idx="12" type="sldNum"/>
+            <p:ph type="sldNum" idx="12"/>
           </p:nvPr>
         </p:nvSpPr>
         <p:spPr>
@@ -2371,7 +2514,7 @@
           </a:prstGeom>
         </p:spPr>
         <p:txBody>
-          <a:bodyPr anchorCtr="0" anchor="ctr" bIns="91425" lIns="91425" spcFirstLastPara="1" rIns="91425" wrap="square" tIns="91425">
+          <a:bodyPr spcFirstLastPara="1" wrap="square" lIns="91425" tIns="91425" rIns="91425" bIns="91425" anchor="ctr" anchorCtr="0">
             <a:normAutofit/>
           </a:bodyPr>
           <a:lstStyle>
@@ -2413,7 +2556,7 @@
             </a:lvl9pPr>
           </a:lstStyle>
           <a:p>
-            <a:pPr indent="0" lvl="0" marL="0" rtl="0" algn="r">
+            <a:pPr marL="0" lvl="0" indent="0" algn="r" rtl="0">
               <a:spcBef>
                 <a:spcPts val="0"/>
               </a:spcBef>
@@ -2439,11 +2582,11 @@
 </file>
 
 <file path=ppt/slideLayouts/slideLayout2.xml><?xml version="1.0" encoding="utf-8"?>
-<p:sldLayout xmlns:a="http://schemas.openxmlformats.org/drawingml/2006/main" xmlns:r="http://schemas.openxmlformats.org/officeDocument/2006/relationships" xmlns:mc="http://schemas.openxmlformats.org/markup-compatibility/2006" xmlns:mv="urn:schemas-microsoft-com:mac:vml" xmlns:p="http://schemas.openxmlformats.org/presentationml/2006/main" xmlns:c="http://schemas.openxmlformats.org/drawingml/2006/chart" xmlns:dgm="http://schemas.openxmlformats.org/drawingml/2006/diagram" xmlns:o="urn:schemas-microsoft-com:office:office" xmlns:v="urn:schemas-microsoft-com:vml" xmlns:pvml="urn:schemas-microsoft-com:office:powerpoint" xmlns:com="http://schemas.openxmlformats.org/drawingml/2006/compatibility" xmlns:p14="http://schemas.microsoft.com/office/powerpoint/2010/main" xmlns:p15="http://schemas.microsoft.com/office/powerpoint/2012/main" xmlns:ahyp="http://schemas.microsoft.com/office/drawing/2018/hyperlinkcolor" matchingName="Section header" type="secHead">
+<p:sldLayout xmlns:a="http://schemas.openxmlformats.org/drawingml/2006/main" xmlns:r="http://schemas.openxmlformats.org/officeDocument/2006/relationships" xmlns:p="http://schemas.openxmlformats.org/presentationml/2006/main" matchingName="Section header" type="secHead">
   <p:cSld name="SECTION_HEADER">
     <p:spTree>
       <p:nvGrpSpPr>
-        <p:cNvPr id="13" name="Shape 13"/>
+        <p:cNvPr id="1" name="Shape 13"/>
         <p:cNvGrpSpPr/>
         <p:nvPr/>
       </p:nvGrpSpPr>
@@ -2458,7 +2601,9 @@
       <p:sp>
         <p:nvSpPr>
           <p:cNvPr id="14" name="Google Shape;14;p3"/>
-          <p:cNvSpPr txBox="1"/>
+          <p:cNvSpPr txBox="1">
+            <a:spLocks noGrp="1"/>
+          </p:cNvSpPr>
           <p:nvPr>
             <p:ph type="title"/>
           </p:nvPr>
@@ -2473,7 +2618,7 @@
           </a:prstGeom>
         </p:spPr>
         <p:txBody>
-          <a:bodyPr anchorCtr="0" anchor="ctr" bIns="91425" lIns="91425" spcFirstLastPara="1" rIns="91425" wrap="square" tIns="91425">
+          <a:bodyPr spcFirstLastPara="1" wrap="square" lIns="91425" tIns="91425" rIns="91425" bIns="91425" anchor="ctr" anchorCtr="0">
             <a:normAutofit/>
           </a:bodyPr>
           <a:lstStyle>
@@ -2577,15 +2722,19 @@
               <a:defRPr sz="3600"/>
             </a:lvl9pPr>
           </a:lstStyle>
-          <a:p/>
+          <a:p>
+            <a:endParaRPr/>
+          </a:p>
         </p:txBody>
       </p:sp>
       <p:sp>
         <p:nvSpPr>
           <p:cNvPr id="15" name="Google Shape;15;p3"/>
-          <p:cNvSpPr txBox="1"/>
+          <p:cNvSpPr txBox="1">
+            <a:spLocks noGrp="1"/>
+          </p:cNvSpPr>
           <p:nvPr>
-            <p:ph idx="12" type="sldNum"/>
+            <p:ph type="sldNum" idx="12"/>
           </p:nvPr>
         </p:nvSpPr>
         <p:spPr>
@@ -2598,7 +2747,7 @@
           </a:prstGeom>
         </p:spPr>
         <p:txBody>
-          <a:bodyPr anchorCtr="0" anchor="ctr" bIns="91425" lIns="91425" spcFirstLastPara="1" rIns="91425" wrap="square" tIns="91425">
+          <a:bodyPr spcFirstLastPara="1" wrap="square" lIns="91425" tIns="91425" rIns="91425" bIns="91425" anchor="ctr" anchorCtr="0">
             <a:normAutofit/>
           </a:bodyPr>
           <a:lstStyle>
@@ -2640,7 +2789,7 @@
             </a:lvl9pPr>
           </a:lstStyle>
           <a:p>
-            <a:pPr indent="0" lvl="0" marL="0" rtl="0" algn="r">
+            <a:pPr marL="0" lvl="0" indent="0" algn="r" rtl="0">
               <a:spcBef>
                 <a:spcPts val="0"/>
               </a:spcBef>
@@ -2666,11 +2815,11 @@
 </file>
 
 <file path=ppt/slideLayouts/slideLayout3.xml><?xml version="1.0" encoding="utf-8"?>
-<p:sldLayout xmlns:a="http://schemas.openxmlformats.org/drawingml/2006/main" xmlns:r="http://schemas.openxmlformats.org/officeDocument/2006/relationships" xmlns:mc="http://schemas.openxmlformats.org/markup-compatibility/2006" xmlns:mv="urn:schemas-microsoft-com:mac:vml" xmlns:p="http://schemas.openxmlformats.org/presentationml/2006/main" xmlns:c="http://schemas.openxmlformats.org/drawingml/2006/chart" xmlns:dgm="http://schemas.openxmlformats.org/drawingml/2006/diagram" xmlns:o="urn:schemas-microsoft-com:office:office" xmlns:v="urn:schemas-microsoft-com:vml" xmlns:pvml="urn:schemas-microsoft-com:office:powerpoint" xmlns:com="http://schemas.openxmlformats.org/drawingml/2006/compatibility" xmlns:p14="http://schemas.microsoft.com/office/powerpoint/2010/main" xmlns:p15="http://schemas.microsoft.com/office/powerpoint/2012/main" xmlns:ahyp="http://schemas.microsoft.com/office/drawing/2018/hyperlinkcolor" matchingName="Title and body" type="tx">
+<p:sldLayout xmlns:a="http://schemas.openxmlformats.org/drawingml/2006/main" xmlns:r="http://schemas.openxmlformats.org/officeDocument/2006/relationships" xmlns:p="http://schemas.openxmlformats.org/presentationml/2006/main" matchingName="Title and body" type="tx">
   <p:cSld name="TITLE_AND_BODY">
     <p:spTree>
       <p:nvGrpSpPr>
-        <p:cNvPr id="16" name="Shape 16"/>
+        <p:cNvPr id="1" name="Shape 16"/>
         <p:cNvGrpSpPr/>
         <p:nvPr/>
       </p:nvGrpSpPr>
@@ -2685,7 +2834,9 @@
       <p:sp>
         <p:nvSpPr>
           <p:cNvPr id="17" name="Google Shape;17;p4"/>
-          <p:cNvSpPr txBox="1"/>
+          <p:cNvSpPr txBox="1">
+            <a:spLocks noGrp="1"/>
+          </p:cNvSpPr>
           <p:nvPr>
             <p:ph type="title"/>
           </p:nvPr>
@@ -2700,7 +2851,7 @@
           </a:prstGeom>
         </p:spPr>
         <p:txBody>
-          <a:bodyPr anchorCtr="0" anchor="t" bIns="91425" lIns="91425" spcFirstLastPara="1" rIns="91425" wrap="square" tIns="91425">
+          <a:bodyPr spcFirstLastPara="1" wrap="square" lIns="91425" tIns="91425" rIns="91425" bIns="91425" anchor="t" anchorCtr="0">
             <a:normAutofit/>
           </a:bodyPr>
           <a:lstStyle>
@@ -2804,15 +2955,19 @@
               <a:defRPr/>
             </a:lvl9pPr>
           </a:lstStyle>
-          <a:p/>
+          <a:p>
+            <a:endParaRPr/>
+          </a:p>
         </p:txBody>
       </p:sp>
       <p:sp>
         <p:nvSpPr>
           <p:cNvPr id="18" name="Google Shape;18;p4"/>
-          <p:cNvSpPr txBox="1"/>
+          <p:cNvSpPr txBox="1">
+            <a:spLocks noGrp="1"/>
+          </p:cNvSpPr>
           <p:nvPr>
-            <p:ph idx="1" type="body"/>
+            <p:ph type="body" idx="1"/>
           </p:nvPr>
         </p:nvSpPr>
         <p:spPr>
@@ -2825,11 +2980,11 @@
           </a:prstGeom>
         </p:spPr>
         <p:txBody>
-          <a:bodyPr anchorCtr="0" anchor="t" bIns="91425" lIns="91425" spcFirstLastPara="1" rIns="91425" wrap="square" tIns="91425">
+          <a:bodyPr spcFirstLastPara="1" wrap="square" lIns="91425" tIns="91425" rIns="91425" bIns="91425" anchor="t" anchorCtr="0">
             <a:normAutofit/>
           </a:bodyPr>
           <a:lstStyle>
-            <a:lvl1pPr indent="-342900" lvl="0" marL="457200">
+            <a:lvl1pPr marL="457200" lvl="0" indent="-342900">
               <a:spcBef>
                 <a:spcPts val="0"/>
               </a:spcBef>
@@ -2840,7 +2995,7 @@
               <a:buChar char="●"/>
               <a:defRPr/>
             </a:lvl1pPr>
-            <a:lvl2pPr indent="-317500" lvl="1" marL="914400">
+            <a:lvl2pPr marL="914400" lvl="1" indent="-317500">
               <a:spcBef>
                 <a:spcPts val="0"/>
               </a:spcBef>
@@ -2851,7 +3006,7 @@
               <a:buChar char="○"/>
               <a:defRPr/>
             </a:lvl2pPr>
-            <a:lvl3pPr indent="-317500" lvl="2" marL="1371600">
+            <a:lvl3pPr marL="1371600" lvl="2" indent="-317500">
               <a:spcBef>
                 <a:spcPts val="0"/>
               </a:spcBef>
@@ -2862,7 +3017,7 @@
               <a:buChar char="■"/>
               <a:defRPr/>
             </a:lvl3pPr>
-            <a:lvl4pPr indent="-317500" lvl="3" marL="1828800">
+            <a:lvl4pPr marL="1828800" lvl="3" indent="-317500">
               <a:spcBef>
                 <a:spcPts val="0"/>
               </a:spcBef>
@@ -2873,7 +3028,7 @@
               <a:buChar char="●"/>
               <a:defRPr/>
             </a:lvl4pPr>
-            <a:lvl5pPr indent="-317500" lvl="4" marL="2286000">
+            <a:lvl5pPr marL="2286000" lvl="4" indent="-317500">
               <a:spcBef>
                 <a:spcPts val="0"/>
               </a:spcBef>
@@ -2884,7 +3039,7 @@
               <a:buChar char="○"/>
               <a:defRPr/>
             </a:lvl5pPr>
-            <a:lvl6pPr indent="-317500" lvl="5" marL="2743200">
+            <a:lvl6pPr marL="2743200" lvl="5" indent="-317500">
               <a:spcBef>
                 <a:spcPts val="0"/>
               </a:spcBef>
@@ -2895,7 +3050,7 @@
               <a:buChar char="■"/>
               <a:defRPr/>
             </a:lvl6pPr>
-            <a:lvl7pPr indent="-317500" lvl="6" marL="3200400">
+            <a:lvl7pPr marL="3200400" lvl="6" indent="-317500">
               <a:spcBef>
                 <a:spcPts val="0"/>
               </a:spcBef>
@@ -2906,7 +3061,7 @@
               <a:buChar char="●"/>
               <a:defRPr/>
             </a:lvl7pPr>
-            <a:lvl8pPr indent="-317500" lvl="7" marL="3657600">
+            <a:lvl8pPr marL="3657600" lvl="7" indent="-317500">
               <a:spcBef>
                 <a:spcPts val="0"/>
               </a:spcBef>
@@ -2917,7 +3072,7 @@
               <a:buChar char="○"/>
               <a:defRPr/>
             </a:lvl8pPr>
-            <a:lvl9pPr indent="-317500" lvl="8" marL="4114800">
+            <a:lvl9pPr marL="4114800" lvl="8" indent="-317500">
               <a:spcBef>
                 <a:spcPts val="0"/>
               </a:spcBef>
@@ -2929,15 +3084,19 @@
               <a:defRPr/>
             </a:lvl9pPr>
           </a:lstStyle>
-          <a:p/>
+          <a:p>
+            <a:endParaRPr/>
+          </a:p>
         </p:txBody>
       </p:sp>
       <p:sp>
         <p:nvSpPr>
           <p:cNvPr id="19" name="Google Shape;19;p4"/>
-          <p:cNvSpPr txBox="1"/>
+          <p:cNvSpPr txBox="1">
+            <a:spLocks noGrp="1"/>
+          </p:cNvSpPr>
           <p:nvPr>
-            <p:ph idx="12" type="sldNum"/>
+            <p:ph type="sldNum" idx="12"/>
           </p:nvPr>
         </p:nvSpPr>
         <p:spPr>
@@ -2950,7 +3109,7 @@
           </a:prstGeom>
         </p:spPr>
         <p:txBody>
-          <a:bodyPr anchorCtr="0" anchor="ctr" bIns="91425" lIns="91425" spcFirstLastPara="1" rIns="91425" wrap="square" tIns="91425">
+          <a:bodyPr spcFirstLastPara="1" wrap="square" lIns="91425" tIns="91425" rIns="91425" bIns="91425" anchor="ctr" anchorCtr="0">
             <a:normAutofit/>
           </a:bodyPr>
           <a:lstStyle>
@@ -2992,7 +3151,7 @@
             </a:lvl9pPr>
           </a:lstStyle>
           <a:p>
-            <a:pPr indent="0" lvl="0" marL="0" rtl="0" algn="r">
+            <a:pPr marL="0" lvl="0" indent="0" algn="r" rtl="0">
               <a:spcBef>
                 <a:spcPts val="0"/>
               </a:spcBef>
@@ -3018,11 +3177,11 @@
 </file>
 
 <file path=ppt/slideLayouts/slideLayout4.xml><?xml version="1.0" encoding="utf-8"?>
-<p:sldLayout xmlns:a="http://schemas.openxmlformats.org/drawingml/2006/main" xmlns:r="http://schemas.openxmlformats.org/officeDocument/2006/relationships" xmlns:mc="http://schemas.openxmlformats.org/markup-compatibility/2006" xmlns:mv="urn:schemas-microsoft-com:mac:vml" xmlns:p="http://schemas.openxmlformats.org/presentationml/2006/main" xmlns:c="http://schemas.openxmlformats.org/drawingml/2006/chart" xmlns:dgm="http://schemas.openxmlformats.org/drawingml/2006/diagram" xmlns:o="urn:schemas-microsoft-com:office:office" xmlns:v="urn:schemas-microsoft-com:vml" xmlns:pvml="urn:schemas-microsoft-com:office:powerpoint" xmlns:com="http://schemas.openxmlformats.org/drawingml/2006/compatibility" xmlns:p14="http://schemas.microsoft.com/office/powerpoint/2010/main" xmlns:p15="http://schemas.microsoft.com/office/powerpoint/2012/main" xmlns:ahyp="http://schemas.microsoft.com/office/drawing/2018/hyperlinkcolor" matchingName="Title and two columns" type="twoColTx">
+<p:sldLayout xmlns:a="http://schemas.openxmlformats.org/drawingml/2006/main" xmlns:r="http://schemas.openxmlformats.org/officeDocument/2006/relationships" xmlns:p="http://schemas.openxmlformats.org/presentationml/2006/main" matchingName="Title and two columns" type="twoColTx">
   <p:cSld name="TITLE_AND_TWO_COLUMNS">
     <p:spTree>
       <p:nvGrpSpPr>
-        <p:cNvPr id="20" name="Shape 20"/>
+        <p:cNvPr id="1" name="Shape 20"/>
         <p:cNvGrpSpPr/>
         <p:nvPr/>
       </p:nvGrpSpPr>
@@ -3037,7 +3196,9 @@
       <p:sp>
         <p:nvSpPr>
           <p:cNvPr id="21" name="Google Shape;21;p5"/>
-          <p:cNvSpPr txBox="1"/>
+          <p:cNvSpPr txBox="1">
+            <a:spLocks noGrp="1"/>
+          </p:cNvSpPr>
           <p:nvPr>
             <p:ph type="title"/>
           </p:nvPr>
@@ -3052,7 +3213,7 @@
           </a:prstGeom>
         </p:spPr>
         <p:txBody>
-          <a:bodyPr anchorCtr="0" anchor="t" bIns="91425" lIns="91425" spcFirstLastPara="1" rIns="91425" wrap="square" tIns="91425">
+          <a:bodyPr spcFirstLastPara="1" wrap="square" lIns="91425" tIns="91425" rIns="91425" bIns="91425" anchor="t" anchorCtr="0">
             <a:normAutofit/>
           </a:bodyPr>
           <a:lstStyle>
@@ -3156,15 +3317,19 @@
               <a:defRPr/>
             </a:lvl9pPr>
           </a:lstStyle>
-          <a:p/>
+          <a:p>
+            <a:endParaRPr/>
+          </a:p>
         </p:txBody>
       </p:sp>
       <p:sp>
         <p:nvSpPr>
           <p:cNvPr id="22" name="Google Shape;22;p5"/>
-          <p:cNvSpPr txBox="1"/>
+          <p:cNvSpPr txBox="1">
+            <a:spLocks noGrp="1"/>
+          </p:cNvSpPr>
           <p:nvPr>
-            <p:ph idx="1" type="body"/>
+            <p:ph type="body" idx="1"/>
           </p:nvPr>
         </p:nvSpPr>
         <p:spPr>
@@ -3177,11 +3342,11 @@
           </a:prstGeom>
         </p:spPr>
         <p:txBody>
-          <a:bodyPr anchorCtr="0" anchor="t" bIns="91425" lIns="91425" spcFirstLastPara="1" rIns="91425" wrap="square" tIns="91425">
+          <a:bodyPr spcFirstLastPara="1" wrap="square" lIns="91425" tIns="91425" rIns="91425" bIns="91425" anchor="t" anchorCtr="0">
             <a:normAutofit/>
           </a:bodyPr>
           <a:lstStyle>
-            <a:lvl1pPr indent="-317500" lvl="0" marL="457200">
+            <a:lvl1pPr marL="457200" lvl="0" indent="-317500">
               <a:spcBef>
                 <a:spcPts val="0"/>
               </a:spcBef>
@@ -3192,7 +3357,7 @@
               <a:buChar char="●"/>
               <a:defRPr sz="1400"/>
             </a:lvl1pPr>
-            <a:lvl2pPr indent="-304800" lvl="1" marL="914400">
+            <a:lvl2pPr marL="914400" lvl="1" indent="-304800">
               <a:spcBef>
                 <a:spcPts val="0"/>
               </a:spcBef>
@@ -3203,7 +3368,7 @@
               <a:buChar char="○"/>
               <a:defRPr sz="1200"/>
             </a:lvl2pPr>
-            <a:lvl3pPr indent="-304800" lvl="2" marL="1371600">
+            <a:lvl3pPr marL="1371600" lvl="2" indent="-304800">
               <a:spcBef>
                 <a:spcPts val="0"/>
               </a:spcBef>
@@ -3214,7 +3379,7 @@
               <a:buChar char="■"/>
               <a:defRPr sz="1200"/>
             </a:lvl3pPr>
-            <a:lvl4pPr indent="-304800" lvl="3" marL="1828800">
+            <a:lvl4pPr marL="1828800" lvl="3" indent="-304800">
               <a:spcBef>
                 <a:spcPts val="0"/>
               </a:spcBef>
@@ -3225,7 +3390,7 @@
               <a:buChar char="●"/>
               <a:defRPr sz="1200"/>
             </a:lvl4pPr>
-            <a:lvl5pPr indent="-304800" lvl="4" marL="2286000">
+            <a:lvl5pPr marL="2286000" lvl="4" indent="-304800">
               <a:spcBef>
                 <a:spcPts val="0"/>
               </a:spcBef>
@@ -3236,7 +3401,7 @@
               <a:buChar char="○"/>
               <a:defRPr sz="1200"/>
             </a:lvl5pPr>
-            <a:lvl6pPr indent="-304800" lvl="5" marL="2743200">
+            <a:lvl6pPr marL="2743200" lvl="5" indent="-304800">
               <a:spcBef>
                 <a:spcPts val="0"/>
               </a:spcBef>
@@ -3247,7 +3412,7 @@
               <a:buChar char="■"/>
               <a:defRPr sz="1200"/>
             </a:lvl6pPr>
-            <a:lvl7pPr indent="-304800" lvl="6" marL="3200400">
+            <a:lvl7pPr marL="3200400" lvl="6" indent="-304800">
               <a:spcBef>
                 <a:spcPts val="0"/>
               </a:spcBef>
@@ -3258,7 +3423,7 @@
               <a:buChar char="●"/>
               <a:defRPr sz="1200"/>
             </a:lvl7pPr>
-            <a:lvl8pPr indent="-304800" lvl="7" marL="3657600">
+            <a:lvl8pPr marL="3657600" lvl="7" indent="-304800">
               <a:spcBef>
                 <a:spcPts val="0"/>
               </a:spcBef>
@@ -3269,7 +3434,7 @@
               <a:buChar char="○"/>
               <a:defRPr sz="1200"/>
             </a:lvl8pPr>
-            <a:lvl9pPr indent="-304800" lvl="8" marL="4114800">
+            <a:lvl9pPr marL="4114800" lvl="8" indent="-304800">
               <a:spcBef>
                 <a:spcPts val="0"/>
               </a:spcBef>
@@ -3281,15 +3446,19 @@
               <a:defRPr sz="1200"/>
             </a:lvl9pPr>
           </a:lstStyle>
-          <a:p/>
+          <a:p>
+            <a:endParaRPr/>
+          </a:p>
         </p:txBody>
       </p:sp>
       <p:sp>
         <p:nvSpPr>
           <p:cNvPr id="23" name="Google Shape;23;p5"/>
-          <p:cNvSpPr txBox="1"/>
+          <p:cNvSpPr txBox="1">
+            <a:spLocks noGrp="1"/>
+          </p:cNvSpPr>
           <p:nvPr>
-            <p:ph idx="2" type="body"/>
+            <p:ph type="body" idx="2"/>
           </p:nvPr>
         </p:nvSpPr>
         <p:spPr>
@@ -3302,11 +3471,11 @@
           </a:prstGeom>
         </p:spPr>
         <p:txBody>
-          <a:bodyPr anchorCtr="0" anchor="t" bIns="91425" lIns="91425" spcFirstLastPara="1" rIns="91425" wrap="square" tIns="91425">
+          <a:bodyPr spcFirstLastPara="1" wrap="square" lIns="91425" tIns="91425" rIns="91425" bIns="91425" anchor="t" anchorCtr="0">
             <a:normAutofit/>
           </a:bodyPr>
           <a:lstStyle>
-            <a:lvl1pPr indent="-317500" lvl="0" marL="457200">
+            <a:lvl1pPr marL="457200" lvl="0" indent="-317500">
               <a:spcBef>
                 <a:spcPts val="0"/>
               </a:spcBef>
@@ -3317,7 +3486,7 @@
               <a:buChar char="●"/>
               <a:defRPr sz="1400"/>
             </a:lvl1pPr>
-            <a:lvl2pPr indent="-304800" lvl="1" marL="914400">
+            <a:lvl2pPr marL="914400" lvl="1" indent="-304800">
               <a:spcBef>
                 <a:spcPts val="0"/>
               </a:spcBef>
@@ -3328,7 +3497,7 @@
               <a:buChar char="○"/>
               <a:defRPr sz="1200"/>
             </a:lvl2pPr>
-            <a:lvl3pPr indent="-304800" lvl="2" marL="1371600">
+            <a:lvl3pPr marL="1371600" lvl="2" indent="-304800">
               <a:spcBef>
                 <a:spcPts val="0"/>
               </a:spcBef>
@@ -3339,7 +3508,7 @@
               <a:buChar char="■"/>
               <a:defRPr sz="1200"/>
             </a:lvl3pPr>
-            <a:lvl4pPr indent="-304800" lvl="3" marL="1828800">
+            <a:lvl4pPr marL="1828800" lvl="3" indent="-304800">
               <a:spcBef>
                 <a:spcPts val="0"/>
               </a:spcBef>
@@ -3350,7 +3519,7 @@
               <a:buChar char="●"/>
               <a:defRPr sz="1200"/>
             </a:lvl4pPr>
-            <a:lvl5pPr indent="-304800" lvl="4" marL="2286000">
+            <a:lvl5pPr marL="2286000" lvl="4" indent="-304800">
               <a:spcBef>
                 <a:spcPts val="0"/>
               </a:spcBef>
@@ -3361,7 +3530,7 @@
               <a:buChar char="○"/>
               <a:defRPr sz="1200"/>
             </a:lvl5pPr>
-            <a:lvl6pPr indent="-304800" lvl="5" marL="2743200">
+            <a:lvl6pPr marL="2743200" lvl="5" indent="-304800">
               <a:spcBef>
                 <a:spcPts val="0"/>
               </a:spcBef>
@@ -3372,7 +3541,7 @@
               <a:buChar char="■"/>
               <a:defRPr sz="1200"/>
             </a:lvl6pPr>
-            <a:lvl7pPr indent="-304800" lvl="6" marL="3200400">
+            <a:lvl7pPr marL="3200400" lvl="6" indent="-304800">
               <a:spcBef>
                 <a:spcPts val="0"/>
               </a:spcBef>
@@ -3383,7 +3552,7 @@
               <a:buChar char="●"/>
               <a:defRPr sz="1200"/>
             </a:lvl7pPr>
-            <a:lvl8pPr indent="-304800" lvl="7" marL="3657600">
+            <a:lvl8pPr marL="3657600" lvl="7" indent="-304800">
               <a:spcBef>
                 <a:spcPts val="0"/>
               </a:spcBef>
@@ -3394,7 +3563,7 @@
               <a:buChar char="○"/>
               <a:defRPr sz="1200"/>
             </a:lvl8pPr>
-            <a:lvl9pPr indent="-304800" lvl="8" marL="4114800">
+            <a:lvl9pPr marL="4114800" lvl="8" indent="-304800">
               <a:spcBef>
                 <a:spcPts val="0"/>
               </a:spcBef>
@@ -3406,15 +3575,19 @@
               <a:defRPr sz="1200"/>
             </a:lvl9pPr>
           </a:lstStyle>
-          <a:p/>
+          <a:p>
+            <a:endParaRPr/>
+          </a:p>
         </p:txBody>
       </p:sp>
       <p:sp>
         <p:nvSpPr>
           <p:cNvPr id="24" name="Google Shape;24;p5"/>
-          <p:cNvSpPr txBox="1"/>
+          <p:cNvSpPr txBox="1">
+            <a:spLocks noGrp="1"/>
+          </p:cNvSpPr>
           <p:nvPr>
-            <p:ph idx="12" type="sldNum"/>
+            <p:ph type="sldNum" idx="12"/>
           </p:nvPr>
         </p:nvSpPr>
         <p:spPr>
@@ -3427,7 +3600,7 @@
           </a:prstGeom>
         </p:spPr>
         <p:txBody>
-          <a:bodyPr anchorCtr="0" anchor="ctr" bIns="91425" lIns="91425" spcFirstLastPara="1" rIns="91425" wrap="square" tIns="91425">
+          <a:bodyPr spcFirstLastPara="1" wrap="square" lIns="91425" tIns="91425" rIns="91425" bIns="91425" anchor="ctr" anchorCtr="0">
             <a:normAutofit/>
           </a:bodyPr>
           <a:lstStyle>
@@ -3469,7 +3642,7 @@
             </a:lvl9pPr>
           </a:lstStyle>
           <a:p>
-            <a:pPr indent="0" lvl="0" marL="0" rtl="0" algn="r">
+            <a:pPr marL="0" lvl="0" indent="0" algn="r" rtl="0">
               <a:spcBef>
                 <a:spcPts val="0"/>
               </a:spcBef>
@@ -3495,11 +3668,11 @@
 </file>
 
 <file path=ppt/slideLayouts/slideLayout5.xml><?xml version="1.0" encoding="utf-8"?>
-<p:sldLayout xmlns:a="http://schemas.openxmlformats.org/drawingml/2006/main" xmlns:r="http://schemas.openxmlformats.org/officeDocument/2006/relationships" xmlns:mc="http://schemas.openxmlformats.org/markup-compatibility/2006" xmlns:mv="urn:schemas-microsoft-com:mac:vml" xmlns:p="http://schemas.openxmlformats.org/presentationml/2006/main" xmlns:c="http://schemas.openxmlformats.org/drawingml/2006/chart" xmlns:dgm="http://schemas.openxmlformats.org/drawingml/2006/diagram" xmlns:o="urn:schemas-microsoft-com:office:office" xmlns:v="urn:schemas-microsoft-com:vml" xmlns:pvml="urn:schemas-microsoft-com:office:powerpoint" xmlns:com="http://schemas.openxmlformats.org/drawingml/2006/compatibility" xmlns:p14="http://schemas.microsoft.com/office/powerpoint/2010/main" xmlns:p15="http://schemas.microsoft.com/office/powerpoint/2012/main" xmlns:ahyp="http://schemas.microsoft.com/office/drawing/2018/hyperlinkcolor" matchingName="Title only" type="titleOnly">
+<p:sldLayout xmlns:a="http://schemas.openxmlformats.org/drawingml/2006/main" xmlns:r="http://schemas.openxmlformats.org/officeDocument/2006/relationships" xmlns:p="http://schemas.openxmlformats.org/presentationml/2006/main" matchingName="Title only" type="titleOnly">
   <p:cSld name="TITLE_ONLY">
     <p:spTree>
       <p:nvGrpSpPr>
-        <p:cNvPr id="25" name="Shape 25"/>
+        <p:cNvPr id="1" name="Shape 25"/>
         <p:cNvGrpSpPr/>
         <p:nvPr/>
       </p:nvGrpSpPr>
@@ -3514,7 +3687,9 @@
       <p:sp>
         <p:nvSpPr>
           <p:cNvPr id="26" name="Google Shape;26;p6"/>
-          <p:cNvSpPr txBox="1"/>
+          <p:cNvSpPr txBox="1">
+            <a:spLocks noGrp="1"/>
+          </p:cNvSpPr>
           <p:nvPr>
             <p:ph type="title"/>
           </p:nvPr>
@@ -3529,7 +3704,7 @@
           </a:prstGeom>
         </p:spPr>
         <p:txBody>
-          <a:bodyPr anchorCtr="0" anchor="t" bIns="91425" lIns="91425" spcFirstLastPara="1" rIns="91425" wrap="square" tIns="91425">
+          <a:bodyPr spcFirstLastPara="1" wrap="square" lIns="91425" tIns="91425" rIns="91425" bIns="91425" anchor="t" anchorCtr="0">
             <a:normAutofit/>
           </a:bodyPr>
           <a:lstStyle>
@@ -3633,15 +3808,19 @@
               <a:defRPr/>
             </a:lvl9pPr>
           </a:lstStyle>
-          <a:p/>
+          <a:p>
+            <a:endParaRPr/>
+          </a:p>
         </p:txBody>
       </p:sp>
       <p:sp>
         <p:nvSpPr>
           <p:cNvPr id="27" name="Google Shape;27;p6"/>
-          <p:cNvSpPr txBox="1"/>
+          <p:cNvSpPr txBox="1">
+            <a:spLocks noGrp="1"/>
+          </p:cNvSpPr>
           <p:nvPr>
-            <p:ph idx="12" type="sldNum"/>
+            <p:ph type="sldNum" idx="12"/>
           </p:nvPr>
         </p:nvSpPr>
         <p:spPr>
@@ -3654,7 +3833,7 @@
           </a:prstGeom>
         </p:spPr>
         <p:txBody>
-          <a:bodyPr anchorCtr="0" anchor="ctr" bIns="91425" lIns="91425" spcFirstLastPara="1" rIns="91425" wrap="square" tIns="91425">
+          <a:bodyPr spcFirstLastPara="1" wrap="square" lIns="91425" tIns="91425" rIns="91425" bIns="91425" anchor="ctr" anchorCtr="0">
             <a:normAutofit/>
           </a:bodyPr>
           <a:lstStyle>
@@ -3696,7 +3875,7 @@
             </a:lvl9pPr>
           </a:lstStyle>
           <a:p>
-            <a:pPr indent="0" lvl="0" marL="0" rtl="0" algn="r">
+            <a:pPr marL="0" lvl="0" indent="0" algn="r" rtl="0">
               <a:spcBef>
                 <a:spcPts val="0"/>
               </a:spcBef>
@@ -3722,11 +3901,11 @@
 </file>
 
 <file path=ppt/slideLayouts/slideLayout6.xml><?xml version="1.0" encoding="utf-8"?>
-<p:sldLayout xmlns:a="http://schemas.openxmlformats.org/drawingml/2006/main" xmlns:r="http://schemas.openxmlformats.org/officeDocument/2006/relationships" xmlns:mc="http://schemas.openxmlformats.org/markup-compatibility/2006" xmlns:mv="urn:schemas-microsoft-com:mac:vml" xmlns:p="http://schemas.openxmlformats.org/presentationml/2006/main" xmlns:c="http://schemas.openxmlformats.org/drawingml/2006/chart" xmlns:dgm="http://schemas.openxmlformats.org/drawingml/2006/diagram" xmlns:o="urn:schemas-microsoft-com:office:office" xmlns:v="urn:schemas-microsoft-com:vml" xmlns:pvml="urn:schemas-microsoft-com:office:powerpoint" xmlns:com="http://schemas.openxmlformats.org/drawingml/2006/compatibility" xmlns:p14="http://schemas.microsoft.com/office/powerpoint/2010/main" xmlns:p15="http://schemas.microsoft.com/office/powerpoint/2012/main" xmlns:ahyp="http://schemas.microsoft.com/office/drawing/2018/hyperlinkcolor" matchingName="One column text">
+<p:sldLayout xmlns:a="http://schemas.openxmlformats.org/drawingml/2006/main" xmlns:r="http://schemas.openxmlformats.org/officeDocument/2006/relationships" xmlns:p="http://schemas.openxmlformats.org/presentationml/2006/main" matchingName="One column text">
   <p:cSld name="ONE_COLUMN_TEXT">
     <p:spTree>
       <p:nvGrpSpPr>
-        <p:cNvPr id="28" name="Shape 28"/>
+        <p:cNvPr id="1" name="Shape 28"/>
         <p:cNvGrpSpPr/>
         <p:nvPr/>
       </p:nvGrpSpPr>
@@ -3741,7 +3920,9 @@
       <p:sp>
         <p:nvSpPr>
           <p:cNvPr id="29" name="Google Shape;29;p7"/>
-          <p:cNvSpPr txBox="1"/>
+          <p:cNvSpPr txBox="1">
+            <a:spLocks noGrp="1"/>
+          </p:cNvSpPr>
           <p:nvPr>
             <p:ph type="title"/>
           </p:nvPr>
@@ -3756,7 +3937,7 @@
           </a:prstGeom>
         </p:spPr>
         <p:txBody>
-          <a:bodyPr anchorCtr="0" anchor="b" bIns="91425" lIns="91425" spcFirstLastPara="1" rIns="91425" wrap="square" tIns="91425">
+          <a:bodyPr spcFirstLastPara="1" wrap="square" lIns="91425" tIns="91425" rIns="91425" bIns="91425" anchor="b" anchorCtr="0">
             <a:normAutofit/>
           </a:bodyPr>
           <a:lstStyle>
@@ -3860,15 +4041,19 @@
               <a:defRPr sz="2400"/>
             </a:lvl9pPr>
           </a:lstStyle>
-          <a:p/>
+          <a:p>
+            <a:endParaRPr/>
+          </a:p>
         </p:txBody>
       </p:sp>
       <p:sp>
         <p:nvSpPr>
           <p:cNvPr id="30" name="Google Shape;30;p7"/>
-          <p:cNvSpPr txBox="1"/>
+          <p:cNvSpPr txBox="1">
+            <a:spLocks noGrp="1"/>
+          </p:cNvSpPr>
           <p:nvPr>
-            <p:ph idx="1" type="body"/>
+            <p:ph type="body" idx="1"/>
           </p:nvPr>
         </p:nvSpPr>
         <p:spPr>
@@ -3881,11 +4066,11 @@
           </a:prstGeom>
         </p:spPr>
         <p:txBody>
-          <a:bodyPr anchorCtr="0" anchor="t" bIns="91425" lIns="91425" spcFirstLastPara="1" rIns="91425" wrap="square" tIns="91425">
+          <a:bodyPr spcFirstLastPara="1" wrap="square" lIns="91425" tIns="91425" rIns="91425" bIns="91425" anchor="t" anchorCtr="0">
             <a:normAutofit/>
           </a:bodyPr>
           <a:lstStyle>
-            <a:lvl1pPr indent="-304800" lvl="0" marL="457200">
+            <a:lvl1pPr marL="457200" lvl="0" indent="-304800">
               <a:spcBef>
                 <a:spcPts val="0"/>
               </a:spcBef>
@@ -3896,7 +4081,7 @@
               <a:buChar char="●"/>
               <a:defRPr sz="1200"/>
             </a:lvl1pPr>
-            <a:lvl2pPr indent="-304800" lvl="1" marL="914400">
+            <a:lvl2pPr marL="914400" lvl="1" indent="-304800">
               <a:spcBef>
                 <a:spcPts val="0"/>
               </a:spcBef>
@@ -3907,7 +4092,7 @@
               <a:buChar char="○"/>
               <a:defRPr sz="1200"/>
             </a:lvl2pPr>
-            <a:lvl3pPr indent="-304800" lvl="2" marL="1371600">
+            <a:lvl3pPr marL="1371600" lvl="2" indent="-304800">
               <a:spcBef>
                 <a:spcPts val="0"/>
               </a:spcBef>
@@ -3918,7 +4103,7 @@
               <a:buChar char="■"/>
               <a:defRPr sz="1200"/>
             </a:lvl3pPr>
-            <a:lvl4pPr indent="-304800" lvl="3" marL="1828800">
+            <a:lvl4pPr marL="1828800" lvl="3" indent="-304800">
               <a:spcBef>
                 <a:spcPts val="0"/>
               </a:spcBef>
@@ -3929,7 +4114,7 @@
               <a:buChar char="●"/>
               <a:defRPr sz="1200"/>
             </a:lvl4pPr>
-            <a:lvl5pPr indent="-304800" lvl="4" marL="2286000">
+            <a:lvl5pPr marL="2286000" lvl="4" indent="-304800">
               <a:spcBef>
                 <a:spcPts val="0"/>
               </a:spcBef>
@@ -3940,7 +4125,7 @@
               <a:buChar char="○"/>
               <a:defRPr sz="1200"/>
             </a:lvl5pPr>
-            <a:lvl6pPr indent="-304800" lvl="5" marL="2743200">
+            <a:lvl6pPr marL="2743200" lvl="5" indent="-304800">
               <a:spcBef>
                 <a:spcPts val="0"/>
               </a:spcBef>
@@ -3951,7 +4136,7 @@
               <a:buChar char="■"/>
               <a:defRPr sz="1200"/>
             </a:lvl6pPr>
-            <a:lvl7pPr indent="-304800" lvl="6" marL="3200400">
+            <a:lvl7pPr marL="3200400" lvl="6" indent="-304800">
               <a:spcBef>
                 <a:spcPts val="0"/>
               </a:spcBef>
@@ -3962,7 +4147,7 @@
               <a:buChar char="●"/>
               <a:defRPr sz="1200"/>
             </a:lvl7pPr>
-            <a:lvl8pPr indent="-304800" lvl="7" marL="3657600">
+            <a:lvl8pPr marL="3657600" lvl="7" indent="-304800">
               <a:spcBef>
                 <a:spcPts val="0"/>
               </a:spcBef>
@@ -3973,7 +4158,7 @@
               <a:buChar char="○"/>
               <a:defRPr sz="1200"/>
             </a:lvl8pPr>
-            <a:lvl9pPr indent="-304800" lvl="8" marL="4114800">
+            <a:lvl9pPr marL="4114800" lvl="8" indent="-304800">
               <a:spcBef>
                 <a:spcPts val="0"/>
               </a:spcBef>
@@ -3985,15 +4170,19 @@
               <a:defRPr sz="1200"/>
             </a:lvl9pPr>
           </a:lstStyle>
-          <a:p/>
+          <a:p>
+            <a:endParaRPr/>
+          </a:p>
         </p:txBody>
       </p:sp>
       <p:sp>
         <p:nvSpPr>
           <p:cNvPr id="31" name="Google Shape;31;p7"/>
-          <p:cNvSpPr txBox="1"/>
+          <p:cNvSpPr txBox="1">
+            <a:spLocks noGrp="1"/>
+          </p:cNvSpPr>
           <p:nvPr>
-            <p:ph idx="12" type="sldNum"/>
+            <p:ph type="sldNum" idx="12"/>
           </p:nvPr>
         </p:nvSpPr>
         <p:spPr>
@@ -4006,7 +4195,7 @@
           </a:prstGeom>
         </p:spPr>
         <p:txBody>
-          <a:bodyPr anchorCtr="0" anchor="ctr" bIns="91425" lIns="91425" spcFirstLastPara="1" rIns="91425" wrap="square" tIns="91425">
+          <a:bodyPr spcFirstLastPara="1" wrap="square" lIns="91425" tIns="91425" rIns="91425" bIns="91425" anchor="ctr" anchorCtr="0">
             <a:normAutofit/>
           </a:bodyPr>
           <a:lstStyle>
@@ -4048,7 +4237,7 @@
             </a:lvl9pPr>
           </a:lstStyle>
           <a:p>
-            <a:pPr indent="0" lvl="0" marL="0" rtl="0" algn="r">
+            <a:pPr marL="0" lvl="0" indent="0" algn="r" rtl="0">
               <a:spcBef>
                 <a:spcPts val="0"/>
               </a:spcBef>
@@ -4074,11 +4263,11 @@
 </file>
 
 <file path=ppt/slideLayouts/slideLayout7.xml><?xml version="1.0" encoding="utf-8"?>
-<p:sldLayout xmlns:a="http://schemas.openxmlformats.org/drawingml/2006/main" xmlns:r="http://schemas.openxmlformats.org/officeDocument/2006/relationships" xmlns:mc="http://schemas.openxmlformats.org/markup-compatibility/2006" xmlns:mv="urn:schemas-microsoft-com:mac:vml" xmlns:p="http://schemas.openxmlformats.org/presentationml/2006/main" xmlns:c="http://schemas.openxmlformats.org/drawingml/2006/chart" xmlns:dgm="http://schemas.openxmlformats.org/drawingml/2006/diagram" xmlns:o="urn:schemas-microsoft-com:office:office" xmlns:v="urn:schemas-microsoft-com:vml" xmlns:pvml="urn:schemas-microsoft-com:office:powerpoint" xmlns:com="http://schemas.openxmlformats.org/drawingml/2006/compatibility" xmlns:p14="http://schemas.microsoft.com/office/powerpoint/2010/main" xmlns:p15="http://schemas.microsoft.com/office/powerpoint/2012/main" xmlns:ahyp="http://schemas.microsoft.com/office/drawing/2018/hyperlinkcolor" matchingName="Main point">
+<p:sldLayout xmlns:a="http://schemas.openxmlformats.org/drawingml/2006/main" xmlns:r="http://schemas.openxmlformats.org/officeDocument/2006/relationships" xmlns:p="http://schemas.openxmlformats.org/presentationml/2006/main" matchingName="Main point">
   <p:cSld name="MAIN_POINT">
     <p:spTree>
       <p:nvGrpSpPr>
-        <p:cNvPr id="32" name="Shape 32"/>
+        <p:cNvPr id="1" name="Shape 32"/>
         <p:cNvGrpSpPr/>
         <p:nvPr/>
       </p:nvGrpSpPr>
@@ -4093,7 +4282,9 @@
       <p:sp>
         <p:nvSpPr>
           <p:cNvPr id="33" name="Google Shape;33;p8"/>
-          <p:cNvSpPr txBox="1"/>
+          <p:cNvSpPr txBox="1">
+            <a:spLocks noGrp="1"/>
+          </p:cNvSpPr>
           <p:nvPr>
             <p:ph type="title"/>
           </p:nvPr>
@@ -4108,7 +4299,7 @@
           </a:prstGeom>
         </p:spPr>
         <p:txBody>
-          <a:bodyPr anchorCtr="0" anchor="ctr" bIns="91425" lIns="91425" spcFirstLastPara="1" rIns="91425" wrap="square" tIns="91425">
+          <a:bodyPr spcFirstLastPara="1" wrap="square" lIns="91425" tIns="91425" rIns="91425" bIns="91425" anchor="ctr" anchorCtr="0">
             <a:normAutofit/>
           </a:bodyPr>
           <a:lstStyle>
@@ -4212,15 +4403,19 @@
               <a:defRPr sz="4800"/>
             </a:lvl9pPr>
           </a:lstStyle>
-          <a:p/>
+          <a:p>
+            <a:endParaRPr/>
+          </a:p>
         </p:txBody>
       </p:sp>
       <p:sp>
         <p:nvSpPr>
           <p:cNvPr id="34" name="Google Shape;34;p8"/>
-          <p:cNvSpPr txBox="1"/>
+          <p:cNvSpPr txBox="1">
+            <a:spLocks noGrp="1"/>
+          </p:cNvSpPr>
           <p:nvPr>
-            <p:ph idx="12" type="sldNum"/>
+            <p:ph type="sldNum" idx="12"/>
           </p:nvPr>
         </p:nvSpPr>
         <p:spPr>
@@ -4233,7 +4428,7 @@
           </a:prstGeom>
         </p:spPr>
         <p:txBody>
-          <a:bodyPr anchorCtr="0" anchor="ctr" bIns="91425" lIns="91425" spcFirstLastPara="1" rIns="91425" wrap="square" tIns="91425">
+          <a:bodyPr spcFirstLastPara="1" wrap="square" lIns="91425" tIns="91425" rIns="91425" bIns="91425" anchor="ctr" anchorCtr="0">
             <a:normAutofit/>
           </a:bodyPr>
           <a:lstStyle>
@@ -4275,7 +4470,7 @@
             </a:lvl9pPr>
           </a:lstStyle>
           <a:p>
-            <a:pPr indent="0" lvl="0" marL="0" rtl="0" algn="r">
+            <a:pPr marL="0" lvl="0" indent="0" algn="r" rtl="0">
               <a:spcBef>
                 <a:spcPts val="0"/>
               </a:spcBef>
@@ -4301,11 +4496,11 @@
 </file>
 
 <file path=ppt/slideLayouts/slideLayout8.xml><?xml version="1.0" encoding="utf-8"?>
-<p:sldLayout xmlns:a="http://schemas.openxmlformats.org/drawingml/2006/main" xmlns:r="http://schemas.openxmlformats.org/officeDocument/2006/relationships" xmlns:mc="http://schemas.openxmlformats.org/markup-compatibility/2006" xmlns:mv="urn:schemas-microsoft-com:mac:vml" xmlns:p="http://schemas.openxmlformats.org/presentationml/2006/main" xmlns:c="http://schemas.openxmlformats.org/drawingml/2006/chart" xmlns:dgm="http://schemas.openxmlformats.org/drawingml/2006/diagram" xmlns:o="urn:schemas-microsoft-com:office:office" xmlns:v="urn:schemas-microsoft-com:vml" xmlns:pvml="urn:schemas-microsoft-com:office:powerpoint" xmlns:com="http://schemas.openxmlformats.org/drawingml/2006/compatibility" xmlns:p14="http://schemas.microsoft.com/office/powerpoint/2010/main" xmlns:p15="http://schemas.microsoft.com/office/powerpoint/2012/main" xmlns:ahyp="http://schemas.microsoft.com/office/drawing/2018/hyperlinkcolor" matchingName="Section title and description">
+<p:sldLayout xmlns:a="http://schemas.openxmlformats.org/drawingml/2006/main" xmlns:r="http://schemas.openxmlformats.org/officeDocument/2006/relationships" xmlns:p="http://schemas.openxmlformats.org/presentationml/2006/main" matchingName="Section title and description">
   <p:cSld name="SECTION_TITLE_AND_DESCRIPTION">
     <p:spTree>
       <p:nvGrpSpPr>
-        <p:cNvPr id="35" name="Shape 35"/>
+        <p:cNvPr id="1" name="Shape 35"/>
         <p:cNvGrpSpPr/>
         <p:nvPr/>
       </p:nvGrpSpPr>
@@ -4339,12 +4534,12 @@
           </a:ln>
         </p:spPr>
         <p:txBody>
-          <a:bodyPr anchorCtr="0" anchor="ctr" bIns="91425" lIns="91425" spcFirstLastPara="1" rIns="91425" wrap="square" tIns="91425">
+          <a:bodyPr spcFirstLastPara="1" wrap="square" lIns="91425" tIns="91425" rIns="91425" bIns="91425" anchor="ctr" anchorCtr="0">
             <a:noAutofit/>
           </a:bodyPr>
           <a:lstStyle/>
           <a:p>
-            <a:pPr indent="0" lvl="0" marL="0" rtl="0" algn="l">
+            <a:pPr marL="0" lvl="0" indent="0" algn="l" rtl="0">
               <a:spcBef>
                 <a:spcPts val="0"/>
               </a:spcBef>
@@ -4353,9 +4548,6 @@
               </a:spcAft>
               <a:buNone/>
             </a:pPr>
-            <a:r>
-              <a:t/>
-            </a:r>
             <a:endParaRPr/>
           </a:p>
         </p:txBody>
@@ -4363,7 +4555,9 @@
       <p:sp>
         <p:nvSpPr>
           <p:cNvPr id="37" name="Google Shape;37;p9"/>
-          <p:cNvSpPr txBox="1"/>
+          <p:cNvSpPr txBox="1">
+            <a:spLocks noGrp="1"/>
+          </p:cNvSpPr>
           <p:nvPr>
             <p:ph type="title"/>
           </p:nvPr>
@@ -4378,7 +4572,7 @@
           </a:prstGeom>
         </p:spPr>
         <p:txBody>
-          <a:bodyPr anchorCtr="0" anchor="b" bIns="91425" lIns="91425" spcFirstLastPara="1" rIns="91425" wrap="square" tIns="91425">
+          <a:bodyPr spcFirstLastPara="1" wrap="square" lIns="91425" tIns="91425" rIns="91425" bIns="91425" anchor="b" anchorCtr="0">
             <a:normAutofit/>
           </a:bodyPr>
           <a:lstStyle>
@@ -4482,15 +4676,19 @@
               <a:defRPr sz="4200"/>
             </a:lvl9pPr>
           </a:lstStyle>
-          <a:p/>
+          <a:p>
+            <a:endParaRPr/>
+          </a:p>
         </p:txBody>
       </p:sp>
       <p:sp>
         <p:nvSpPr>
           <p:cNvPr id="38" name="Google Shape;38;p9"/>
-          <p:cNvSpPr txBox="1"/>
+          <p:cNvSpPr txBox="1">
+            <a:spLocks noGrp="1"/>
+          </p:cNvSpPr>
           <p:nvPr>
-            <p:ph idx="1" type="subTitle"/>
+            <p:ph type="subTitle" idx="1"/>
           </p:nvPr>
         </p:nvSpPr>
         <p:spPr>
@@ -4503,7 +4701,7 @@
           </a:prstGeom>
         </p:spPr>
         <p:txBody>
-          <a:bodyPr anchorCtr="0" anchor="t" bIns="91425" lIns="91425" spcFirstLastPara="1" rIns="91425" wrap="square" tIns="91425">
+          <a:bodyPr spcFirstLastPara="1" wrap="square" lIns="91425" tIns="91425" rIns="91425" bIns="91425" anchor="t" anchorCtr="0">
             <a:normAutofit/>
           </a:bodyPr>
           <a:lstStyle>
@@ -4634,15 +4832,19 @@
               <a:defRPr sz="2100"/>
             </a:lvl9pPr>
           </a:lstStyle>
-          <a:p/>
+          <a:p>
+            <a:endParaRPr/>
+          </a:p>
         </p:txBody>
       </p:sp>
       <p:sp>
         <p:nvSpPr>
           <p:cNvPr id="39" name="Google Shape;39;p9"/>
-          <p:cNvSpPr txBox="1"/>
+          <p:cNvSpPr txBox="1">
+            <a:spLocks noGrp="1"/>
+          </p:cNvSpPr>
           <p:nvPr>
-            <p:ph idx="2" type="body"/>
+            <p:ph type="body" idx="2"/>
           </p:nvPr>
         </p:nvSpPr>
         <p:spPr>
@@ -4655,11 +4857,11 @@
           </a:prstGeom>
         </p:spPr>
         <p:txBody>
-          <a:bodyPr anchorCtr="0" anchor="ctr" bIns="91425" lIns="91425" spcFirstLastPara="1" rIns="91425" wrap="square" tIns="91425">
+          <a:bodyPr spcFirstLastPara="1" wrap="square" lIns="91425" tIns="91425" rIns="91425" bIns="91425" anchor="ctr" anchorCtr="0">
             <a:normAutofit/>
           </a:bodyPr>
           <a:lstStyle>
-            <a:lvl1pPr indent="-342900" lvl="0" marL="457200">
+            <a:lvl1pPr marL="457200" lvl="0" indent="-342900">
               <a:spcBef>
                 <a:spcPts val="0"/>
               </a:spcBef>
@@ -4677,7 +4879,7 @@
                 </a:solidFill>
               </a:defRPr>
             </a:lvl1pPr>
-            <a:lvl2pPr indent="-317500" lvl="1" marL="914400">
+            <a:lvl2pPr marL="914400" lvl="1" indent="-317500">
               <a:spcBef>
                 <a:spcPts val="0"/>
               </a:spcBef>
@@ -4695,7 +4897,7 @@
                 </a:solidFill>
               </a:defRPr>
             </a:lvl2pPr>
-            <a:lvl3pPr indent="-317500" lvl="2" marL="1371600">
+            <a:lvl3pPr marL="1371600" lvl="2" indent="-317500">
               <a:spcBef>
                 <a:spcPts val="0"/>
               </a:spcBef>
@@ -4713,7 +4915,7 @@
                 </a:solidFill>
               </a:defRPr>
             </a:lvl3pPr>
-            <a:lvl4pPr indent="-317500" lvl="3" marL="1828800">
+            <a:lvl4pPr marL="1828800" lvl="3" indent="-317500">
               <a:spcBef>
                 <a:spcPts val="0"/>
               </a:spcBef>
@@ -4731,7 +4933,7 @@
                 </a:solidFill>
               </a:defRPr>
             </a:lvl4pPr>
-            <a:lvl5pPr indent="-317500" lvl="4" marL="2286000">
+            <a:lvl5pPr marL="2286000" lvl="4" indent="-317500">
               <a:spcBef>
                 <a:spcPts val="0"/>
               </a:spcBef>
@@ -4749,7 +4951,7 @@
                 </a:solidFill>
               </a:defRPr>
             </a:lvl5pPr>
-            <a:lvl6pPr indent="-317500" lvl="5" marL="2743200">
+            <a:lvl6pPr marL="2743200" lvl="5" indent="-317500">
               <a:spcBef>
                 <a:spcPts val="0"/>
               </a:spcBef>
@@ -4767,7 +4969,7 @@
                 </a:solidFill>
               </a:defRPr>
             </a:lvl6pPr>
-            <a:lvl7pPr indent="-317500" lvl="6" marL="3200400">
+            <a:lvl7pPr marL="3200400" lvl="6" indent="-317500">
               <a:spcBef>
                 <a:spcPts val="0"/>
               </a:spcBef>
@@ -4785,7 +4987,7 @@
                 </a:solidFill>
               </a:defRPr>
             </a:lvl7pPr>
-            <a:lvl8pPr indent="-317500" lvl="7" marL="3657600">
+            <a:lvl8pPr marL="3657600" lvl="7" indent="-317500">
               <a:spcBef>
                 <a:spcPts val="0"/>
               </a:spcBef>
@@ -4803,7 +5005,7 @@
                 </a:solidFill>
               </a:defRPr>
             </a:lvl8pPr>
-            <a:lvl9pPr indent="-317500" lvl="8" marL="4114800">
+            <a:lvl9pPr marL="4114800" lvl="8" indent="-317500">
               <a:spcBef>
                 <a:spcPts val="0"/>
               </a:spcBef>
@@ -4822,15 +5024,19 @@
               </a:defRPr>
             </a:lvl9pPr>
           </a:lstStyle>
-          <a:p/>
+          <a:p>
+            <a:endParaRPr/>
+          </a:p>
         </p:txBody>
       </p:sp>
       <p:sp>
         <p:nvSpPr>
           <p:cNvPr id="40" name="Google Shape;40;p9"/>
-          <p:cNvSpPr txBox="1"/>
+          <p:cNvSpPr txBox="1">
+            <a:spLocks noGrp="1"/>
+          </p:cNvSpPr>
           <p:nvPr>
-            <p:ph idx="12" type="sldNum"/>
+            <p:ph type="sldNum" idx="12"/>
           </p:nvPr>
         </p:nvSpPr>
         <p:spPr>
@@ -4843,7 +5049,7 @@
           </a:prstGeom>
         </p:spPr>
         <p:txBody>
-          <a:bodyPr anchorCtr="0" anchor="ctr" bIns="91425" lIns="91425" spcFirstLastPara="1" rIns="91425" wrap="square" tIns="91425">
+          <a:bodyPr spcFirstLastPara="1" wrap="square" lIns="91425" tIns="91425" rIns="91425" bIns="91425" anchor="ctr" anchorCtr="0">
             <a:normAutofit/>
           </a:bodyPr>
           <a:lstStyle>
@@ -4885,7 +5091,7 @@
             </a:lvl9pPr>
           </a:lstStyle>
           <a:p>
-            <a:pPr indent="0" lvl="0" marL="0" rtl="0" algn="r">
+            <a:pPr marL="0" lvl="0" indent="0" algn="r" rtl="0">
               <a:spcBef>
                 <a:spcPts val="0"/>
               </a:spcBef>
@@ -4911,11 +5117,11 @@
 </file>
 
 <file path=ppt/slideLayouts/slideLayout9.xml><?xml version="1.0" encoding="utf-8"?>
-<p:sldLayout xmlns:a="http://schemas.openxmlformats.org/drawingml/2006/main" xmlns:r="http://schemas.openxmlformats.org/officeDocument/2006/relationships" xmlns:mc="http://schemas.openxmlformats.org/markup-compatibility/2006" xmlns:mv="urn:schemas-microsoft-com:mac:vml" xmlns:p="http://schemas.openxmlformats.org/presentationml/2006/main" xmlns:c="http://schemas.openxmlformats.org/drawingml/2006/chart" xmlns:dgm="http://schemas.openxmlformats.org/drawingml/2006/diagram" xmlns:o="urn:schemas-microsoft-com:office:office" xmlns:v="urn:schemas-microsoft-com:vml" xmlns:pvml="urn:schemas-microsoft-com:office:powerpoint" xmlns:com="http://schemas.openxmlformats.org/drawingml/2006/compatibility" xmlns:p14="http://schemas.microsoft.com/office/powerpoint/2010/main" xmlns:p15="http://schemas.microsoft.com/office/powerpoint/2012/main" xmlns:ahyp="http://schemas.microsoft.com/office/drawing/2018/hyperlinkcolor" matchingName="Caption">
+<p:sldLayout xmlns:a="http://schemas.openxmlformats.org/drawingml/2006/main" xmlns:r="http://schemas.openxmlformats.org/officeDocument/2006/relationships" xmlns:p="http://schemas.openxmlformats.org/presentationml/2006/main" matchingName="Caption">
   <p:cSld name="CAPTION_ONLY">
     <p:spTree>
       <p:nvGrpSpPr>
-        <p:cNvPr id="41" name="Shape 41"/>
+        <p:cNvPr id="1" name="Shape 41"/>
         <p:cNvGrpSpPr/>
         <p:nvPr/>
       </p:nvGrpSpPr>
@@ -4930,9 +5136,11 @@
       <p:sp>
         <p:nvSpPr>
           <p:cNvPr id="42" name="Google Shape;42;p10"/>
-          <p:cNvSpPr txBox="1"/>
+          <p:cNvSpPr txBox="1">
+            <a:spLocks noGrp="1"/>
+          </p:cNvSpPr>
           <p:nvPr>
-            <p:ph idx="1" type="body"/>
+            <p:ph type="body" idx="1"/>
           </p:nvPr>
         </p:nvSpPr>
         <p:spPr>
@@ -4945,11 +5153,11 @@
           </a:prstGeom>
         </p:spPr>
         <p:txBody>
-          <a:bodyPr anchorCtr="0" anchor="ctr" bIns="91425" lIns="91425" spcFirstLastPara="1" rIns="91425" wrap="square" tIns="91425">
+          <a:bodyPr spcFirstLastPara="1" wrap="square" lIns="91425" tIns="91425" rIns="91425" bIns="91425" anchor="ctr" anchorCtr="0">
             <a:normAutofit/>
           </a:bodyPr>
           <a:lstStyle>
-            <a:lvl1pPr indent="-228600" lvl="0" marL="457200">
+            <a:lvl1pPr marL="457200" lvl="0" indent="-228600">
               <a:lnSpc>
                 <a:spcPct val="100000"/>
               </a:lnSpc>
@@ -4964,15 +5172,19 @@
               <a:defRPr/>
             </a:lvl1pPr>
           </a:lstStyle>
-          <a:p/>
+          <a:p>
+            <a:endParaRPr/>
+          </a:p>
         </p:txBody>
       </p:sp>
       <p:sp>
         <p:nvSpPr>
           <p:cNvPr id="43" name="Google Shape;43;p10"/>
-          <p:cNvSpPr txBox="1"/>
+          <p:cNvSpPr txBox="1">
+            <a:spLocks noGrp="1"/>
+          </p:cNvSpPr>
           <p:nvPr>
-            <p:ph idx="12" type="sldNum"/>
+            <p:ph type="sldNum" idx="12"/>
           </p:nvPr>
         </p:nvSpPr>
         <p:spPr>
@@ -4985,7 +5197,7 @@
           </a:prstGeom>
         </p:spPr>
         <p:txBody>
-          <a:bodyPr anchorCtr="0" anchor="ctr" bIns="91425" lIns="91425" spcFirstLastPara="1" rIns="91425" wrap="square" tIns="91425">
+          <a:bodyPr spcFirstLastPara="1" wrap="square" lIns="91425" tIns="91425" rIns="91425" bIns="91425" anchor="ctr" anchorCtr="0">
             <a:normAutofit/>
           </a:bodyPr>
           <a:lstStyle>
@@ -5027,7 +5239,7 @@
             </a:lvl9pPr>
           </a:lstStyle>
           <a:p>
-            <a:pPr indent="0" lvl="0" marL="0" rtl="0" algn="r">
+            <a:pPr marL="0" lvl="0" indent="0" algn="r" rtl="0">
               <a:spcBef>
                 <a:spcPts val="0"/>
               </a:spcBef>
@@ -5053,18 +5265,19 @@
 </file>
 
 <file path=ppt/slideMasters/slideMaster1.xml><?xml version="1.0" encoding="utf-8"?>
-<p:sldMaster xmlns:a="http://schemas.openxmlformats.org/drawingml/2006/main" xmlns:r="http://schemas.openxmlformats.org/officeDocument/2006/relationships" xmlns:mc="http://schemas.openxmlformats.org/markup-compatibility/2006" xmlns:mv="urn:schemas-microsoft-com:mac:vml" xmlns:p="http://schemas.openxmlformats.org/presentationml/2006/main" xmlns:c="http://schemas.openxmlformats.org/drawingml/2006/chart" xmlns:dgm="http://schemas.openxmlformats.org/drawingml/2006/diagram" xmlns:o="urn:schemas-microsoft-com:office:office" xmlns:v="urn:schemas-microsoft-com:vml" xmlns:pvml="urn:schemas-microsoft-com:office:powerpoint" xmlns:com="http://schemas.openxmlformats.org/drawingml/2006/compatibility" xmlns:p14="http://schemas.microsoft.com/office/powerpoint/2010/main" xmlns:p15="http://schemas.microsoft.com/office/powerpoint/2012/main" xmlns:ahyp="http://schemas.microsoft.com/office/drawing/2018/hyperlinkcolor">
+<p:sldMaster xmlns:a="http://schemas.openxmlformats.org/drawingml/2006/main" xmlns:r="http://schemas.openxmlformats.org/officeDocument/2006/relationships" xmlns:p="http://schemas.openxmlformats.org/presentationml/2006/main">
   <p:cSld name="simple-dark-2">
     <p:bg>
       <p:bgPr>
         <a:solidFill>
           <a:schemeClr val="lt1"/>
         </a:solidFill>
+        <a:effectLst/>
       </p:bgPr>
     </p:bg>
     <p:spTree>
       <p:nvGrpSpPr>
-        <p:cNvPr id="5" name="Shape 5"/>
+        <p:cNvPr id="1" name="Shape 5"/>
         <p:cNvGrpSpPr/>
         <p:nvPr/>
       </p:nvGrpSpPr>
@@ -5079,7 +5292,9 @@
       <p:sp>
         <p:nvSpPr>
           <p:cNvPr id="6" name="Google Shape;6;p1"/>
-          <p:cNvSpPr txBox="1"/>
+          <p:cNvSpPr txBox="1">
+            <a:spLocks noGrp="1"/>
+          </p:cNvSpPr>
           <p:nvPr>
             <p:ph type="title"/>
           </p:nvPr>
@@ -5098,7 +5313,7 @@
           </a:ln>
         </p:spPr>
         <p:txBody>
-          <a:bodyPr anchorCtr="0" anchor="t" bIns="91425" lIns="91425" spcFirstLastPara="1" rIns="91425" wrap="square" tIns="91425">
+          <a:bodyPr spcFirstLastPara="1" wrap="square" lIns="91425" tIns="91425" rIns="91425" bIns="91425" anchor="t" anchorCtr="0">
             <a:normAutofit/>
           </a:bodyPr>
           <a:lstStyle>
@@ -5265,15 +5480,19 @@
               </a:defRPr>
             </a:lvl9pPr>
           </a:lstStyle>
-          <a:p/>
+          <a:p>
+            <a:endParaRPr/>
+          </a:p>
         </p:txBody>
       </p:sp>
       <p:sp>
         <p:nvSpPr>
           <p:cNvPr id="7" name="Google Shape;7;p1"/>
-          <p:cNvSpPr txBox="1"/>
+          <p:cNvSpPr txBox="1">
+            <a:spLocks noGrp="1"/>
+          </p:cNvSpPr>
           <p:nvPr>
-            <p:ph idx="1" type="body"/>
+            <p:ph type="body" idx="1"/>
           </p:nvPr>
         </p:nvSpPr>
         <p:spPr>
@@ -5290,11 +5509,11 @@
           </a:ln>
         </p:spPr>
         <p:txBody>
-          <a:bodyPr anchorCtr="0" anchor="t" bIns="91425" lIns="91425" spcFirstLastPara="1" rIns="91425" wrap="square" tIns="91425">
+          <a:bodyPr spcFirstLastPara="1" wrap="square" lIns="91425" tIns="91425" rIns="91425" bIns="91425" anchor="t" anchorCtr="0">
             <a:normAutofit/>
           </a:bodyPr>
           <a:lstStyle>
-            <a:lvl1pPr indent="-342900" lvl="0" marL="457200">
+            <a:lvl1pPr marL="457200" lvl="0" indent="-342900">
               <a:lnSpc>
                 <a:spcPct val="115000"/>
               </a:lnSpc>
@@ -5315,7 +5534,7 @@
                 </a:solidFill>
               </a:defRPr>
             </a:lvl1pPr>
-            <a:lvl2pPr indent="-317500" lvl="1" marL="914400">
+            <a:lvl2pPr marL="914400" lvl="1" indent="-317500">
               <a:lnSpc>
                 <a:spcPct val="115000"/>
               </a:lnSpc>
@@ -5336,7 +5555,7 @@
                 </a:solidFill>
               </a:defRPr>
             </a:lvl2pPr>
-            <a:lvl3pPr indent="-317500" lvl="2" marL="1371600">
+            <a:lvl3pPr marL="1371600" lvl="2" indent="-317500">
               <a:lnSpc>
                 <a:spcPct val="115000"/>
               </a:lnSpc>
@@ -5357,7 +5576,7 @@
                 </a:solidFill>
               </a:defRPr>
             </a:lvl3pPr>
-            <a:lvl4pPr indent="-317500" lvl="3" marL="1828800">
+            <a:lvl4pPr marL="1828800" lvl="3" indent="-317500">
               <a:lnSpc>
                 <a:spcPct val="115000"/>
               </a:lnSpc>
@@ -5378,7 +5597,7 @@
                 </a:solidFill>
               </a:defRPr>
             </a:lvl4pPr>
-            <a:lvl5pPr indent="-317500" lvl="4" marL="2286000">
+            <a:lvl5pPr marL="2286000" lvl="4" indent="-317500">
               <a:lnSpc>
                 <a:spcPct val="115000"/>
               </a:lnSpc>
@@ -5399,7 +5618,7 @@
                 </a:solidFill>
               </a:defRPr>
             </a:lvl5pPr>
-            <a:lvl6pPr indent="-317500" lvl="5" marL="2743200">
+            <a:lvl6pPr marL="2743200" lvl="5" indent="-317500">
               <a:lnSpc>
                 <a:spcPct val="115000"/>
               </a:lnSpc>
@@ -5420,7 +5639,7 @@
                 </a:solidFill>
               </a:defRPr>
             </a:lvl6pPr>
-            <a:lvl7pPr indent="-317500" lvl="6" marL="3200400">
+            <a:lvl7pPr marL="3200400" lvl="6" indent="-317500">
               <a:lnSpc>
                 <a:spcPct val="115000"/>
               </a:lnSpc>
@@ -5441,7 +5660,7 @@
                 </a:solidFill>
               </a:defRPr>
             </a:lvl7pPr>
-            <a:lvl8pPr indent="-317500" lvl="7" marL="3657600">
+            <a:lvl8pPr marL="3657600" lvl="7" indent="-317500">
               <a:lnSpc>
                 <a:spcPct val="115000"/>
               </a:lnSpc>
@@ -5462,7 +5681,7 @@
                 </a:solidFill>
               </a:defRPr>
             </a:lvl8pPr>
-            <a:lvl9pPr indent="-317500" lvl="8" marL="4114800">
+            <a:lvl9pPr marL="4114800" lvl="8" indent="-317500">
               <a:lnSpc>
                 <a:spcPct val="115000"/>
               </a:lnSpc>
@@ -5484,15 +5703,19 @@
               </a:defRPr>
             </a:lvl9pPr>
           </a:lstStyle>
-          <a:p/>
+          <a:p>
+            <a:endParaRPr/>
+          </a:p>
         </p:txBody>
       </p:sp>
       <p:sp>
         <p:nvSpPr>
           <p:cNvPr id="8" name="Google Shape;8;p1"/>
-          <p:cNvSpPr txBox="1"/>
+          <p:cNvSpPr txBox="1">
+            <a:spLocks noGrp="1"/>
+          </p:cNvSpPr>
           <p:nvPr>
-            <p:ph idx="12" type="sldNum"/>
+            <p:ph type="sldNum" idx="12"/>
           </p:nvPr>
         </p:nvSpPr>
         <p:spPr>
@@ -5509,7 +5732,7 @@
           </a:ln>
         </p:spPr>
         <p:txBody>
-          <a:bodyPr anchorCtr="0" anchor="ctr" bIns="91425" lIns="91425" spcFirstLastPara="1" rIns="91425" wrap="square" tIns="91425">
+          <a:bodyPr spcFirstLastPara="1" wrap="square" lIns="91425" tIns="91425" rIns="91425" bIns="91425" anchor="ctr" anchorCtr="0">
             <a:normAutofit/>
           </a:bodyPr>
           <a:lstStyle>
@@ -5587,7 +5810,7 @@
             </a:lvl9pPr>
           </a:lstStyle>
           <a:p>
-            <a:pPr indent="0" lvl="0" marL="0" rtl="0" algn="r">
+            <a:pPr marL="0" lvl="0" indent="0" algn="r" rtl="0">
               <a:spcBef>
                 <a:spcPts val="0"/>
               </a:spcBef>
@@ -5606,7 +5829,7 @@
       </p:sp>
     </p:spTree>
   </p:cSld>
-  <p:clrMap accent1="accent1" accent2="accent2" accent3="accent3" accent4="accent4" accent5="accent5" accent6="accent6" bg1="lt1" bg2="dk2" tx1="dk1" tx2="lt2" folHlink="folHlink" hlink="hlink"/>
+  <p:clrMap bg1="lt1" tx1="dk1" bg2="dk2" tx2="lt2" accent1="accent1" accent2="accent2" accent3="accent3" accent4="accent4" accent5="accent5" accent6="accent6" hlink="hlink" folHlink="folHlink"/>
   <p:sldLayoutIdLst>
     <p:sldLayoutId id="2147483648" r:id="rId1"/>
     <p:sldLayoutId id="2147483649" r:id="rId2"/>
@@ -5620,10 +5843,10 @@
     <p:sldLayoutId id="2147483657" r:id="rId10"/>
     <p:sldLayoutId id="2147483658" r:id="rId11"/>
   </p:sldLayoutIdLst>
-  <p:hf dt="0" ftr="0" hdr="0" sldNum="0"/>
+  <p:hf sldNum="0" hdr="0" ftr="0" dt="0"/>
   <p:txStyles>
     <p:titleStyle>
-      <a:defPPr lvl="0" marR="0" rtl="0" algn="l">
+      <a:defPPr marR="0" lvl="0" algn="l" rtl="0">
         <a:lnSpc>
           <a:spcPct val="100000"/>
         </a:lnSpc>
@@ -5634,7 +5857,7 @@
           <a:spcPts val="0"/>
         </a:spcAft>
       </a:defPPr>
-      <a:lvl1pPr lvl="0" marR="0" rtl="0" algn="l">
+      <a:lvl1pPr marR="0" lvl="0" algn="l" rtl="0">
         <a:lnSpc>
           <a:spcPct val="100000"/>
         </a:lnSpc>
@@ -5648,7 +5871,7 @@
           <a:srgbClr val="000000"/>
         </a:buClr>
         <a:buFont typeface="Arial"/>
-        <a:defRPr b="0" i="0" sz="1400" u="none" cap="none" strike="noStrike">
+        <a:defRPr sz="1400" b="0" i="0" u="none" strike="noStrike" cap="none">
           <a:solidFill>
             <a:srgbClr val="000000"/>
           </a:solidFill>
@@ -5658,7 +5881,7 @@
           <a:sym typeface="Arial"/>
         </a:defRPr>
       </a:lvl1pPr>
-      <a:lvl2pPr lvl="1" marR="0" rtl="0" algn="l">
+      <a:lvl2pPr marR="0" lvl="1" algn="l" rtl="0">
         <a:lnSpc>
           <a:spcPct val="100000"/>
         </a:lnSpc>
@@ -5672,7 +5895,7 @@
           <a:srgbClr val="000000"/>
         </a:buClr>
         <a:buFont typeface="Arial"/>
-        <a:defRPr b="0" i="0" sz="1400" u="none" cap="none" strike="noStrike">
+        <a:defRPr sz="1400" b="0" i="0" u="none" strike="noStrike" cap="none">
           <a:solidFill>
             <a:srgbClr val="000000"/>
           </a:solidFill>
@@ -5682,7 +5905,7 @@
           <a:sym typeface="Arial"/>
         </a:defRPr>
       </a:lvl2pPr>
-      <a:lvl3pPr lvl="2" marR="0" rtl="0" algn="l">
+      <a:lvl3pPr marR="0" lvl="2" algn="l" rtl="0">
         <a:lnSpc>
           <a:spcPct val="100000"/>
         </a:lnSpc>
@@ -5696,7 +5919,7 @@
           <a:srgbClr val="000000"/>
         </a:buClr>
         <a:buFont typeface="Arial"/>
-        <a:defRPr b="0" i="0" sz="1400" u="none" cap="none" strike="noStrike">
+        <a:defRPr sz="1400" b="0" i="0" u="none" strike="noStrike" cap="none">
           <a:solidFill>
             <a:srgbClr val="000000"/>
           </a:solidFill>
@@ -5706,7 +5929,7 @@
           <a:sym typeface="Arial"/>
         </a:defRPr>
       </a:lvl3pPr>
-      <a:lvl4pPr lvl="3" marR="0" rtl="0" algn="l">
+      <a:lvl4pPr marR="0" lvl="3" algn="l" rtl="0">
         <a:lnSpc>
           <a:spcPct val="100000"/>
         </a:lnSpc>
@@ -5720,7 +5943,7 @@
           <a:srgbClr val="000000"/>
         </a:buClr>
         <a:buFont typeface="Arial"/>
-        <a:defRPr b="0" i="0" sz="1400" u="none" cap="none" strike="noStrike">
+        <a:defRPr sz="1400" b="0" i="0" u="none" strike="noStrike" cap="none">
           <a:solidFill>
             <a:srgbClr val="000000"/>
           </a:solidFill>
@@ -5730,7 +5953,7 @@
           <a:sym typeface="Arial"/>
         </a:defRPr>
       </a:lvl4pPr>
-      <a:lvl5pPr lvl="4" marR="0" rtl="0" algn="l">
+      <a:lvl5pPr marR="0" lvl="4" algn="l" rtl="0">
         <a:lnSpc>
           <a:spcPct val="100000"/>
         </a:lnSpc>
@@ -5744,7 +5967,7 @@
           <a:srgbClr val="000000"/>
         </a:buClr>
         <a:buFont typeface="Arial"/>
-        <a:defRPr b="0" i="0" sz="1400" u="none" cap="none" strike="noStrike">
+        <a:defRPr sz="1400" b="0" i="0" u="none" strike="noStrike" cap="none">
           <a:solidFill>
             <a:srgbClr val="000000"/>
           </a:solidFill>
@@ -5754,7 +5977,7 @@
           <a:sym typeface="Arial"/>
         </a:defRPr>
       </a:lvl5pPr>
-      <a:lvl6pPr lvl="5" marR="0" rtl="0" algn="l">
+      <a:lvl6pPr marR="0" lvl="5" algn="l" rtl="0">
         <a:lnSpc>
           <a:spcPct val="100000"/>
         </a:lnSpc>
@@ -5768,7 +5991,7 @@
           <a:srgbClr val="000000"/>
         </a:buClr>
         <a:buFont typeface="Arial"/>
-        <a:defRPr b="0" i="0" sz="1400" u="none" cap="none" strike="noStrike">
+        <a:defRPr sz="1400" b="0" i="0" u="none" strike="noStrike" cap="none">
           <a:solidFill>
             <a:srgbClr val="000000"/>
           </a:solidFill>
@@ -5778,7 +6001,7 @@
           <a:sym typeface="Arial"/>
         </a:defRPr>
       </a:lvl6pPr>
-      <a:lvl7pPr lvl="6" marR="0" rtl="0" algn="l">
+      <a:lvl7pPr marR="0" lvl="6" algn="l" rtl="0">
         <a:lnSpc>
           <a:spcPct val="100000"/>
         </a:lnSpc>
@@ -5792,7 +6015,7 @@
           <a:srgbClr val="000000"/>
         </a:buClr>
         <a:buFont typeface="Arial"/>
-        <a:defRPr b="0" i="0" sz="1400" u="none" cap="none" strike="noStrike">
+        <a:defRPr sz="1400" b="0" i="0" u="none" strike="noStrike" cap="none">
           <a:solidFill>
             <a:srgbClr val="000000"/>
           </a:solidFill>
@@ -5802,7 +6025,7 @@
           <a:sym typeface="Arial"/>
         </a:defRPr>
       </a:lvl7pPr>
-      <a:lvl8pPr lvl="7" marR="0" rtl="0" algn="l">
+      <a:lvl8pPr marR="0" lvl="7" algn="l" rtl="0">
         <a:lnSpc>
           <a:spcPct val="100000"/>
         </a:lnSpc>
@@ -5816,7 +6039,7 @@
           <a:srgbClr val="000000"/>
         </a:buClr>
         <a:buFont typeface="Arial"/>
-        <a:defRPr b="0" i="0" sz="1400" u="none" cap="none" strike="noStrike">
+        <a:defRPr sz="1400" b="0" i="0" u="none" strike="noStrike" cap="none">
           <a:solidFill>
             <a:srgbClr val="000000"/>
           </a:solidFill>
@@ -5826,7 +6049,7 @@
           <a:sym typeface="Arial"/>
         </a:defRPr>
       </a:lvl8pPr>
-      <a:lvl9pPr lvl="8" marR="0" rtl="0" algn="l">
+      <a:lvl9pPr marR="0" lvl="8" algn="l" rtl="0">
         <a:lnSpc>
           <a:spcPct val="100000"/>
         </a:lnSpc>
@@ -5840,7 +6063,7 @@
           <a:srgbClr val="000000"/>
         </a:buClr>
         <a:buFont typeface="Arial"/>
-        <a:defRPr b="0" i="0" sz="1400" u="none" cap="none" strike="noStrike">
+        <a:defRPr sz="1400" b="0" i="0" u="none" strike="noStrike" cap="none">
           <a:solidFill>
             <a:srgbClr val="000000"/>
           </a:solidFill>
@@ -5852,7 +6075,7 @@
       </a:lvl9pPr>
     </p:titleStyle>
     <p:bodyStyle>
-      <a:defPPr lvl="0" marR="0" rtl="0" algn="l">
+      <a:defPPr marR="0" lvl="0" algn="l" rtl="0">
         <a:lnSpc>
           <a:spcPct val="100000"/>
         </a:lnSpc>
@@ -5863,7 +6086,7 @@
           <a:spcPts val="0"/>
         </a:spcAft>
       </a:defPPr>
-      <a:lvl1pPr lvl="0" marR="0" rtl="0" algn="l">
+      <a:lvl1pPr marR="0" lvl="0" algn="l" rtl="0">
         <a:lnSpc>
           <a:spcPct val="100000"/>
         </a:lnSpc>
@@ -5877,7 +6100,7 @@
           <a:srgbClr val="000000"/>
         </a:buClr>
         <a:buFont typeface="Arial"/>
-        <a:defRPr b="0" i="0" sz="1400" u="none" cap="none" strike="noStrike">
+        <a:defRPr sz="1400" b="0" i="0" u="none" strike="noStrike" cap="none">
           <a:solidFill>
             <a:srgbClr val="000000"/>
           </a:solidFill>
@@ -5887,7 +6110,7 @@
           <a:sym typeface="Arial"/>
         </a:defRPr>
       </a:lvl1pPr>
-      <a:lvl2pPr lvl="1" marR="0" rtl="0" algn="l">
+      <a:lvl2pPr marR="0" lvl="1" algn="l" rtl="0">
         <a:lnSpc>
           <a:spcPct val="100000"/>
         </a:lnSpc>
@@ -5901,7 +6124,7 @@
           <a:srgbClr val="000000"/>
         </a:buClr>
         <a:buFont typeface="Arial"/>
-        <a:defRPr b="0" i="0" sz="1400" u="none" cap="none" strike="noStrike">
+        <a:defRPr sz="1400" b="0" i="0" u="none" strike="noStrike" cap="none">
           <a:solidFill>
             <a:srgbClr val="000000"/>
           </a:solidFill>
@@ -5911,7 +6134,7 @@
           <a:sym typeface="Arial"/>
         </a:defRPr>
       </a:lvl2pPr>
-      <a:lvl3pPr lvl="2" marR="0" rtl="0" algn="l">
+      <a:lvl3pPr marR="0" lvl="2" algn="l" rtl="0">
         <a:lnSpc>
           <a:spcPct val="100000"/>
         </a:lnSpc>
@@ -5925,7 +6148,7 @@
           <a:srgbClr val="000000"/>
         </a:buClr>
         <a:buFont typeface="Arial"/>
-        <a:defRPr b="0" i="0" sz="1400" u="none" cap="none" strike="noStrike">
+        <a:defRPr sz="1400" b="0" i="0" u="none" strike="noStrike" cap="none">
           <a:solidFill>
             <a:srgbClr val="000000"/>
           </a:solidFill>
@@ -5935,7 +6158,7 @@
           <a:sym typeface="Arial"/>
         </a:defRPr>
       </a:lvl3pPr>
-      <a:lvl4pPr lvl="3" marR="0" rtl="0" algn="l">
+      <a:lvl4pPr marR="0" lvl="3" algn="l" rtl="0">
         <a:lnSpc>
           <a:spcPct val="100000"/>
         </a:lnSpc>
@@ -5949,7 +6172,7 @@
           <a:srgbClr val="000000"/>
         </a:buClr>
         <a:buFont typeface="Arial"/>
-        <a:defRPr b="0" i="0" sz="1400" u="none" cap="none" strike="noStrike">
+        <a:defRPr sz="1400" b="0" i="0" u="none" strike="noStrike" cap="none">
           <a:solidFill>
             <a:srgbClr val="000000"/>
           </a:solidFill>
@@ -5959,7 +6182,7 @@
           <a:sym typeface="Arial"/>
         </a:defRPr>
       </a:lvl4pPr>
-      <a:lvl5pPr lvl="4" marR="0" rtl="0" algn="l">
+      <a:lvl5pPr marR="0" lvl="4" algn="l" rtl="0">
         <a:lnSpc>
           <a:spcPct val="100000"/>
         </a:lnSpc>
@@ -5973,7 +6196,7 @@
           <a:srgbClr val="000000"/>
         </a:buClr>
         <a:buFont typeface="Arial"/>
-        <a:defRPr b="0" i="0" sz="1400" u="none" cap="none" strike="noStrike">
+        <a:defRPr sz="1400" b="0" i="0" u="none" strike="noStrike" cap="none">
           <a:solidFill>
             <a:srgbClr val="000000"/>
           </a:solidFill>
@@ -5983,7 +6206,7 @@
           <a:sym typeface="Arial"/>
         </a:defRPr>
       </a:lvl5pPr>
-      <a:lvl6pPr lvl="5" marR="0" rtl="0" algn="l">
+      <a:lvl6pPr marR="0" lvl="5" algn="l" rtl="0">
         <a:lnSpc>
           <a:spcPct val="100000"/>
         </a:lnSpc>
@@ -5997,7 +6220,7 @@
           <a:srgbClr val="000000"/>
         </a:buClr>
         <a:buFont typeface="Arial"/>
-        <a:defRPr b="0" i="0" sz="1400" u="none" cap="none" strike="noStrike">
+        <a:defRPr sz="1400" b="0" i="0" u="none" strike="noStrike" cap="none">
           <a:solidFill>
             <a:srgbClr val="000000"/>
           </a:solidFill>
@@ -6007,7 +6230,7 @@
           <a:sym typeface="Arial"/>
         </a:defRPr>
       </a:lvl6pPr>
-      <a:lvl7pPr lvl="6" marR="0" rtl="0" algn="l">
+      <a:lvl7pPr marR="0" lvl="6" algn="l" rtl="0">
         <a:lnSpc>
           <a:spcPct val="100000"/>
         </a:lnSpc>
@@ -6021,7 +6244,7 @@
           <a:srgbClr val="000000"/>
         </a:buClr>
         <a:buFont typeface="Arial"/>
-        <a:defRPr b="0" i="0" sz="1400" u="none" cap="none" strike="noStrike">
+        <a:defRPr sz="1400" b="0" i="0" u="none" strike="noStrike" cap="none">
           <a:solidFill>
             <a:srgbClr val="000000"/>
           </a:solidFill>
@@ -6031,7 +6254,7 @@
           <a:sym typeface="Arial"/>
         </a:defRPr>
       </a:lvl7pPr>
-      <a:lvl8pPr lvl="7" marR="0" rtl="0" algn="l">
+      <a:lvl8pPr marR="0" lvl="7" algn="l" rtl="0">
         <a:lnSpc>
           <a:spcPct val="100000"/>
         </a:lnSpc>
@@ -6045,7 +6268,7 @@
           <a:srgbClr val="000000"/>
         </a:buClr>
         <a:buFont typeface="Arial"/>
-        <a:defRPr b="0" i="0" sz="1400" u="none" cap="none" strike="noStrike">
+        <a:defRPr sz="1400" b="0" i="0" u="none" strike="noStrike" cap="none">
           <a:solidFill>
             <a:srgbClr val="000000"/>
           </a:solidFill>
@@ -6055,7 +6278,7 @@
           <a:sym typeface="Arial"/>
         </a:defRPr>
       </a:lvl8pPr>
-      <a:lvl9pPr lvl="8" marR="0" rtl="0" algn="l">
+      <a:lvl9pPr marR="0" lvl="8" algn="l" rtl="0">
         <a:lnSpc>
           <a:spcPct val="100000"/>
         </a:lnSpc>
@@ -6069,7 +6292,7 @@
           <a:srgbClr val="000000"/>
         </a:buClr>
         <a:buFont typeface="Arial"/>
-        <a:defRPr b="0" i="0" sz="1400" u="none" cap="none" strike="noStrike">
+        <a:defRPr sz="1400" b="0" i="0" u="none" strike="noStrike" cap="none">
           <a:solidFill>
             <a:srgbClr val="000000"/>
           </a:solidFill>
@@ -6081,7 +6304,7 @@
       </a:lvl9pPr>
     </p:bodyStyle>
     <p:otherStyle>
-      <a:defPPr lvl="0" marR="0" rtl="0" algn="l">
+      <a:defPPr marR="0" lvl="0" algn="l" rtl="0">
         <a:lnSpc>
           <a:spcPct val="100000"/>
         </a:lnSpc>
@@ -6092,7 +6315,7 @@
           <a:spcPts val="0"/>
         </a:spcAft>
       </a:defPPr>
-      <a:lvl1pPr lvl="0" marR="0" rtl="0" algn="l">
+      <a:lvl1pPr marR="0" lvl="0" algn="l" rtl="0">
         <a:lnSpc>
           <a:spcPct val="100000"/>
         </a:lnSpc>
@@ -6106,7 +6329,7 @@
           <a:srgbClr val="000000"/>
         </a:buClr>
         <a:buFont typeface="Arial"/>
-        <a:defRPr b="0" i="0" sz="1400" u="none" cap="none" strike="noStrike">
+        <a:defRPr sz="1400" b="0" i="0" u="none" strike="noStrike" cap="none">
           <a:solidFill>
             <a:srgbClr val="000000"/>
           </a:solidFill>
@@ -6116,7 +6339,7 @@
           <a:sym typeface="Arial"/>
         </a:defRPr>
       </a:lvl1pPr>
-      <a:lvl2pPr lvl="1" marR="0" rtl="0" algn="l">
+      <a:lvl2pPr marR="0" lvl="1" algn="l" rtl="0">
         <a:lnSpc>
           <a:spcPct val="100000"/>
         </a:lnSpc>
@@ -6130,7 +6353,7 @@
           <a:srgbClr val="000000"/>
         </a:buClr>
         <a:buFont typeface="Arial"/>
-        <a:defRPr b="0" i="0" sz="1400" u="none" cap="none" strike="noStrike">
+        <a:defRPr sz="1400" b="0" i="0" u="none" strike="noStrike" cap="none">
           <a:solidFill>
             <a:srgbClr val="000000"/>
           </a:solidFill>
@@ -6140,7 +6363,7 @@
           <a:sym typeface="Arial"/>
         </a:defRPr>
       </a:lvl2pPr>
-      <a:lvl3pPr lvl="2" marR="0" rtl="0" algn="l">
+      <a:lvl3pPr marR="0" lvl="2" algn="l" rtl="0">
         <a:lnSpc>
           <a:spcPct val="100000"/>
         </a:lnSpc>
@@ -6154,7 +6377,7 @@
           <a:srgbClr val="000000"/>
         </a:buClr>
         <a:buFont typeface="Arial"/>
-        <a:defRPr b="0" i="0" sz="1400" u="none" cap="none" strike="noStrike">
+        <a:defRPr sz="1400" b="0" i="0" u="none" strike="noStrike" cap="none">
           <a:solidFill>
             <a:srgbClr val="000000"/>
           </a:solidFill>
@@ -6164,7 +6387,7 @@
           <a:sym typeface="Arial"/>
         </a:defRPr>
       </a:lvl3pPr>
-      <a:lvl4pPr lvl="3" marR="0" rtl="0" algn="l">
+      <a:lvl4pPr marR="0" lvl="3" algn="l" rtl="0">
         <a:lnSpc>
           <a:spcPct val="100000"/>
         </a:lnSpc>
@@ -6178,7 +6401,7 @@
           <a:srgbClr val="000000"/>
         </a:buClr>
         <a:buFont typeface="Arial"/>
-        <a:defRPr b="0" i="0" sz="1400" u="none" cap="none" strike="noStrike">
+        <a:defRPr sz="1400" b="0" i="0" u="none" strike="noStrike" cap="none">
           <a:solidFill>
             <a:srgbClr val="000000"/>
           </a:solidFill>
@@ -6188,7 +6411,7 @@
           <a:sym typeface="Arial"/>
         </a:defRPr>
       </a:lvl4pPr>
-      <a:lvl5pPr lvl="4" marR="0" rtl="0" algn="l">
+      <a:lvl5pPr marR="0" lvl="4" algn="l" rtl="0">
         <a:lnSpc>
           <a:spcPct val="100000"/>
         </a:lnSpc>
@@ -6202,7 +6425,7 @@
           <a:srgbClr val="000000"/>
         </a:buClr>
         <a:buFont typeface="Arial"/>
-        <a:defRPr b="0" i="0" sz="1400" u="none" cap="none" strike="noStrike">
+        <a:defRPr sz="1400" b="0" i="0" u="none" strike="noStrike" cap="none">
           <a:solidFill>
             <a:srgbClr val="000000"/>
           </a:solidFill>
@@ -6212,7 +6435,7 @@
           <a:sym typeface="Arial"/>
         </a:defRPr>
       </a:lvl5pPr>
-      <a:lvl6pPr lvl="5" marR="0" rtl="0" algn="l">
+      <a:lvl6pPr marR="0" lvl="5" algn="l" rtl="0">
         <a:lnSpc>
           <a:spcPct val="100000"/>
         </a:lnSpc>
@@ -6226,7 +6449,7 @@
           <a:srgbClr val="000000"/>
         </a:buClr>
         <a:buFont typeface="Arial"/>
-        <a:defRPr b="0" i="0" sz="1400" u="none" cap="none" strike="noStrike">
+        <a:defRPr sz="1400" b="0" i="0" u="none" strike="noStrike" cap="none">
           <a:solidFill>
             <a:srgbClr val="000000"/>
           </a:solidFill>
@@ -6236,7 +6459,7 @@
           <a:sym typeface="Arial"/>
         </a:defRPr>
       </a:lvl6pPr>
-      <a:lvl7pPr lvl="6" marR="0" rtl="0" algn="l">
+      <a:lvl7pPr marR="0" lvl="6" algn="l" rtl="0">
         <a:lnSpc>
           <a:spcPct val="100000"/>
         </a:lnSpc>
@@ -6250,7 +6473,7 @@
           <a:srgbClr val="000000"/>
         </a:buClr>
         <a:buFont typeface="Arial"/>
-        <a:defRPr b="0" i="0" sz="1400" u="none" cap="none" strike="noStrike">
+        <a:defRPr sz="1400" b="0" i="0" u="none" strike="noStrike" cap="none">
           <a:solidFill>
             <a:srgbClr val="000000"/>
           </a:solidFill>
@@ -6260,7 +6483,7 @@
           <a:sym typeface="Arial"/>
         </a:defRPr>
       </a:lvl7pPr>
-      <a:lvl8pPr lvl="7" marR="0" rtl="0" algn="l">
+      <a:lvl8pPr marR="0" lvl="7" algn="l" rtl="0">
         <a:lnSpc>
           <a:spcPct val="100000"/>
         </a:lnSpc>
@@ -6274,7 +6497,7 @@
           <a:srgbClr val="000000"/>
         </a:buClr>
         <a:buFont typeface="Arial"/>
-        <a:defRPr b="0" i="0" sz="1400" u="none" cap="none" strike="noStrike">
+        <a:defRPr sz="1400" b="0" i="0" u="none" strike="noStrike" cap="none">
           <a:solidFill>
             <a:srgbClr val="000000"/>
           </a:solidFill>
@@ -6284,7 +6507,7 @@
           <a:sym typeface="Arial"/>
         </a:defRPr>
       </a:lvl8pPr>
-      <a:lvl9pPr lvl="8" marR="0" rtl="0" algn="l">
+      <a:lvl9pPr marR="0" lvl="8" algn="l" rtl="0">
         <a:lnSpc>
           <a:spcPct val="100000"/>
         </a:lnSpc>
@@ -6298,7 +6521,7 @@
           <a:srgbClr val="000000"/>
         </a:buClr>
         <a:buFont typeface="Arial"/>
-        <a:defRPr b="0" i="0" sz="1400" u="none" cap="none" strike="noStrike">
+        <a:defRPr sz="1400" b="0" i="0" u="none" strike="noStrike" cap="none">
           <a:solidFill>
             <a:srgbClr val="000000"/>
           </a:solidFill>
@@ -6314,11 +6537,11 @@
 </file>
 
 <file path=ppt/slides/slide1.xml><?xml version="1.0" encoding="utf-8"?>
-<p:sld xmlns:a="http://schemas.openxmlformats.org/drawingml/2006/main" xmlns:r="http://schemas.openxmlformats.org/officeDocument/2006/relationships" xmlns:mc="http://schemas.openxmlformats.org/markup-compatibility/2006" xmlns:mv="urn:schemas-microsoft-com:mac:vml" xmlns:p="http://schemas.openxmlformats.org/presentationml/2006/main" xmlns:c="http://schemas.openxmlformats.org/drawingml/2006/chart" xmlns:dgm="http://schemas.openxmlformats.org/drawingml/2006/diagram" xmlns:o="urn:schemas-microsoft-com:office:office" xmlns:v="urn:schemas-microsoft-com:vml" xmlns:pvml="urn:schemas-microsoft-com:office:powerpoint" xmlns:com="http://schemas.openxmlformats.org/drawingml/2006/compatibility" xmlns:p14="http://schemas.microsoft.com/office/powerpoint/2010/main" xmlns:p15="http://schemas.microsoft.com/office/powerpoint/2012/main" xmlns:ahyp="http://schemas.microsoft.com/office/drawing/2018/hyperlinkcolor">
+<p:sld xmlns:a="http://schemas.openxmlformats.org/drawingml/2006/main" xmlns:r="http://schemas.openxmlformats.org/officeDocument/2006/relationships" xmlns:p="http://schemas.openxmlformats.org/presentationml/2006/main">
   <p:cSld>
     <p:spTree>
       <p:nvGrpSpPr>
-        <p:cNvPr id="53" name="Shape 53"/>
+        <p:cNvPr id="1" name="Shape 53"/>
         <p:cNvGrpSpPr/>
         <p:nvPr/>
       </p:nvGrpSpPr>
@@ -6333,7 +6556,9 @@
       <p:sp>
         <p:nvSpPr>
           <p:cNvPr id="54" name="Google Shape;54;p13"/>
-          <p:cNvSpPr txBox="1"/>
+          <p:cNvSpPr txBox="1">
+            <a:spLocks noGrp="1"/>
+          </p:cNvSpPr>
           <p:nvPr>
             <p:ph type="ctrTitle"/>
           </p:nvPr>
@@ -6348,12 +6573,12 @@
           </a:prstGeom>
         </p:spPr>
         <p:txBody>
-          <a:bodyPr anchorCtr="0" anchor="b" bIns="91425" lIns="91425" spcFirstLastPara="1" rIns="91425" wrap="square" tIns="91425">
+          <a:bodyPr spcFirstLastPara="1" wrap="square" lIns="91425" tIns="91425" rIns="91425" bIns="91425" anchor="b" anchorCtr="0">
             <a:normAutofit fontScale="90000"/>
           </a:bodyPr>
           <a:lstStyle/>
           <a:p>
-            <a:pPr indent="0" lvl="0" marL="0" rtl="0" algn="ctr">
+            <a:pPr marL="0" lvl="0" indent="0" algn="ctr" rtl="0">
               <a:lnSpc>
                 <a:spcPct val="115000"/>
               </a:lnSpc>
@@ -6372,52 +6597,7 @@
                 <a:cs typeface="Verdana"/>
                 <a:sym typeface="Verdana"/>
               </a:rPr>
-              <a:t>Maximizing </a:t>
-            </a:r>
-            <a:r>
-              <a:rPr lang="en" sz="3000">
-                <a:latin typeface="Verdana"/>
-                <a:ea typeface="Verdana"/>
-                <a:cs typeface="Verdana"/>
-                <a:sym typeface="Verdana"/>
-              </a:rPr>
-              <a:t>Accuracy</a:t>
-            </a:r>
-            <a:r>
-              <a:rPr lang="en" sz="3000">
-                <a:latin typeface="Verdana"/>
-                <a:ea typeface="Verdana"/>
-                <a:cs typeface="Verdana"/>
-                <a:sym typeface="Verdana"/>
-              </a:rPr>
-              <a:t> and Fairness using Fairness </a:t>
-            </a:r>
-            <a:r>
-              <a:rPr lang="en" sz="3000">
-                <a:latin typeface="Verdana"/>
-                <a:ea typeface="Verdana"/>
-                <a:cs typeface="Verdana"/>
-                <a:sym typeface="Verdana"/>
-              </a:rPr>
-              <a:t>Constraint</a:t>
-            </a:r>
-            <a:r>
-              <a:rPr lang="en" sz="3000">
-                <a:latin typeface="Verdana"/>
-                <a:ea typeface="Verdana"/>
-                <a:cs typeface="Verdana"/>
-                <a:sym typeface="Verdana"/>
-              </a:rPr>
-              <a:t> &amp; </a:t>
-            </a:r>
-            <a:r>
-              <a:rPr lang="en" sz="3000">
-                <a:latin typeface="Verdana"/>
-                <a:ea typeface="Verdana"/>
-                <a:cs typeface="Verdana"/>
-                <a:sym typeface="Verdana"/>
-              </a:rPr>
-              <a:t>Information Theoretic Measures for Fairness-aware Feature Selection</a:t>
+              <a:t>Maximizing Accuracy and Fairness using Fairness Constraint &amp; Information Theoretic Measures for Fairness-aware Feature Selection</a:t>
             </a:r>
             <a:endParaRPr sz="3000">
               <a:latin typeface="Verdana"/>
@@ -6431,9 +6611,11 @@
       <p:sp>
         <p:nvSpPr>
           <p:cNvPr id="55" name="Google Shape;55;p13"/>
-          <p:cNvSpPr txBox="1"/>
+          <p:cNvSpPr txBox="1">
+            <a:spLocks noGrp="1"/>
+          </p:cNvSpPr>
           <p:nvPr>
-            <p:ph idx="1" type="subTitle"/>
+            <p:ph type="subTitle" idx="1"/>
           </p:nvPr>
         </p:nvSpPr>
         <p:spPr>
@@ -6446,12 +6628,12 @@
           </a:prstGeom>
         </p:spPr>
         <p:txBody>
-          <a:bodyPr anchorCtr="0" anchor="t" bIns="91425" lIns="91425" spcFirstLastPara="1" rIns="91425" wrap="square" tIns="91425">
-            <a:normAutofit/>
+          <a:bodyPr spcFirstLastPara="1" wrap="square" lIns="91425" tIns="91425" rIns="91425" bIns="91425" anchor="t" anchorCtr="0">
+            <a:normAutofit lnSpcReduction="10000"/>
           </a:bodyPr>
           <a:lstStyle/>
           <a:p>
-            <a:pPr indent="0" lvl="0" marL="0" rtl="0" algn="l">
+            <a:pPr marL="0" lvl="0" indent="0" algn="l" rtl="0">
               <a:lnSpc>
                 <a:spcPct val="150000"/>
               </a:lnSpc>
@@ -6471,7 +6653,7 @@
             <a:endParaRPr sz="1380"/>
           </a:p>
           <a:p>
-            <a:pPr indent="0" lvl="0" marL="0" rtl="0" algn="l">
+            <a:pPr marL="0" lvl="0" indent="0" algn="l" rtl="0">
               <a:lnSpc>
                 <a:spcPct val="150000"/>
               </a:lnSpc>
@@ -6500,12 +6682,1203 @@
 </p:sld>
 </file>
 
-<file path=ppt/slides/slide2.xml><?xml version="1.0" encoding="utf-8"?>
-<p:sld xmlns:a="http://schemas.openxmlformats.org/drawingml/2006/main" xmlns:r="http://schemas.openxmlformats.org/officeDocument/2006/relationships" xmlns:mc="http://schemas.openxmlformats.org/markup-compatibility/2006" xmlns:mv="urn:schemas-microsoft-com:mac:vml" xmlns:p="http://schemas.openxmlformats.org/presentationml/2006/main" xmlns:c="http://schemas.openxmlformats.org/drawingml/2006/chart" xmlns:dgm="http://schemas.openxmlformats.org/drawingml/2006/diagram" xmlns:o="urn:schemas-microsoft-com:office:office" xmlns:v="urn:schemas-microsoft-com:vml" xmlns:pvml="urn:schemas-microsoft-com:office:powerpoint" xmlns:com="http://schemas.openxmlformats.org/drawingml/2006/compatibility" xmlns:p14="http://schemas.microsoft.com/office/powerpoint/2010/main" xmlns:p15="http://schemas.microsoft.com/office/powerpoint/2012/main" xmlns:ahyp="http://schemas.microsoft.com/office/drawing/2018/hyperlinkcolor">
+<file path=ppt/slides/slide10.xml><?xml version="1.0" encoding="utf-8"?>
+<p:sld xmlns:a="http://schemas.openxmlformats.org/drawingml/2006/main" xmlns:r="http://schemas.openxmlformats.org/officeDocument/2006/relationships" xmlns:p="http://schemas.openxmlformats.org/presentationml/2006/main">
   <p:cSld>
     <p:spTree>
       <p:nvGrpSpPr>
-        <p:cNvPr id="59" name="Shape 59"/>
+        <p:cNvPr id="1" name=""/>
+        <p:cNvGrpSpPr/>
+        <p:nvPr/>
+      </p:nvGrpSpPr>
+      <p:grpSpPr>
+        <a:xfrm>
+          <a:off x="0" y="0"/>
+          <a:ext cx="0" cy="0"/>
+          <a:chOff x="0" y="0"/>
+          <a:chExt cx="0" cy="0"/>
+        </a:xfrm>
+      </p:grpSpPr>
+      <p:sp>
+        <p:nvSpPr>
+          <p:cNvPr id="2" name="标题 1">
+            <a:extLst>
+              <a:ext uri="{FF2B5EF4-FFF2-40B4-BE49-F238E27FC236}">
+                <a16:creationId xmlns:a16="http://schemas.microsoft.com/office/drawing/2014/main" id="{89B63800-AC4D-697E-E765-39EFDA2E877C}"/>
+              </a:ext>
+            </a:extLst>
+          </p:cNvPr>
+          <p:cNvSpPr>
+            <a:spLocks noGrp="1"/>
+          </p:cNvSpPr>
+          <p:nvPr>
+            <p:ph type="title"/>
+          </p:nvPr>
+        </p:nvSpPr>
+        <p:spPr/>
+        <p:txBody>
+          <a:bodyPr>
+            <a:normAutofit fontScale="90000"/>
+          </a:bodyPr>
+          <a:lstStyle/>
+          <a:p>
+            <a:endParaRPr kumimoji="1" lang="zh-CN" altLang="en-US"/>
+          </a:p>
+        </p:txBody>
+      </p:sp>
+      <p:sp>
+        <p:nvSpPr>
+          <p:cNvPr id="3" name="文本占位符 2">
+            <a:extLst>
+              <a:ext uri="{FF2B5EF4-FFF2-40B4-BE49-F238E27FC236}">
+                <a16:creationId xmlns:a16="http://schemas.microsoft.com/office/drawing/2014/main" id="{F79A715F-A179-CCF3-53DB-927C02F6037F}"/>
+              </a:ext>
+            </a:extLst>
+          </p:cNvPr>
+          <p:cNvSpPr>
+            <a:spLocks noGrp="1"/>
+          </p:cNvSpPr>
+          <p:nvPr>
+            <p:ph type="body" idx="1"/>
+          </p:nvPr>
+        </p:nvSpPr>
+        <p:spPr/>
+        <p:txBody>
+          <a:bodyPr/>
+          <a:lstStyle/>
+          <a:p>
+            <a:endParaRPr kumimoji="1" lang="zh-CN" altLang="en-US"/>
+          </a:p>
+        </p:txBody>
+      </p:sp>
+      <p:sp>
+        <p:nvSpPr>
+          <p:cNvPr id="4" name="标题 1">
+            <a:extLst>
+              <a:ext uri="{FF2B5EF4-FFF2-40B4-BE49-F238E27FC236}">
+                <a16:creationId xmlns:a16="http://schemas.microsoft.com/office/drawing/2014/main" id="{DCA11AE8-3CE6-6A92-D69B-0835D3A127B0}"/>
+              </a:ext>
+            </a:extLst>
+          </p:cNvPr>
+          <p:cNvSpPr txBox="1">
+            <a:spLocks/>
+          </p:cNvSpPr>
+          <p:nvPr/>
+        </p:nvSpPr>
+        <p:spPr>
+          <a:xfrm>
+            <a:off x="311700" y="445025"/>
+            <a:ext cx="8520600" cy="572700"/>
+          </a:xfrm>
+          <a:prstGeom prst="rect">
+            <a:avLst/>
+          </a:prstGeom>
+          <a:noFill/>
+          <a:ln>
+            <a:noFill/>
+          </a:ln>
+        </p:spPr>
+        <p:txBody>
+          <a:bodyPr spcFirstLastPara="1" wrap="square" lIns="91425" tIns="91425" rIns="91425" bIns="91425" anchor="t" anchorCtr="0">
+            <a:normAutofit fontScale="97500" lnSpcReduction="10000"/>
+          </a:bodyPr>
+          <a:lstStyle>
+            <a:defPPr marR="0" lvl="0" algn="l" rtl="0">
+              <a:lnSpc>
+                <a:spcPct val="100000"/>
+              </a:lnSpc>
+              <a:spcBef>
+                <a:spcPts val="0"/>
+              </a:spcBef>
+              <a:spcAft>
+                <a:spcPts val="0"/>
+              </a:spcAft>
+            </a:defPPr>
+            <a:lvl1pPr marR="0" lvl="0" algn="l" rtl="0">
+              <a:lnSpc>
+                <a:spcPct val="100000"/>
+              </a:lnSpc>
+              <a:spcBef>
+                <a:spcPts val="0"/>
+              </a:spcBef>
+              <a:spcAft>
+                <a:spcPts val="0"/>
+              </a:spcAft>
+              <a:buClr>
+                <a:schemeClr val="dk1"/>
+              </a:buClr>
+              <a:buSzPts val="2800"/>
+              <a:buFont typeface="Arial"/>
+              <a:buNone/>
+              <a:defRPr sz="2800" b="0" i="0" u="none" strike="noStrike" cap="none">
+                <a:solidFill>
+                  <a:schemeClr val="dk1"/>
+                </a:solidFill>
+                <a:latin typeface="Arial"/>
+                <a:ea typeface="Arial"/>
+                <a:cs typeface="Arial"/>
+                <a:sym typeface="Arial"/>
+              </a:defRPr>
+            </a:lvl1pPr>
+            <a:lvl2pPr marR="0" lvl="1" algn="l" rtl="0">
+              <a:lnSpc>
+                <a:spcPct val="100000"/>
+              </a:lnSpc>
+              <a:spcBef>
+                <a:spcPts val="0"/>
+              </a:spcBef>
+              <a:spcAft>
+                <a:spcPts val="0"/>
+              </a:spcAft>
+              <a:buClr>
+                <a:schemeClr val="dk1"/>
+              </a:buClr>
+              <a:buSzPts val="2800"/>
+              <a:buFont typeface="Arial"/>
+              <a:buNone/>
+              <a:defRPr sz="2800" b="0" i="0" u="none" strike="noStrike" cap="none">
+                <a:solidFill>
+                  <a:schemeClr val="dk1"/>
+                </a:solidFill>
+                <a:latin typeface="Arial"/>
+                <a:ea typeface="Arial"/>
+                <a:cs typeface="Arial"/>
+                <a:sym typeface="Arial"/>
+              </a:defRPr>
+            </a:lvl2pPr>
+            <a:lvl3pPr marR="0" lvl="2" algn="l" rtl="0">
+              <a:lnSpc>
+                <a:spcPct val="100000"/>
+              </a:lnSpc>
+              <a:spcBef>
+                <a:spcPts val="0"/>
+              </a:spcBef>
+              <a:spcAft>
+                <a:spcPts val="0"/>
+              </a:spcAft>
+              <a:buClr>
+                <a:schemeClr val="dk1"/>
+              </a:buClr>
+              <a:buSzPts val="2800"/>
+              <a:buFont typeface="Arial"/>
+              <a:buNone/>
+              <a:defRPr sz="2800" b="0" i="0" u="none" strike="noStrike" cap="none">
+                <a:solidFill>
+                  <a:schemeClr val="dk1"/>
+                </a:solidFill>
+                <a:latin typeface="Arial"/>
+                <a:ea typeface="Arial"/>
+                <a:cs typeface="Arial"/>
+                <a:sym typeface="Arial"/>
+              </a:defRPr>
+            </a:lvl3pPr>
+            <a:lvl4pPr marR="0" lvl="3" algn="l" rtl="0">
+              <a:lnSpc>
+                <a:spcPct val="100000"/>
+              </a:lnSpc>
+              <a:spcBef>
+                <a:spcPts val="0"/>
+              </a:spcBef>
+              <a:spcAft>
+                <a:spcPts val="0"/>
+              </a:spcAft>
+              <a:buClr>
+                <a:schemeClr val="dk1"/>
+              </a:buClr>
+              <a:buSzPts val="2800"/>
+              <a:buFont typeface="Arial"/>
+              <a:buNone/>
+              <a:defRPr sz="2800" b="0" i="0" u="none" strike="noStrike" cap="none">
+                <a:solidFill>
+                  <a:schemeClr val="dk1"/>
+                </a:solidFill>
+                <a:latin typeface="Arial"/>
+                <a:ea typeface="Arial"/>
+                <a:cs typeface="Arial"/>
+                <a:sym typeface="Arial"/>
+              </a:defRPr>
+            </a:lvl4pPr>
+            <a:lvl5pPr marR="0" lvl="4" algn="l" rtl="0">
+              <a:lnSpc>
+                <a:spcPct val="100000"/>
+              </a:lnSpc>
+              <a:spcBef>
+                <a:spcPts val="0"/>
+              </a:spcBef>
+              <a:spcAft>
+                <a:spcPts val="0"/>
+              </a:spcAft>
+              <a:buClr>
+                <a:schemeClr val="dk1"/>
+              </a:buClr>
+              <a:buSzPts val="2800"/>
+              <a:buFont typeface="Arial"/>
+              <a:buNone/>
+              <a:defRPr sz="2800" b="0" i="0" u="none" strike="noStrike" cap="none">
+                <a:solidFill>
+                  <a:schemeClr val="dk1"/>
+                </a:solidFill>
+                <a:latin typeface="Arial"/>
+                <a:ea typeface="Arial"/>
+                <a:cs typeface="Arial"/>
+                <a:sym typeface="Arial"/>
+              </a:defRPr>
+            </a:lvl5pPr>
+            <a:lvl6pPr marR="0" lvl="5" algn="l" rtl="0">
+              <a:lnSpc>
+                <a:spcPct val="100000"/>
+              </a:lnSpc>
+              <a:spcBef>
+                <a:spcPts val="0"/>
+              </a:spcBef>
+              <a:spcAft>
+                <a:spcPts val="0"/>
+              </a:spcAft>
+              <a:buClr>
+                <a:schemeClr val="dk1"/>
+              </a:buClr>
+              <a:buSzPts val="2800"/>
+              <a:buFont typeface="Arial"/>
+              <a:buNone/>
+              <a:defRPr sz="2800" b="0" i="0" u="none" strike="noStrike" cap="none">
+                <a:solidFill>
+                  <a:schemeClr val="dk1"/>
+                </a:solidFill>
+                <a:latin typeface="Arial"/>
+                <a:ea typeface="Arial"/>
+                <a:cs typeface="Arial"/>
+                <a:sym typeface="Arial"/>
+              </a:defRPr>
+            </a:lvl6pPr>
+            <a:lvl7pPr marR="0" lvl="6" algn="l" rtl="0">
+              <a:lnSpc>
+                <a:spcPct val="100000"/>
+              </a:lnSpc>
+              <a:spcBef>
+                <a:spcPts val="0"/>
+              </a:spcBef>
+              <a:spcAft>
+                <a:spcPts val="0"/>
+              </a:spcAft>
+              <a:buClr>
+                <a:schemeClr val="dk1"/>
+              </a:buClr>
+              <a:buSzPts val="2800"/>
+              <a:buFont typeface="Arial"/>
+              <a:buNone/>
+              <a:defRPr sz="2800" b="0" i="0" u="none" strike="noStrike" cap="none">
+                <a:solidFill>
+                  <a:schemeClr val="dk1"/>
+                </a:solidFill>
+                <a:latin typeface="Arial"/>
+                <a:ea typeface="Arial"/>
+                <a:cs typeface="Arial"/>
+                <a:sym typeface="Arial"/>
+              </a:defRPr>
+            </a:lvl7pPr>
+            <a:lvl8pPr marR="0" lvl="7" algn="l" rtl="0">
+              <a:lnSpc>
+                <a:spcPct val="100000"/>
+              </a:lnSpc>
+              <a:spcBef>
+                <a:spcPts val="0"/>
+              </a:spcBef>
+              <a:spcAft>
+                <a:spcPts val="0"/>
+              </a:spcAft>
+              <a:buClr>
+                <a:schemeClr val="dk1"/>
+              </a:buClr>
+              <a:buSzPts val="2800"/>
+              <a:buFont typeface="Arial"/>
+              <a:buNone/>
+              <a:defRPr sz="2800" b="0" i="0" u="none" strike="noStrike" cap="none">
+                <a:solidFill>
+                  <a:schemeClr val="dk1"/>
+                </a:solidFill>
+                <a:latin typeface="Arial"/>
+                <a:ea typeface="Arial"/>
+                <a:cs typeface="Arial"/>
+                <a:sym typeface="Arial"/>
+              </a:defRPr>
+            </a:lvl8pPr>
+            <a:lvl9pPr marR="0" lvl="8" algn="l" rtl="0">
+              <a:lnSpc>
+                <a:spcPct val="100000"/>
+              </a:lnSpc>
+              <a:spcBef>
+                <a:spcPts val="0"/>
+              </a:spcBef>
+              <a:spcAft>
+                <a:spcPts val="0"/>
+              </a:spcAft>
+              <a:buClr>
+                <a:schemeClr val="dk1"/>
+              </a:buClr>
+              <a:buSzPts val="2800"/>
+              <a:buFont typeface="Arial"/>
+              <a:buNone/>
+              <a:defRPr sz="2800" b="0" i="0" u="none" strike="noStrike" cap="none">
+                <a:solidFill>
+                  <a:schemeClr val="dk1"/>
+                </a:solidFill>
+                <a:latin typeface="Arial"/>
+                <a:ea typeface="Arial"/>
+                <a:cs typeface="Arial"/>
+                <a:sym typeface="Arial"/>
+              </a:defRPr>
+            </a:lvl9pPr>
+          </a:lstStyle>
+          <a:p>
+            <a:r>
+              <a:rPr kumimoji="1" lang="en-US" altLang="zh-CN"/>
+              <a:t>Evaluation</a:t>
+            </a:r>
+            <a:r>
+              <a:rPr kumimoji="1" lang="zh-CN" altLang="en-US"/>
+              <a:t> </a:t>
+            </a:r>
+            <a:r>
+              <a:rPr kumimoji="1" lang="en-US" altLang="zh-CN"/>
+              <a:t>&amp;</a:t>
+            </a:r>
+            <a:r>
+              <a:rPr kumimoji="1" lang="zh-CN" altLang="en-US"/>
+              <a:t> </a:t>
+            </a:r>
+            <a:r>
+              <a:rPr kumimoji="1" lang="en-US" altLang="zh-CN"/>
+              <a:t>Discussion</a:t>
+            </a:r>
+            <a:endParaRPr kumimoji="1" lang="zh-CN" altLang="en-US" dirty="0"/>
+          </a:p>
+        </p:txBody>
+      </p:sp>
+      <p:sp>
+        <p:nvSpPr>
+          <p:cNvPr id="5" name="文本占位符 2">
+            <a:extLst>
+              <a:ext uri="{FF2B5EF4-FFF2-40B4-BE49-F238E27FC236}">
+                <a16:creationId xmlns:a16="http://schemas.microsoft.com/office/drawing/2014/main" id="{C8932875-5B6F-993D-70E4-BB586DD606E3}"/>
+              </a:ext>
+            </a:extLst>
+          </p:cNvPr>
+          <p:cNvSpPr txBox="1">
+            <a:spLocks/>
+          </p:cNvSpPr>
+          <p:nvPr/>
+        </p:nvSpPr>
+        <p:spPr>
+          <a:xfrm>
+            <a:off x="311700" y="1382707"/>
+            <a:ext cx="8520600" cy="969585"/>
+          </a:xfrm>
+          <a:prstGeom prst="rect">
+            <a:avLst/>
+          </a:prstGeom>
+          <a:noFill/>
+          <a:ln>
+            <a:noFill/>
+          </a:ln>
+        </p:spPr>
+        <p:txBody>
+          <a:bodyPr spcFirstLastPara="1" wrap="square" lIns="91425" tIns="91425" rIns="91425" bIns="91425" anchor="t" anchorCtr="0">
+            <a:normAutofit/>
+          </a:bodyPr>
+          <a:lstStyle>
+            <a:defPPr marR="0" lvl="0" algn="l" rtl="0">
+              <a:lnSpc>
+                <a:spcPct val="100000"/>
+              </a:lnSpc>
+              <a:spcBef>
+                <a:spcPts val="0"/>
+              </a:spcBef>
+              <a:spcAft>
+                <a:spcPts val="0"/>
+              </a:spcAft>
+            </a:defPPr>
+            <a:lvl1pPr marL="457200" marR="0" lvl="0" indent="-342900" algn="l" rtl="0">
+              <a:lnSpc>
+                <a:spcPct val="115000"/>
+              </a:lnSpc>
+              <a:spcBef>
+                <a:spcPts val="0"/>
+              </a:spcBef>
+              <a:spcAft>
+                <a:spcPts val="0"/>
+              </a:spcAft>
+              <a:buClr>
+                <a:schemeClr val="lt2"/>
+              </a:buClr>
+              <a:buSzPts val="1800"/>
+              <a:buFont typeface="Arial"/>
+              <a:buChar char="●"/>
+              <a:defRPr sz="1800" b="0" i="0" u="none" strike="noStrike" cap="none">
+                <a:solidFill>
+                  <a:schemeClr val="lt2"/>
+                </a:solidFill>
+                <a:latin typeface="Arial"/>
+                <a:ea typeface="Arial"/>
+                <a:cs typeface="Arial"/>
+                <a:sym typeface="Arial"/>
+              </a:defRPr>
+            </a:lvl1pPr>
+            <a:lvl2pPr marL="914400" marR="0" lvl="1" indent="-317500" algn="l" rtl="0">
+              <a:lnSpc>
+                <a:spcPct val="115000"/>
+              </a:lnSpc>
+              <a:spcBef>
+                <a:spcPts val="0"/>
+              </a:spcBef>
+              <a:spcAft>
+                <a:spcPts val="0"/>
+              </a:spcAft>
+              <a:buClr>
+                <a:schemeClr val="lt2"/>
+              </a:buClr>
+              <a:buSzPts val="1400"/>
+              <a:buFont typeface="Arial"/>
+              <a:buChar char="○"/>
+              <a:defRPr sz="1400" b="0" i="0" u="none" strike="noStrike" cap="none">
+                <a:solidFill>
+                  <a:schemeClr val="lt2"/>
+                </a:solidFill>
+                <a:latin typeface="Arial"/>
+                <a:ea typeface="Arial"/>
+                <a:cs typeface="Arial"/>
+                <a:sym typeface="Arial"/>
+              </a:defRPr>
+            </a:lvl2pPr>
+            <a:lvl3pPr marL="1371600" marR="0" lvl="2" indent="-317500" algn="l" rtl="0">
+              <a:lnSpc>
+                <a:spcPct val="115000"/>
+              </a:lnSpc>
+              <a:spcBef>
+                <a:spcPts val="0"/>
+              </a:spcBef>
+              <a:spcAft>
+                <a:spcPts val="0"/>
+              </a:spcAft>
+              <a:buClr>
+                <a:schemeClr val="lt2"/>
+              </a:buClr>
+              <a:buSzPts val="1400"/>
+              <a:buFont typeface="Arial"/>
+              <a:buChar char="■"/>
+              <a:defRPr sz="1400" b="0" i="0" u="none" strike="noStrike" cap="none">
+                <a:solidFill>
+                  <a:schemeClr val="lt2"/>
+                </a:solidFill>
+                <a:latin typeface="Arial"/>
+                <a:ea typeface="Arial"/>
+                <a:cs typeface="Arial"/>
+                <a:sym typeface="Arial"/>
+              </a:defRPr>
+            </a:lvl3pPr>
+            <a:lvl4pPr marL="1828800" marR="0" lvl="3" indent="-317500" algn="l" rtl="0">
+              <a:lnSpc>
+                <a:spcPct val="115000"/>
+              </a:lnSpc>
+              <a:spcBef>
+                <a:spcPts val="0"/>
+              </a:spcBef>
+              <a:spcAft>
+                <a:spcPts val="0"/>
+              </a:spcAft>
+              <a:buClr>
+                <a:schemeClr val="lt2"/>
+              </a:buClr>
+              <a:buSzPts val="1400"/>
+              <a:buFont typeface="Arial"/>
+              <a:buChar char="●"/>
+              <a:defRPr sz="1400" b="0" i="0" u="none" strike="noStrike" cap="none">
+                <a:solidFill>
+                  <a:schemeClr val="lt2"/>
+                </a:solidFill>
+                <a:latin typeface="Arial"/>
+                <a:ea typeface="Arial"/>
+                <a:cs typeface="Arial"/>
+                <a:sym typeface="Arial"/>
+              </a:defRPr>
+            </a:lvl4pPr>
+            <a:lvl5pPr marL="2286000" marR="0" lvl="4" indent="-317500" algn="l" rtl="0">
+              <a:lnSpc>
+                <a:spcPct val="115000"/>
+              </a:lnSpc>
+              <a:spcBef>
+                <a:spcPts val="0"/>
+              </a:spcBef>
+              <a:spcAft>
+                <a:spcPts val="0"/>
+              </a:spcAft>
+              <a:buClr>
+                <a:schemeClr val="lt2"/>
+              </a:buClr>
+              <a:buSzPts val="1400"/>
+              <a:buFont typeface="Arial"/>
+              <a:buChar char="○"/>
+              <a:defRPr sz="1400" b="0" i="0" u="none" strike="noStrike" cap="none">
+                <a:solidFill>
+                  <a:schemeClr val="lt2"/>
+                </a:solidFill>
+                <a:latin typeface="Arial"/>
+                <a:ea typeface="Arial"/>
+                <a:cs typeface="Arial"/>
+                <a:sym typeface="Arial"/>
+              </a:defRPr>
+            </a:lvl5pPr>
+            <a:lvl6pPr marL="2743200" marR="0" lvl="5" indent="-317500" algn="l" rtl="0">
+              <a:lnSpc>
+                <a:spcPct val="115000"/>
+              </a:lnSpc>
+              <a:spcBef>
+                <a:spcPts val="0"/>
+              </a:spcBef>
+              <a:spcAft>
+                <a:spcPts val="0"/>
+              </a:spcAft>
+              <a:buClr>
+                <a:schemeClr val="lt2"/>
+              </a:buClr>
+              <a:buSzPts val="1400"/>
+              <a:buFont typeface="Arial"/>
+              <a:buChar char="■"/>
+              <a:defRPr sz="1400" b="0" i="0" u="none" strike="noStrike" cap="none">
+                <a:solidFill>
+                  <a:schemeClr val="lt2"/>
+                </a:solidFill>
+                <a:latin typeface="Arial"/>
+                <a:ea typeface="Arial"/>
+                <a:cs typeface="Arial"/>
+                <a:sym typeface="Arial"/>
+              </a:defRPr>
+            </a:lvl6pPr>
+            <a:lvl7pPr marL="3200400" marR="0" lvl="6" indent="-317500" algn="l" rtl="0">
+              <a:lnSpc>
+                <a:spcPct val="115000"/>
+              </a:lnSpc>
+              <a:spcBef>
+                <a:spcPts val="0"/>
+              </a:spcBef>
+              <a:spcAft>
+                <a:spcPts val="0"/>
+              </a:spcAft>
+              <a:buClr>
+                <a:schemeClr val="lt2"/>
+              </a:buClr>
+              <a:buSzPts val="1400"/>
+              <a:buFont typeface="Arial"/>
+              <a:buChar char="●"/>
+              <a:defRPr sz="1400" b="0" i="0" u="none" strike="noStrike" cap="none">
+                <a:solidFill>
+                  <a:schemeClr val="lt2"/>
+                </a:solidFill>
+                <a:latin typeface="Arial"/>
+                <a:ea typeface="Arial"/>
+                <a:cs typeface="Arial"/>
+                <a:sym typeface="Arial"/>
+              </a:defRPr>
+            </a:lvl7pPr>
+            <a:lvl8pPr marL="3657600" marR="0" lvl="7" indent="-317500" algn="l" rtl="0">
+              <a:lnSpc>
+                <a:spcPct val="115000"/>
+              </a:lnSpc>
+              <a:spcBef>
+                <a:spcPts val="0"/>
+              </a:spcBef>
+              <a:spcAft>
+                <a:spcPts val="0"/>
+              </a:spcAft>
+              <a:buClr>
+                <a:schemeClr val="lt2"/>
+              </a:buClr>
+              <a:buSzPts val="1400"/>
+              <a:buFont typeface="Arial"/>
+              <a:buChar char="○"/>
+              <a:defRPr sz="1400" b="0" i="0" u="none" strike="noStrike" cap="none">
+                <a:solidFill>
+                  <a:schemeClr val="lt2"/>
+                </a:solidFill>
+                <a:latin typeface="Arial"/>
+                <a:ea typeface="Arial"/>
+                <a:cs typeface="Arial"/>
+                <a:sym typeface="Arial"/>
+              </a:defRPr>
+            </a:lvl8pPr>
+            <a:lvl9pPr marL="4114800" marR="0" lvl="8" indent="-317500" algn="l" rtl="0">
+              <a:lnSpc>
+                <a:spcPct val="115000"/>
+              </a:lnSpc>
+              <a:spcBef>
+                <a:spcPts val="0"/>
+              </a:spcBef>
+              <a:spcAft>
+                <a:spcPts val="0"/>
+              </a:spcAft>
+              <a:buClr>
+                <a:schemeClr val="lt2"/>
+              </a:buClr>
+              <a:buSzPts val="1400"/>
+              <a:buFont typeface="Arial"/>
+              <a:buChar char="■"/>
+              <a:defRPr sz="1400" b="0" i="0" u="none" strike="noStrike" cap="none">
+                <a:solidFill>
+                  <a:schemeClr val="lt2"/>
+                </a:solidFill>
+                <a:latin typeface="Arial"/>
+                <a:ea typeface="Arial"/>
+                <a:cs typeface="Arial"/>
+                <a:sym typeface="Arial"/>
+              </a:defRPr>
+            </a:lvl9pPr>
+          </a:lstStyle>
+          <a:p>
+            <a:r>
+              <a:rPr lang="en-US" altLang="zh-CN" sz="1200">
+                <a:solidFill>
+                  <a:schemeClr val="tx1"/>
+                </a:solidFill>
+                <a:latin typeface="Menlo" panose="020B0609030804020204" pitchFamily="49" charset="0"/>
+              </a:rPr>
+              <a:t>If we take both accuracy and fairness into account, we would recommend FFS-LR with 61.8% accuracy as the second highest of all models, and with p-rule score 65.54% that's reasonably well (third highest of all models). </a:t>
+            </a:r>
+          </a:p>
+          <a:p>
+            <a:pPr marL="114300" indent="0">
+              <a:buFont typeface="Arial"/>
+              <a:buNone/>
+            </a:pPr>
+            <a:endParaRPr lang="en-US" altLang="zh-CN" sz="1200">
+              <a:solidFill>
+                <a:schemeClr val="tx1"/>
+              </a:solidFill>
+              <a:latin typeface="Menlo" panose="020B0609030804020204" pitchFamily="49" charset="0"/>
+            </a:endParaRPr>
+          </a:p>
+          <a:p>
+            <a:endParaRPr lang="en-US" altLang="zh-CN" sz="1200">
+              <a:solidFill>
+                <a:schemeClr val="tx1"/>
+              </a:solidFill>
+              <a:latin typeface="Menlo" panose="020B0609030804020204" pitchFamily="49" charset="0"/>
+            </a:endParaRPr>
+          </a:p>
+          <a:p>
+            <a:endParaRPr lang="en-US" altLang="zh-CN" sz="1200">
+              <a:solidFill>
+                <a:schemeClr val="tx1"/>
+              </a:solidFill>
+              <a:latin typeface="Menlo" panose="020B0609030804020204" pitchFamily="49" charset="0"/>
+            </a:endParaRPr>
+          </a:p>
+          <a:p>
+            <a:endParaRPr lang="en-US" altLang="zh-CN" sz="1200">
+              <a:solidFill>
+                <a:schemeClr val="tx1"/>
+              </a:solidFill>
+              <a:latin typeface="Menlo" panose="020B0609030804020204" pitchFamily="49" charset="0"/>
+            </a:endParaRPr>
+          </a:p>
+          <a:p>
+            <a:endParaRPr lang="en-US" altLang="zh-CN" sz="1200">
+              <a:solidFill>
+                <a:schemeClr val="tx1"/>
+              </a:solidFill>
+              <a:latin typeface="Menlo" panose="020B0609030804020204" pitchFamily="49" charset="0"/>
+            </a:endParaRPr>
+          </a:p>
+          <a:p>
+            <a:endParaRPr lang="en-US" altLang="zh-CN" sz="1200">
+              <a:solidFill>
+                <a:schemeClr val="tx1"/>
+              </a:solidFill>
+              <a:latin typeface="Menlo" panose="020B0609030804020204" pitchFamily="49" charset="0"/>
+            </a:endParaRPr>
+          </a:p>
+          <a:p>
+            <a:endParaRPr lang="en-US" altLang="zh-CN" sz="1200">
+              <a:solidFill>
+                <a:schemeClr val="tx1"/>
+              </a:solidFill>
+              <a:latin typeface="Menlo" panose="020B0609030804020204" pitchFamily="49" charset="0"/>
+            </a:endParaRPr>
+          </a:p>
+          <a:p>
+            <a:endParaRPr lang="en-US" altLang="zh-CN" sz="1200">
+              <a:solidFill>
+                <a:schemeClr val="tx1"/>
+              </a:solidFill>
+              <a:latin typeface="Menlo" panose="020B0609030804020204" pitchFamily="49" charset="0"/>
+            </a:endParaRPr>
+          </a:p>
+          <a:p>
+            <a:endParaRPr lang="en-US" altLang="zh-CN" sz="1200">
+              <a:solidFill>
+                <a:schemeClr val="tx1"/>
+              </a:solidFill>
+              <a:latin typeface="Menlo" panose="020B0609030804020204" pitchFamily="49" charset="0"/>
+            </a:endParaRPr>
+          </a:p>
+          <a:p>
+            <a:endParaRPr kumimoji="1" lang="zh-CN" altLang="en-US" dirty="0"/>
+          </a:p>
+        </p:txBody>
+      </p:sp>
+      <p:pic>
+        <p:nvPicPr>
+          <p:cNvPr id="6" name="图片 5">
+            <a:extLst>
+              <a:ext uri="{FF2B5EF4-FFF2-40B4-BE49-F238E27FC236}">
+                <a16:creationId xmlns:a16="http://schemas.microsoft.com/office/drawing/2014/main" id="{7822B902-D3A3-C106-DBDC-688EDA7ACBDE}"/>
+              </a:ext>
+            </a:extLst>
+          </p:cNvPr>
+          <p:cNvPicPr>
+            <a:picLocks noChangeAspect="1"/>
+          </p:cNvPicPr>
+          <p:nvPr/>
+        </p:nvPicPr>
+        <p:blipFill>
+          <a:blip r:embed="rId2"/>
+          <a:stretch>
+            <a:fillRect/>
+          </a:stretch>
+        </p:blipFill>
+        <p:spPr>
+          <a:xfrm>
+            <a:off x="1301750" y="2352292"/>
+            <a:ext cx="6540500" cy="1981200"/>
+          </a:xfrm>
+          <a:prstGeom prst="rect">
+            <a:avLst/>
+          </a:prstGeom>
+        </p:spPr>
+      </p:pic>
+    </p:spTree>
+    <p:extLst>
+      <p:ext uri="{BB962C8B-B14F-4D97-AF65-F5344CB8AC3E}">
+        <p14:creationId xmlns:p14="http://schemas.microsoft.com/office/powerpoint/2010/main" val="1918922704"/>
+      </p:ext>
+    </p:extLst>
+  </p:cSld>
+  <p:clrMapOvr>
+    <a:masterClrMapping/>
+  </p:clrMapOvr>
+</p:sld>
+</file>
+
+<file path=ppt/slides/slide11.xml><?xml version="1.0" encoding="utf-8"?>
+<p:sld xmlns:a="http://schemas.openxmlformats.org/drawingml/2006/main" xmlns:r="http://schemas.openxmlformats.org/officeDocument/2006/relationships" xmlns:p="http://schemas.openxmlformats.org/presentationml/2006/main">
+  <p:cSld>
+    <p:spTree>
+      <p:nvGrpSpPr>
+        <p:cNvPr id="1" name=""/>
+        <p:cNvGrpSpPr/>
+        <p:nvPr/>
+      </p:nvGrpSpPr>
+      <p:grpSpPr>
+        <a:xfrm>
+          <a:off x="0" y="0"/>
+          <a:ext cx="0" cy="0"/>
+          <a:chOff x="0" y="0"/>
+          <a:chExt cx="0" cy="0"/>
+        </a:xfrm>
+      </p:grpSpPr>
+      <p:sp>
+        <p:nvSpPr>
+          <p:cNvPr id="2" name="标题 1">
+            <a:extLst>
+              <a:ext uri="{FF2B5EF4-FFF2-40B4-BE49-F238E27FC236}">
+                <a16:creationId xmlns:a16="http://schemas.microsoft.com/office/drawing/2014/main" id="{F495C22A-5137-7162-2108-D3B560F8AC2B}"/>
+              </a:ext>
+            </a:extLst>
+          </p:cNvPr>
+          <p:cNvSpPr>
+            <a:spLocks noGrp="1"/>
+          </p:cNvSpPr>
+          <p:nvPr>
+            <p:ph type="title"/>
+          </p:nvPr>
+        </p:nvSpPr>
+        <p:spPr/>
+        <p:txBody>
+          <a:bodyPr>
+            <a:normAutofit fontScale="90000"/>
+          </a:bodyPr>
+          <a:lstStyle/>
+          <a:p>
+            <a:endParaRPr kumimoji="1" lang="zh-CN" altLang="en-US" dirty="0"/>
+          </a:p>
+        </p:txBody>
+      </p:sp>
+      <p:sp>
+        <p:nvSpPr>
+          <p:cNvPr id="3" name="文本占位符 2">
+            <a:extLst>
+              <a:ext uri="{FF2B5EF4-FFF2-40B4-BE49-F238E27FC236}">
+                <a16:creationId xmlns:a16="http://schemas.microsoft.com/office/drawing/2014/main" id="{38ABA084-8D42-6235-39B1-683D7D7F335C}"/>
+              </a:ext>
+            </a:extLst>
+          </p:cNvPr>
+          <p:cNvSpPr>
+            <a:spLocks noGrp="1"/>
+          </p:cNvSpPr>
+          <p:nvPr>
+            <p:ph type="body" idx="1"/>
+          </p:nvPr>
+        </p:nvSpPr>
+        <p:spPr/>
+        <p:txBody>
+          <a:bodyPr/>
+          <a:lstStyle/>
+          <a:p>
+            <a:endParaRPr kumimoji="1" lang="zh-CN" altLang="en-US" dirty="0"/>
+          </a:p>
+        </p:txBody>
+      </p:sp>
+      <p:sp>
+        <p:nvSpPr>
+          <p:cNvPr id="4" name="文本占位符 2">
+            <a:extLst>
+              <a:ext uri="{FF2B5EF4-FFF2-40B4-BE49-F238E27FC236}">
+                <a16:creationId xmlns:a16="http://schemas.microsoft.com/office/drawing/2014/main" id="{2C3AA23C-4A52-1DFF-D601-2619C741C330}"/>
+              </a:ext>
+            </a:extLst>
+          </p:cNvPr>
+          <p:cNvSpPr txBox="1">
+            <a:spLocks/>
+          </p:cNvSpPr>
+          <p:nvPr/>
+        </p:nvSpPr>
+        <p:spPr>
+          <a:xfrm>
+            <a:off x="311700" y="1017725"/>
+            <a:ext cx="8520600" cy="3416400"/>
+          </a:xfrm>
+          <a:prstGeom prst="rect">
+            <a:avLst/>
+          </a:prstGeom>
+          <a:noFill/>
+          <a:ln>
+            <a:noFill/>
+          </a:ln>
+        </p:spPr>
+        <p:txBody>
+          <a:bodyPr spcFirstLastPara="1" wrap="square" lIns="91425" tIns="91425" rIns="91425" bIns="91425" anchor="t" anchorCtr="0">
+            <a:normAutofit/>
+          </a:bodyPr>
+          <a:lstStyle>
+            <a:defPPr marR="0" lvl="0" algn="l" rtl="0">
+              <a:lnSpc>
+                <a:spcPct val="100000"/>
+              </a:lnSpc>
+              <a:spcBef>
+                <a:spcPts val="0"/>
+              </a:spcBef>
+              <a:spcAft>
+                <a:spcPts val="0"/>
+              </a:spcAft>
+            </a:defPPr>
+            <a:lvl1pPr marL="457200" marR="0" lvl="0" indent="-342900" algn="l" rtl="0">
+              <a:lnSpc>
+                <a:spcPct val="115000"/>
+              </a:lnSpc>
+              <a:spcBef>
+                <a:spcPts val="0"/>
+              </a:spcBef>
+              <a:spcAft>
+                <a:spcPts val="0"/>
+              </a:spcAft>
+              <a:buClr>
+                <a:schemeClr val="lt2"/>
+              </a:buClr>
+              <a:buSzPts val="1800"/>
+              <a:buFont typeface="Arial"/>
+              <a:buChar char="●"/>
+              <a:defRPr sz="1800" b="0" i="0" u="none" strike="noStrike" cap="none">
+                <a:solidFill>
+                  <a:schemeClr val="lt2"/>
+                </a:solidFill>
+                <a:latin typeface="Arial"/>
+                <a:ea typeface="Arial"/>
+                <a:cs typeface="Arial"/>
+                <a:sym typeface="Arial"/>
+              </a:defRPr>
+            </a:lvl1pPr>
+            <a:lvl2pPr marL="914400" marR="0" lvl="1" indent="-317500" algn="l" rtl="0">
+              <a:lnSpc>
+                <a:spcPct val="115000"/>
+              </a:lnSpc>
+              <a:spcBef>
+                <a:spcPts val="0"/>
+              </a:spcBef>
+              <a:spcAft>
+                <a:spcPts val="0"/>
+              </a:spcAft>
+              <a:buClr>
+                <a:schemeClr val="lt2"/>
+              </a:buClr>
+              <a:buSzPts val="1400"/>
+              <a:buFont typeface="Arial"/>
+              <a:buChar char="○"/>
+              <a:defRPr sz="1400" b="0" i="0" u="none" strike="noStrike" cap="none">
+                <a:solidFill>
+                  <a:schemeClr val="lt2"/>
+                </a:solidFill>
+                <a:latin typeface="Arial"/>
+                <a:ea typeface="Arial"/>
+                <a:cs typeface="Arial"/>
+                <a:sym typeface="Arial"/>
+              </a:defRPr>
+            </a:lvl2pPr>
+            <a:lvl3pPr marL="1371600" marR="0" lvl="2" indent="-317500" algn="l" rtl="0">
+              <a:lnSpc>
+                <a:spcPct val="115000"/>
+              </a:lnSpc>
+              <a:spcBef>
+                <a:spcPts val="0"/>
+              </a:spcBef>
+              <a:spcAft>
+                <a:spcPts val="0"/>
+              </a:spcAft>
+              <a:buClr>
+                <a:schemeClr val="lt2"/>
+              </a:buClr>
+              <a:buSzPts val="1400"/>
+              <a:buFont typeface="Arial"/>
+              <a:buChar char="■"/>
+              <a:defRPr sz="1400" b="0" i="0" u="none" strike="noStrike" cap="none">
+                <a:solidFill>
+                  <a:schemeClr val="lt2"/>
+                </a:solidFill>
+                <a:latin typeface="Arial"/>
+                <a:ea typeface="Arial"/>
+                <a:cs typeface="Arial"/>
+                <a:sym typeface="Arial"/>
+              </a:defRPr>
+            </a:lvl3pPr>
+            <a:lvl4pPr marL="1828800" marR="0" lvl="3" indent="-317500" algn="l" rtl="0">
+              <a:lnSpc>
+                <a:spcPct val="115000"/>
+              </a:lnSpc>
+              <a:spcBef>
+                <a:spcPts val="0"/>
+              </a:spcBef>
+              <a:spcAft>
+                <a:spcPts val="0"/>
+              </a:spcAft>
+              <a:buClr>
+                <a:schemeClr val="lt2"/>
+              </a:buClr>
+              <a:buSzPts val="1400"/>
+              <a:buFont typeface="Arial"/>
+              <a:buChar char="●"/>
+              <a:defRPr sz="1400" b="0" i="0" u="none" strike="noStrike" cap="none">
+                <a:solidFill>
+                  <a:schemeClr val="lt2"/>
+                </a:solidFill>
+                <a:latin typeface="Arial"/>
+                <a:ea typeface="Arial"/>
+                <a:cs typeface="Arial"/>
+                <a:sym typeface="Arial"/>
+              </a:defRPr>
+            </a:lvl4pPr>
+            <a:lvl5pPr marL="2286000" marR="0" lvl="4" indent="-317500" algn="l" rtl="0">
+              <a:lnSpc>
+                <a:spcPct val="115000"/>
+              </a:lnSpc>
+              <a:spcBef>
+                <a:spcPts val="0"/>
+              </a:spcBef>
+              <a:spcAft>
+                <a:spcPts val="0"/>
+              </a:spcAft>
+              <a:buClr>
+                <a:schemeClr val="lt2"/>
+              </a:buClr>
+              <a:buSzPts val="1400"/>
+              <a:buFont typeface="Arial"/>
+              <a:buChar char="○"/>
+              <a:defRPr sz="1400" b="0" i="0" u="none" strike="noStrike" cap="none">
+                <a:solidFill>
+                  <a:schemeClr val="lt2"/>
+                </a:solidFill>
+                <a:latin typeface="Arial"/>
+                <a:ea typeface="Arial"/>
+                <a:cs typeface="Arial"/>
+                <a:sym typeface="Arial"/>
+              </a:defRPr>
+            </a:lvl5pPr>
+            <a:lvl6pPr marL="2743200" marR="0" lvl="5" indent="-317500" algn="l" rtl="0">
+              <a:lnSpc>
+                <a:spcPct val="115000"/>
+              </a:lnSpc>
+              <a:spcBef>
+                <a:spcPts val="0"/>
+              </a:spcBef>
+              <a:spcAft>
+                <a:spcPts val="0"/>
+              </a:spcAft>
+              <a:buClr>
+                <a:schemeClr val="lt2"/>
+              </a:buClr>
+              <a:buSzPts val="1400"/>
+              <a:buFont typeface="Arial"/>
+              <a:buChar char="■"/>
+              <a:defRPr sz="1400" b="0" i="0" u="none" strike="noStrike" cap="none">
+                <a:solidFill>
+                  <a:schemeClr val="lt2"/>
+                </a:solidFill>
+                <a:latin typeface="Arial"/>
+                <a:ea typeface="Arial"/>
+                <a:cs typeface="Arial"/>
+                <a:sym typeface="Arial"/>
+              </a:defRPr>
+            </a:lvl6pPr>
+            <a:lvl7pPr marL="3200400" marR="0" lvl="6" indent="-317500" algn="l" rtl="0">
+              <a:lnSpc>
+                <a:spcPct val="115000"/>
+              </a:lnSpc>
+              <a:spcBef>
+                <a:spcPts val="0"/>
+              </a:spcBef>
+              <a:spcAft>
+                <a:spcPts val="0"/>
+              </a:spcAft>
+              <a:buClr>
+                <a:schemeClr val="lt2"/>
+              </a:buClr>
+              <a:buSzPts val="1400"/>
+              <a:buFont typeface="Arial"/>
+              <a:buChar char="●"/>
+              <a:defRPr sz="1400" b="0" i="0" u="none" strike="noStrike" cap="none">
+                <a:solidFill>
+                  <a:schemeClr val="lt2"/>
+                </a:solidFill>
+                <a:latin typeface="Arial"/>
+                <a:ea typeface="Arial"/>
+                <a:cs typeface="Arial"/>
+                <a:sym typeface="Arial"/>
+              </a:defRPr>
+            </a:lvl7pPr>
+            <a:lvl8pPr marL="3657600" marR="0" lvl="7" indent="-317500" algn="l" rtl="0">
+              <a:lnSpc>
+                <a:spcPct val="115000"/>
+              </a:lnSpc>
+              <a:spcBef>
+                <a:spcPts val="0"/>
+              </a:spcBef>
+              <a:spcAft>
+                <a:spcPts val="0"/>
+              </a:spcAft>
+              <a:buClr>
+                <a:schemeClr val="lt2"/>
+              </a:buClr>
+              <a:buSzPts val="1400"/>
+              <a:buFont typeface="Arial"/>
+              <a:buChar char="○"/>
+              <a:defRPr sz="1400" b="0" i="0" u="none" strike="noStrike" cap="none">
+                <a:solidFill>
+                  <a:schemeClr val="lt2"/>
+                </a:solidFill>
+                <a:latin typeface="Arial"/>
+                <a:ea typeface="Arial"/>
+                <a:cs typeface="Arial"/>
+                <a:sym typeface="Arial"/>
+              </a:defRPr>
+            </a:lvl8pPr>
+            <a:lvl9pPr marL="4114800" marR="0" lvl="8" indent="-317500" algn="l" rtl="0">
+              <a:lnSpc>
+                <a:spcPct val="115000"/>
+              </a:lnSpc>
+              <a:spcBef>
+                <a:spcPts val="0"/>
+              </a:spcBef>
+              <a:spcAft>
+                <a:spcPts val="0"/>
+              </a:spcAft>
+              <a:buClr>
+                <a:schemeClr val="lt2"/>
+              </a:buClr>
+              <a:buSzPts val="1400"/>
+              <a:buFont typeface="Arial"/>
+              <a:buChar char="■"/>
+              <a:defRPr sz="1400" b="0" i="0" u="none" strike="noStrike" cap="none">
+                <a:solidFill>
+                  <a:schemeClr val="lt2"/>
+                </a:solidFill>
+                <a:latin typeface="Arial"/>
+                <a:ea typeface="Arial"/>
+                <a:cs typeface="Arial"/>
+                <a:sym typeface="Arial"/>
+              </a:defRPr>
+            </a:lvl9pPr>
+          </a:lstStyle>
+          <a:p>
+            <a:r>
+              <a:rPr lang="en-US" altLang="zh-CN" sz="1200">
+                <a:solidFill>
+                  <a:schemeClr val="tx1"/>
+                </a:solidFill>
+                <a:latin typeface="Menlo" panose="020B0609030804020204" pitchFamily="49" charset="0"/>
+              </a:rPr>
+              <a:t>The reason we don't choose C-LR or C-SVM is because despite their high P-rule value, their accuracy is too low for a binary classifier. The reason we don't choose traditional LR or SVM is because despite their relative high accuracy, they do not take fairness into account.</a:t>
+            </a:r>
+          </a:p>
+          <a:p>
+            <a:endParaRPr kumimoji="1" lang="zh-CN" altLang="en-US" dirty="0"/>
+          </a:p>
+        </p:txBody>
+      </p:sp>
+      <p:pic>
+        <p:nvPicPr>
+          <p:cNvPr id="5" name="图片 4">
+            <a:extLst>
+              <a:ext uri="{FF2B5EF4-FFF2-40B4-BE49-F238E27FC236}">
+                <a16:creationId xmlns:a16="http://schemas.microsoft.com/office/drawing/2014/main" id="{A695B387-3F10-5883-74AC-988A28F5DB35}"/>
+              </a:ext>
+            </a:extLst>
+          </p:cNvPr>
+          <p:cNvPicPr>
+            <a:picLocks noChangeAspect="1"/>
+          </p:cNvPicPr>
+          <p:nvPr/>
+        </p:nvPicPr>
+        <p:blipFill>
+          <a:blip r:embed="rId3"/>
+          <a:stretch>
+            <a:fillRect/>
+          </a:stretch>
+        </p:blipFill>
+        <p:spPr>
+          <a:xfrm>
+            <a:off x="1873250" y="2336275"/>
+            <a:ext cx="5397500" cy="2362200"/>
+          </a:xfrm>
+          <a:prstGeom prst="rect">
+            <a:avLst/>
+          </a:prstGeom>
+        </p:spPr>
+      </p:pic>
+    </p:spTree>
+    <p:extLst>
+      <p:ext uri="{BB962C8B-B14F-4D97-AF65-F5344CB8AC3E}">
+        <p14:creationId xmlns:p14="http://schemas.microsoft.com/office/powerpoint/2010/main" val="232096001"/>
+      </p:ext>
+    </p:extLst>
+  </p:cSld>
+  <p:clrMapOvr>
+    <a:masterClrMapping/>
+  </p:clrMapOvr>
+</p:sld>
+</file>
+
+<file path=ppt/slides/slide2.xml><?xml version="1.0" encoding="utf-8"?>
+<p:sld xmlns:a="http://schemas.openxmlformats.org/drawingml/2006/main" xmlns:r="http://schemas.openxmlformats.org/officeDocument/2006/relationships" xmlns:p="http://schemas.openxmlformats.org/presentationml/2006/main">
+  <p:cSld>
+    <p:spTree>
+      <p:nvGrpSpPr>
+        <p:cNvPr id="1" name="Shape 59"/>
         <p:cNvGrpSpPr/>
         <p:nvPr/>
       </p:nvGrpSpPr>
@@ -6520,7 +7893,9 @@
       <p:sp>
         <p:nvSpPr>
           <p:cNvPr id="60" name="Google Shape;60;p14"/>
-          <p:cNvSpPr txBox="1"/>
+          <p:cNvSpPr txBox="1">
+            <a:spLocks noGrp="1"/>
+          </p:cNvSpPr>
           <p:nvPr>
             <p:ph type="title"/>
           </p:nvPr>
@@ -6535,12 +7910,12 @@
           </a:prstGeom>
         </p:spPr>
         <p:txBody>
-          <a:bodyPr anchorCtr="0" anchor="t" bIns="91425" lIns="91425" spcFirstLastPara="1" rIns="91425" wrap="square" tIns="91425">
+          <a:bodyPr spcFirstLastPara="1" wrap="square" lIns="91425" tIns="91425" rIns="91425" bIns="91425" anchor="t" anchorCtr="0">
             <a:normAutofit fontScale="90000"/>
           </a:bodyPr>
           <a:lstStyle/>
           <a:p>
-            <a:pPr indent="0" lvl="0" marL="0" rtl="0" algn="l">
+            <a:pPr marL="0" lvl="0" indent="0" algn="l" rtl="0">
               <a:spcBef>
                 <a:spcPts val="0"/>
               </a:spcBef>
@@ -6560,9 +7935,11 @@
       <p:sp>
         <p:nvSpPr>
           <p:cNvPr id="61" name="Google Shape;61;p14"/>
-          <p:cNvSpPr txBox="1"/>
+          <p:cNvSpPr txBox="1">
+            <a:spLocks noGrp="1"/>
+          </p:cNvSpPr>
           <p:nvPr>
-            <p:ph idx="1" type="body"/>
+            <p:ph type="body" idx="1"/>
           </p:nvPr>
         </p:nvSpPr>
         <p:spPr>
@@ -6575,12 +7952,12 @@
           </a:prstGeom>
         </p:spPr>
         <p:txBody>
-          <a:bodyPr anchorCtr="0" anchor="t" bIns="91425" lIns="91425" spcFirstLastPara="1" rIns="91425" wrap="square" tIns="91425">
+          <a:bodyPr spcFirstLastPara="1" wrap="square" lIns="91425" tIns="91425" rIns="91425" bIns="91425" anchor="t" anchorCtr="0">
             <a:noAutofit/>
           </a:bodyPr>
           <a:lstStyle/>
           <a:p>
-            <a:pPr indent="-317500" lvl="0" marL="457200" marR="0" rtl="0" algn="l">
+            <a:pPr marL="457200" marR="0" lvl="0" indent="-317500" algn="l" rtl="0">
               <a:lnSpc>
                 <a:spcPct val="150000"/>
               </a:lnSpc>
@@ -6600,7 +7977,7 @@
             <a:endParaRPr sz="1400"/>
           </a:p>
           <a:p>
-            <a:pPr indent="-317500" lvl="0" marL="457200" marR="0" rtl="0" algn="l">
+            <a:pPr marL="457200" marR="0" lvl="0" indent="-317500" algn="l" rtl="0">
               <a:lnSpc>
                 <a:spcPct val="150000"/>
               </a:lnSpc>
@@ -6620,7 +7997,7 @@
             <a:endParaRPr sz="1400"/>
           </a:p>
           <a:p>
-            <a:pPr indent="-317500" lvl="1" marL="914400" rtl="0" algn="l">
+            <a:pPr marL="914400" lvl="1" indent="-317500" algn="l" rtl="0">
               <a:spcBef>
                 <a:spcPts val="0"/>
               </a:spcBef>
@@ -6637,7 +8014,7 @@
             <a:endParaRPr sz="1400"/>
           </a:p>
           <a:p>
-            <a:pPr indent="-317500" lvl="1" marL="914400" rtl="0" algn="l">
+            <a:pPr marL="914400" lvl="1" indent="-317500" algn="l" rtl="0">
               <a:spcBef>
                 <a:spcPts val="0"/>
               </a:spcBef>
@@ -6654,7 +8031,7 @@
             <a:endParaRPr sz="1400"/>
           </a:p>
           <a:p>
-            <a:pPr indent="-317500" lvl="1" marL="914400" rtl="0" algn="l">
+            <a:pPr marL="914400" lvl="1" indent="-317500" algn="l" rtl="0">
               <a:lnSpc>
                 <a:spcPct val="150000"/>
               </a:lnSpc>
@@ -6674,7 +8051,7 @@
             <a:endParaRPr sz="1400"/>
           </a:p>
           <a:p>
-            <a:pPr indent="-317500" lvl="0" marL="457200" rtl="0" algn="l">
+            <a:pPr marL="457200" lvl="0" indent="-317500" algn="l" rtl="0">
               <a:lnSpc>
                 <a:spcPct val="150000"/>
               </a:lnSpc>
@@ -6694,7 +8071,7 @@
             <a:endParaRPr sz="1400"/>
           </a:p>
           <a:p>
-            <a:pPr indent="-317500" lvl="1" marL="914400" rtl="0" algn="l">
+            <a:pPr marL="914400" lvl="1" indent="-317500" algn="l" rtl="0">
               <a:lnSpc>
                 <a:spcPct val="150000"/>
               </a:lnSpc>
@@ -6714,7 +8091,7 @@
             <a:endParaRPr sz="1400"/>
           </a:p>
           <a:p>
-            <a:pPr indent="-317500" lvl="1" marL="914400" rtl="0" algn="l">
+            <a:pPr marL="914400" lvl="1" indent="-317500" algn="l" rtl="0">
               <a:lnSpc>
                 <a:spcPct val="150000"/>
               </a:lnSpc>
@@ -6734,7 +8111,7 @@
             <a:endParaRPr sz="1400"/>
           </a:p>
           <a:p>
-            <a:pPr indent="-317500" lvl="1" marL="914400" rtl="0" algn="l">
+            <a:pPr marL="914400" lvl="1" indent="-317500" algn="l" rtl="0">
               <a:lnSpc>
                 <a:spcPct val="150000"/>
               </a:lnSpc>
@@ -6754,7 +8131,7 @@
             <a:endParaRPr sz="1400"/>
           </a:p>
           <a:p>
-            <a:pPr indent="-317500" lvl="0" marL="457200" rtl="0" algn="l">
+            <a:pPr marL="457200" lvl="0" indent="-317500" algn="l" rtl="0">
               <a:lnSpc>
                 <a:spcPct val="150000"/>
               </a:lnSpc>
@@ -6784,11 +8161,11 @@
 </file>
 
 <file path=ppt/slides/slide3.xml><?xml version="1.0" encoding="utf-8"?>
-<p:sld xmlns:a="http://schemas.openxmlformats.org/drawingml/2006/main" xmlns:r="http://schemas.openxmlformats.org/officeDocument/2006/relationships" xmlns:mc="http://schemas.openxmlformats.org/markup-compatibility/2006" xmlns:mv="urn:schemas-microsoft-com:mac:vml" xmlns:p="http://schemas.openxmlformats.org/presentationml/2006/main" xmlns:c="http://schemas.openxmlformats.org/drawingml/2006/chart" xmlns:dgm="http://schemas.openxmlformats.org/drawingml/2006/diagram" xmlns:o="urn:schemas-microsoft-com:office:office" xmlns:v="urn:schemas-microsoft-com:vml" xmlns:pvml="urn:schemas-microsoft-com:office:powerpoint" xmlns:com="http://schemas.openxmlformats.org/drawingml/2006/compatibility" xmlns:p14="http://schemas.microsoft.com/office/powerpoint/2010/main" xmlns:p15="http://schemas.microsoft.com/office/powerpoint/2012/main" xmlns:ahyp="http://schemas.microsoft.com/office/drawing/2018/hyperlinkcolor">
+<p:sld xmlns:a="http://schemas.openxmlformats.org/drawingml/2006/main" xmlns:r="http://schemas.openxmlformats.org/officeDocument/2006/relationships" xmlns:p="http://schemas.openxmlformats.org/presentationml/2006/main">
   <p:cSld>
     <p:spTree>
       <p:nvGrpSpPr>
-        <p:cNvPr id="65" name="Shape 65"/>
+        <p:cNvPr id="1" name="Shape 65"/>
         <p:cNvGrpSpPr/>
         <p:nvPr/>
       </p:nvGrpSpPr>
@@ -6803,7 +8180,9 @@
       <p:sp>
         <p:nvSpPr>
           <p:cNvPr id="66" name="Google Shape;66;p15"/>
-          <p:cNvSpPr txBox="1"/>
+          <p:cNvSpPr txBox="1">
+            <a:spLocks noGrp="1"/>
+          </p:cNvSpPr>
           <p:nvPr>
             <p:ph type="title"/>
           </p:nvPr>
@@ -6818,12 +8197,12 @@
           </a:prstGeom>
         </p:spPr>
         <p:txBody>
-          <a:bodyPr anchorCtr="0" anchor="t" bIns="91425" lIns="91425" spcFirstLastPara="1" rIns="91425" wrap="square" tIns="91425">
+          <a:bodyPr spcFirstLastPara="1" wrap="square" lIns="91425" tIns="91425" rIns="91425" bIns="91425" anchor="t" anchorCtr="0">
             <a:normAutofit fontScale="90000"/>
           </a:bodyPr>
           <a:lstStyle/>
           <a:p>
-            <a:pPr indent="0" lvl="0" marL="0" rtl="0" algn="l">
+            <a:pPr marL="0" lvl="0" indent="0" algn="l" rtl="0">
               <a:spcBef>
                 <a:spcPts val="0"/>
               </a:spcBef>
@@ -6843,9 +8222,11 @@
       <p:sp>
         <p:nvSpPr>
           <p:cNvPr id="67" name="Google Shape;67;p15"/>
-          <p:cNvSpPr txBox="1"/>
+          <p:cNvSpPr txBox="1">
+            <a:spLocks noGrp="1"/>
+          </p:cNvSpPr>
           <p:nvPr>
-            <p:ph idx="1" type="body"/>
+            <p:ph type="body" idx="1"/>
           </p:nvPr>
         </p:nvSpPr>
         <p:spPr>
@@ -6858,12 +8239,12 @@
           </a:prstGeom>
         </p:spPr>
         <p:txBody>
-          <a:bodyPr anchorCtr="0" anchor="t" bIns="91425" lIns="91425" spcFirstLastPara="1" rIns="91425" wrap="square" tIns="91425">
-            <a:normAutofit fontScale="92500" lnSpcReduction="20000"/>
+          <a:bodyPr spcFirstLastPara="1" wrap="square" lIns="91425" tIns="91425" rIns="91425" bIns="91425" anchor="t" anchorCtr="0">
+            <a:normAutofit fontScale="92500" lnSpcReduction="10000"/>
           </a:bodyPr>
           <a:lstStyle/>
           <a:p>
-            <a:pPr indent="0" lvl="0" marL="0" rtl="0" algn="l">
+            <a:pPr marL="0" lvl="0" indent="0" algn="l" rtl="0">
               <a:spcBef>
                 <a:spcPts val="0"/>
               </a:spcBef>
@@ -6887,7 +8268,7 @@
             </a:endParaRPr>
           </a:p>
           <a:p>
-            <a:pPr indent="0" lvl="0" marL="0" rtl="0" algn="l">
+            <a:pPr marL="0" lvl="0" indent="0" algn="l" rtl="0">
               <a:spcBef>
                 <a:spcPts val="1200"/>
               </a:spcBef>
@@ -6896,9 +8277,6 @@
               </a:spcAft>
               <a:buNone/>
             </a:pPr>
-            <a:r>
-              <a:t/>
-            </a:r>
             <a:endParaRPr>
               <a:solidFill>
                 <a:schemeClr val="dk1"/>
@@ -6906,7 +8284,7 @@
             </a:endParaRPr>
           </a:p>
           <a:p>
-            <a:pPr indent="0" lvl="0" marL="0" rtl="0" algn="l">
+            <a:pPr marL="0" lvl="0" indent="0" algn="l" rtl="0">
               <a:spcBef>
                 <a:spcPts val="1200"/>
               </a:spcBef>
@@ -6915,9 +8293,6 @@
               </a:spcAft>
               <a:buNone/>
             </a:pPr>
-            <a:r>
-              <a:t/>
-            </a:r>
             <a:endParaRPr>
               <a:solidFill>
                 <a:schemeClr val="dk1"/>
@@ -6925,7 +8300,7 @@
             </a:endParaRPr>
           </a:p>
           <a:p>
-            <a:pPr indent="0" lvl="0" marL="0" rtl="0" algn="l">
+            <a:pPr marL="0" lvl="0" indent="0" algn="l" rtl="0">
               <a:spcBef>
                 <a:spcPts val="1200"/>
               </a:spcBef>
@@ -6934,9 +8309,6 @@
               </a:spcAft>
               <a:buNone/>
             </a:pPr>
-            <a:r>
-              <a:t/>
-            </a:r>
             <a:endParaRPr>
               <a:solidFill>
                 <a:schemeClr val="dk1"/>
@@ -6944,7 +8316,7 @@
             </a:endParaRPr>
           </a:p>
           <a:p>
-            <a:pPr indent="0" lvl="0" marL="0" rtl="0" algn="l">
+            <a:pPr marL="0" lvl="0" indent="0" algn="l" rtl="0">
               <a:lnSpc>
                 <a:spcPct val="150000"/>
               </a:lnSpc>
@@ -6956,9 +8328,6 @@
               </a:spcAft>
               <a:buNone/>
             </a:pPr>
-            <a:r>
-              <a:t/>
-            </a:r>
             <a:endParaRPr sz="900">
               <a:solidFill>
                 <a:srgbClr val="B7C5D3"/>
@@ -6973,7 +8342,7 @@
             </a:endParaRPr>
           </a:p>
           <a:p>
-            <a:pPr indent="0" lvl="0" marL="0" rtl="0" algn="l">
+            <a:pPr marL="0" lvl="0" indent="0" algn="l" rtl="0">
               <a:lnSpc>
                 <a:spcPct val="150000"/>
               </a:lnSpc>
@@ -6985,9 +8354,6 @@
               </a:spcAft>
               <a:buNone/>
             </a:pPr>
-            <a:r>
-              <a:t/>
-            </a:r>
             <a:endParaRPr sz="1300">
               <a:solidFill>
                 <a:srgbClr val="B7C5D3"/>
@@ -7002,7 +8368,7 @@
             </a:endParaRPr>
           </a:p>
           <a:p>
-            <a:pPr indent="0" lvl="0" marL="0" rtl="0" algn="l">
+            <a:pPr marL="0" lvl="0" indent="0" algn="l" rtl="0">
               <a:lnSpc>
                 <a:spcPct val="150000"/>
               </a:lnSpc>
@@ -7014,9 +8380,6 @@
               </a:spcAft>
               <a:buNone/>
             </a:pPr>
-            <a:r>
-              <a:t/>
-            </a:r>
             <a:endParaRPr sz="1300">
               <a:solidFill>
                 <a:srgbClr val="B7C5D3"/>
@@ -7031,7 +8394,7 @@
             </a:endParaRPr>
           </a:p>
           <a:p>
-            <a:pPr indent="0" lvl="0" marL="0" rtl="0" algn="l">
+            <a:pPr marL="0" lvl="0" indent="0" algn="l" rtl="0">
               <a:lnSpc>
                 <a:spcPct val="150000"/>
               </a:lnSpc>
@@ -7267,7 +8630,7 @@
             </a:endParaRPr>
           </a:p>
           <a:p>
-            <a:pPr indent="0" lvl="0" marL="0" rtl="0" algn="l">
+            <a:pPr marL="0" lvl="0" indent="0" algn="l" rtl="0">
               <a:lnSpc>
                 <a:spcPct val="150000"/>
               </a:lnSpc>
@@ -7383,7 +8746,7 @@
             </a:endParaRPr>
           </a:p>
           <a:p>
-            <a:pPr indent="0" lvl="0" marL="0" rtl="0" algn="l">
+            <a:pPr marL="0" lvl="0" indent="0" algn="l" rtl="0">
               <a:lnSpc>
                 <a:spcPct val="150000"/>
               </a:lnSpc>
@@ -7499,7 +8862,7 @@
             </a:endParaRPr>
           </a:p>
           <a:p>
-            <a:pPr indent="0" lvl="0" marL="0" rtl="0" algn="l">
+            <a:pPr marL="0" lvl="0" indent="0" algn="l" rtl="0">
               <a:spcBef>
                 <a:spcPts val="0"/>
               </a:spcBef>
@@ -7508,9 +8871,6 @@
               </a:spcAft>
               <a:buNone/>
             </a:pPr>
-            <a:r>
-              <a:t/>
-            </a:r>
             <a:endParaRPr>
               <a:solidFill>
                 <a:schemeClr val="dk1"/>
@@ -7556,11 +8916,11 @@
 </file>
 
 <file path=ppt/slides/slide4.xml><?xml version="1.0" encoding="utf-8"?>
-<p:sld xmlns:a="http://schemas.openxmlformats.org/drawingml/2006/main" xmlns:r="http://schemas.openxmlformats.org/officeDocument/2006/relationships" xmlns:mc="http://schemas.openxmlformats.org/markup-compatibility/2006" xmlns:mv="urn:schemas-microsoft-com:mac:vml" xmlns:p="http://schemas.openxmlformats.org/presentationml/2006/main" xmlns:c="http://schemas.openxmlformats.org/drawingml/2006/chart" xmlns:dgm="http://schemas.openxmlformats.org/drawingml/2006/diagram" xmlns:o="urn:schemas-microsoft-com:office:office" xmlns:v="urn:schemas-microsoft-com:vml" xmlns:pvml="urn:schemas-microsoft-com:office:powerpoint" xmlns:com="http://schemas.openxmlformats.org/drawingml/2006/compatibility" xmlns:p14="http://schemas.microsoft.com/office/powerpoint/2010/main" xmlns:p15="http://schemas.microsoft.com/office/powerpoint/2012/main" xmlns:ahyp="http://schemas.microsoft.com/office/drawing/2018/hyperlinkcolor">
+<p:sld xmlns:a="http://schemas.openxmlformats.org/drawingml/2006/main" xmlns:r="http://schemas.openxmlformats.org/officeDocument/2006/relationships" xmlns:p="http://schemas.openxmlformats.org/presentationml/2006/main">
   <p:cSld>
     <p:spTree>
       <p:nvGrpSpPr>
-        <p:cNvPr id="72" name="Shape 72"/>
+        <p:cNvPr id="1" name="Shape 72"/>
         <p:cNvGrpSpPr/>
         <p:nvPr/>
       </p:nvGrpSpPr>
@@ -7575,7 +8935,9 @@
       <p:sp>
         <p:nvSpPr>
           <p:cNvPr id="73" name="Google Shape;73;p16"/>
-          <p:cNvSpPr txBox="1"/>
+          <p:cNvSpPr txBox="1">
+            <a:spLocks noGrp="1"/>
+          </p:cNvSpPr>
           <p:nvPr>
             <p:ph type="title"/>
           </p:nvPr>
@@ -7590,12 +8952,12 @@
           </a:prstGeom>
         </p:spPr>
         <p:txBody>
-          <a:bodyPr anchorCtr="0" anchor="t" bIns="91425" lIns="91425" spcFirstLastPara="1" rIns="91425" wrap="square" tIns="91425">
+          <a:bodyPr spcFirstLastPara="1" wrap="square" lIns="91425" tIns="91425" rIns="91425" bIns="91425" anchor="t" anchorCtr="0">
             <a:normAutofit fontScale="90000"/>
           </a:bodyPr>
           <a:lstStyle/>
           <a:p>
-            <a:pPr indent="0" lvl="0" marL="0" rtl="0" algn="l">
+            <a:pPr marL="0" lvl="0" indent="0" algn="l" rtl="0">
               <a:spcBef>
                 <a:spcPts val="0"/>
               </a:spcBef>
@@ -7615,9 +8977,11 @@
       <p:sp>
         <p:nvSpPr>
           <p:cNvPr id="74" name="Google Shape;74;p16"/>
-          <p:cNvSpPr txBox="1"/>
+          <p:cNvSpPr txBox="1">
+            <a:spLocks noGrp="1"/>
+          </p:cNvSpPr>
           <p:nvPr>
-            <p:ph idx="1" type="body"/>
+            <p:ph type="body" idx="1"/>
           </p:nvPr>
         </p:nvSpPr>
         <p:spPr>
@@ -7630,12 +8994,12 @@
           </a:prstGeom>
         </p:spPr>
         <p:txBody>
-          <a:bodyPr anchorCtr="0" anchor="t" bIns="91425" lIns="91425" spcFirstLastPara="1" rIns="91425" wrap="square" tIns="91425">
-            <a:normAutofit fontScale="85000" lnSpcReduction="20000"/>
+          <a:bodyPr spcFirstLastPara="1" wrap="square" lIns="91425" tIns="91425" rIns="91425" bIns="91425" anchor="t" anchorCtr="0">
+            <a:normAutofit fontScale="92500"/>
           </a:bodyPr>
           <a:lstStyle/>
           <a:p>
-            <a:pPr indent="0" lvl="0" marL="0" rtl="0" algn="l">
+            <a:pPr marL="0" lvl="0" indent="0" algn="l" rtl="0">
               <a:lnSpc>
                 <a:spcPct val="150000"/>
               </a:lnSpc>
@@ -7676,7 +9040,7 @@
             </a:endParaRPr>
           </a:p>
           <a:p>
-            <a:pPr indent="0" lvl="0" marL="0" rtl="0" algn="l">
+            <a:pPr marL="0" lvl="0" indent="0" algn="l" rtl="0">
               <a:spcBef>
                 <a:spcPts val="0"/>
               </a:spcBef>
@@ -7685,9 +9049,6 @@
               </a:spcAft>
               <a:buNone/>
             </a:pPr>
-            <a:r>
-              <a:t/>
-            </a:r>
             <a:endParaRPr/>
           </a:p>
         </p:txBody>
@@ -7785,11 +9146,11 @@
 </file>
 
 <file path=ppt/slides/slide5.xml><?xml version="1.0" encoding="utf-8"?>
-<p:sld xmlns:a="http://schemas.openxmlformats.org/drawingml/2006/main" xmlns:r="http://schemas.openxmlformats.org/officeDocument/2006/relationships" xmlns:mc="http://schemas.openxmlformats.org/markup-compatibility/2006" xmlns:mv="urn:schemas-microsoft-com:mac:vml" xmlns:p="http://schemas.openxmlformats.org/presentationml/2006/main" xmlns:c="http://schemas.openxmlformats.org/drawingml/2006/chart" xmlns:dgm="http://schemas.openxmlformats.org/drawingml/2006/diagram" xmlns:o="urn:schemas-microsoft-com:office:office" xmlns:v="urn:schemas-microsoft-com:vml" xmlns:pvml="urn:schemas-microsoft-com:office:powerpoint" xmlns:com="http://schemas.openxmlformats.org/drawingml/2006/compatibility" xmlns:p14="http://schemas.microsoft.com/office/powerpoint/2010/main" xmlns:p15="http://schemas.microsoft.com/office/powerpoint/2012/main" xmlns:ahyp="http://schemas.microsoft.com/office/drawing/2018/hyperlinkcolor">
+<p:sld xmlns:a="http://schemas.openxmlformats.org/drawingml/2006/main" xmlns:r="http://schemas.openxmlformats.org/officeDocument/2006/relationships" xmlns:p="http://schemas.openxmlformats.org/presentationml/2006/main">
   <p:cSld>
     <p:spTree>
       <p:nvGrpSpPr>
-        <p:cNvPr id="81" name="Shape 81"/>
+        <p:cNvPr id="1" name="Shape 81"/>
         <p:cNvGrpSpPr/>
         <p:nvPr/>
       </p:nvGrpSpPr>
@@ -7804,7 +9165,9 @@
       <p:sp>
         <p:nvSpPr>
           <p:cNvPr id="82" name="Google Shape;82;p17"/>
-          <p:cNvSpPr txBox="1"/>
+          <p:cNvSpPr txBox="1">
+            <a:spLocks noGrp="1"/>
+          </p:cNvSpPr>
           <p:nvPr>
             <p:ph type="title"/>
           </p:nvPr>
@@ -7819,12 +9182,12 @@
           </a:prstGeom>
         </p:spPr>
         <p:txBody>
-          <a:bodyPr anchorCtr="0" anchor="t" bIns="91425" lIns="91425" spcFirstLastPara="1" rIns="91425" wrap="square" tIns="91425">
+          <a:bodyPr spcFirstLastPara="1" wrap="square" lIns="91425" tIns="91425" rIns="91425" bIns="91425" anchor="t" anchorCtr="0">
             <a:normAutofit fontScale="90000"/>
           </a:bodyPr>
           <a:lstStyle/>
           <a:p>
-            <a:pPr indent="0" lvl="0" marL="0" rtl="0" algn="l">
+            <a:pPr marL="0" lvl="0" indent="0" algn="l" rtl="0">
               <a:spcBef>
                 <a:spcPts val="0"/>
               </a:spcBef>
@@ -7844,9 +9207,11 @@
       <p:sp>
         <p:nvSpPr>
           <p:cNvPr id="83" name="Google Shape;83;p17"/>
-          <p:cNvSpPr txBox="1"/>
+          <p:cNvSpPr txBox="1">
+            <a:spLocks noGrp="1"/>
+          </p:cNvSpPr>
           <p:nvPr>
-            <p:ph idx="1" type="body"/>
+            <p:ph type="body" idx="1"/>
           </p:nvPr>
         </p:nvSpPr>
         <p:spPr>
@@ -7859,12 +9224,12 @@
           </a:prstGeom>
         </p:spPr>
         <p:txBody>
-          <a:bodyPr anchorCtr="0" anchor="t" bIns="91425" lIns="91425" spcFirstLastPara="1" rIns="91425" wrap="square" tIns="91425">
+          <a:bodyPr spcFirstLastPara="1" wrap="square" lIns="91425" tIns="91425" rIns="91425" bIns="91425" anchor="t" anchorCtr="0">
             <a:normAutofit/>
           </a:bodyPr>
           <a:lstStyle/>
           <a:p>
-            <a:pPr indent="-342900" lvl="0" marL="457200" rtl="0" algn="l">
+            <a:pPr marL="457200" lvl="0" indent="-342900" algn="l" rtl="0">
               <a:spcBef>
                 <a:spcPts val="0"/>
               </a:spcBef>
@@ -7881,7 +9246,7 @@
             <a:endParaRPr/>
           </a:p>
           <a:p>
-            <a:pPr indent="-342900" lvl="0" marL="457200" rtl="0" algn="l">
+            <a:pPr marL="457200" lvl="0" indent="-342900" algn="l" rtl="0">
               <a:spcBef>
                 <a:spcPts val="0"/>
               </a:spcBef>
@@ -7936,11 +9301,11 @@
 </file>
 
 <file path=ppt/slides/slide6.xml><?xml version="1.0" encoding="utf-8"?>
-<p:sld xmlns:a="http://schemas.openxmlformats.org/drawingml/2006/main" xmlns:r="http://schemas.openxmlformats.org/officeDocument/2006/relationships" xmlns:mc="http://schemas.openxmlformats.org/markup-compatibility/2006" xmlns:mv="urn:schemas-microsoft-com:mac:vml" xmlns:p="http://schemas.openxmlformats.org/presentationml/2006/main" xmlns:c="http://schemas.openxmlformats.org/drawingml/2006/chart" xmlns:dgm="http://schemas.openxmlformats.org/drawingml/2006/diagram" xmlns:o="urn:schemas-microsoft-com:office:office" xmlns:v="urn:schemas-microsoft-com:vml" xmlns:pvml="urn:schemas-microsoft-com:office:powerpoint" xmlns:com="http://schemas.openxmlformats.org/drawingml/2006/compatibility" xmlns:p14="http://schemas.microsoft.com/office/powerpoint/2010/main" xmlns:p15="http://schemas.microsoft.com/office/powerpoint/2012/main" xmlns:ahyp="http://schemas.microsoft.com/office/drawing/2018/hyperlinkcolor">
+<p:sld xmlns:a="http://schemas.openxmlformats.org/drawingml/2006/main" xmlns:r="http://schemas.openxmlformats.org/officeDocument/2006/relationships" xmlns:p="http://schemas.openxmlformats.org/presentationml/2006/main">
   <p:cSld>
     <p:spTree>
       <p:nvGrpSpPr>
-        <p:cNvPr id="88" name="Shape 88"/>
+        <p:cNvPr id="1" name="Shape 88"/>
         <p:cNvGrpSpPr/>
         <p:nvPr/>
       </p:nvGrpSpPr>
@@ -7955,7 +9320,9 @@
       <p:sp>
         <p:nvSpPr>
           <p:cNvPr id="89" name="Google Shape;89;p18"/>
-          <p:cNvSpPr txBox="1"/>
+          <p:cNvSpPr txBox="1">
+            <a:spLocks noGrp="1"/>
+          </p:cNvSpPr>
           <p:nvPr>
             <p:ph type="title"/>
           </p:nvPr>
@@ -7970,12 +9337,12 @@
           </a:prstGeom>
         </p:spPr>
         <p:txBody>
-          <a:bodyPr anchorCtr="0" anchor="t" bIns="91425" lIns="91425" spcFirstLastPara="1" rIns="91425" wrap="square" tIns="91425">
+          <a:bodyPr spcFirstLastPara="1" wrap="square" lIns="91425" tIns="91425" rIns="91425" bIns="91425" anchor="t" anchorCtr="0">
             <a:normAutofit fontScale="90000"/>
           </a:bodyPr>
           <a:lstStyle/>
           <a:p>
-            <a:pPr indent="0" lvl="0" marL="0" rtl="0" algn="l">
+            <a:pPr marL="0" lvl="0" indent="0" algn="l" rtl="0">
               <a:spcBef>
                 <a:spcPts val="0"/>
               </a:spcBef>
@@ -7986,11 +9353,7 @@
             </a:pPr>
             <a:r>
               <a:rPr lang="en"/>
-              <a:t>A2 Algorithm: </a:t>
-            </a:r>
-            <a:r>
-              <a:rPr lang="en"/>
-              <a:t>Results</a:t>
+              <a:t>A2 Algorithm: Results</a:t>
             </a:r>
             <a:endParaRPr/>
           </a:p>
@@ -7999,9 +9362,11 @@
       <p:sp>
         <p:nvSpPr>
           <p:cNvPr id="90" name="Google Shape;90;p18"/>
-          <p:cNvSpPr txBox="1"/>
+          <p:cNvSpPr txBox="1">
+            <a:spLocks noGrp="1"/>
+          </p:cNvSpPr>
           <p:nvPr>
-            <p:ph idx="1" type="body"/>
+            <p:ph type="body" idx="1"/>
           </p:nvPr>
         </p:nvSpPr>
         <p:spPr>
@@ -8014,12 +9379,12 @@
           </a:prstGeom>
         </p:spPr>
         <p:txBody>
-          <a:bodyPr anchorCtr="0" anchor="t" bIns="91425" lIns="91425" spcFirstLastPara="1" rIns="91425" wrap="square" tIns="91425">
+          <a:bodyPr spcFirstLastPara="1" wrap="square" lIns="91425" tIns="91425" rIns="91425" bIns="91425" anchor="t" anchorCtr="0">
             <a:normAutofit/>
           </a:bodyPr>
           <a:lstStyle/>
           <a:p>
-            <a:pPr indent="0" lvl="0" marL="0" rtl="0" algn="l">
+            <a:pPr marL="0" lvl="0" indent="0" algn="l" rtl="0">
               <a:spcBef>
                 <a:spcPts val="0"/>
               </a:spcBef>
@@ -8109,11 +9474,11 @@
 </file>
 
 <file path=ppt/slides/slide7.xml><?xml version="1.0" encoding="utf-8"?>
-<p:sld xmlns:a="http://schemas.openxmlformats.org/drawingml/2006/main" xmlns:r="http://schemas.openxmlformats.org/officeDocument/2006/relationships" xmlns:mc="http://schemas.openxmlformats.org/markup-compatibility/2006" xmlns:mv="urn:schemas-microsoft-com:mac:vml" xmlns:p="http://schemas.openxmlformats.org/presentationml/2006/main" xmlns:c="http://schemas.openxmlformats.org/drawingml/2006/chart" xmlns:dgm="http://schemas.openxmlformats.org/drawingml/2006/diagram" xmlns:o="urn:schemas-microsoft-com:office:office" xmlns:v="urn:schemas-microsoft-com:vml" xmlns:pvml="urn:schemas-microsoft-com:office:powerpoint" xmlns:com="http://schemas.openxmlformats.org/drawingml/2006/compatibility" xmlns:p14="http://schemas.microsoft.com/office/powerpoint/2010/main" xmlns:p15="http://schemas.microsoft.com/office/powerpoint/2012/main" xmlns:ahyp="http://schemas.microsoft.com/office/drawing/2018/hyperlinkcolor">
+<p:sld xmlns:a="http://schemas.openxmlformats.org/drawingml/2006/main" xmlns:r="http://schemas.openxmlformats.org/officeDocument/2006/relationships" xmlns:p="http://schemas.openxmlformats.org/presentationml/2006/main">
   <p:cSld>
     <p:spTree>
       <p:nvGrpSpPr>
-        <p:cNvPr id="96" name="Shape 96"/>
+        <p:cNvPr id="1" name="Shape 96"/>
         <p:cNvGrpSpPr/>
         <p:nvPr/>
       </p:nvGrpSpPr>
@@ -8128,7 +9493,9 @@
       <p:sp>
         <p:nvSpPr>
           <p:cNvPr id="97" name="Google Shape;97;p19"/>
-          <p:cNvSpPr txBox="1"/>
+          <p:cNvSpPr txBox="1">
+            <a:spLocks noGrp="1"/>
+          </p:cNvSpPr>
           <p:nvPr>
             <p:ph type="title"/>
           </p:nvPr>
@@ -8143,12 +9510,12 @@
           </a:prstGeom>
         </p:spPr>
         <p:txBody>
-          <a:bodyPr anchorCtr="0" anchor="t" bIns="91425" lIns="91425" spcFirstLastPara="1" rIns="91425" wrap="square" tIns="91425">
+          <a:bodyPr spcFirstLastPara="1" wrap="square" lIns="91425" tIns="91425" rIns="91425" bIns="91425" anchor="t" anchorCtr="0">
             <a:normAutofit fontScale="90000"/>
           </a:bodyPr>
           <a:lstStyle/>
           <a:p>
-            <a:pPr indent="0" lvl="0" marL="0" rtl="0" algn="l">
+            <a:pPr marL="0" lvl="0" indent="0" algn="l" rtl="0">
               <a:spcBef>
                 <a:spcPts val="0"/>
               </a:spcBef>
@@ -8168,9 +9535,11 @@
       <p:sp>
         <p:nvSpPr>
           <p:cNvPr id="98" name="Google Shape;98;p19"/>
-          <p:cNvSpPr txBox="1"/>
+          <p:cNvSpPr txBox="1">
+            <a:spLocks noGrp="1"/>
+          </p:cNvSpPr>
           <p:nvPr>
-            <p:ph idx="1" type="body"/>
+            <p:ph type="body" idx="1"/>
           </p:nvPr>
         </p:nvSpPr>
         <p:spPr>
@@ -8183,12 +9552,12 @@
           </a:prstGeom>
         </p:spPr>
         <p:txBody>
-          <a:bodyPr anchorCtr="0" anchor="t" bIns="91425" lIns="91425" spcFirstLastPara="1" rIns="91425" wrap="square" tIns="91425">
+          <a:bodyPr spcFirstLastPara="1" wrap="square" lIns="91425" tIns="91425" rIns="91425" bIns="91425" anchor="t" anchorCtr="0">
             <a:normAutofit/>
           </a:bodyPr>
           <a:lstStyle/>
           <a:p>
-            <a:pPr indent="0" lvl="0" marL="0" rtl="0" algn="l">
+            <a:pPr marL="0" lvl="0" indent="0" algn="l" rtl="0">
               <a:spcBef>
                 <a:spcPts val="0"/>
               </a:spcBef>
@@ -8199,23 +9568,7 @@
             </a:pPr>
             <a:r>
               <a:rPr lang="en" sz="1600"/>
-              <a:t>Accuracy</a:t>
-            </a:r>
-            <a:r>
-              <a:rPr lang="en" sz="1600"/>
-              <a:t> coefficient and Discrimination coefficient are two information–theoretic measures that separately quantify the </a:t>
-            </a:r>
-            <a:r>
-              <a:rPr lang="en" sz="1600"/>
-              <a:t>accuracy</a:t>
-            </a:r>
-            <a:r>
-              <a:rPr lang="en" sz="1600"/>
-              <a:t> and discriminatory impact of </a:t>
-            </a:r>
-            <a:r>
-              <a:rPr lang="en" sz="1600"/>
-              <a:t>features. Using Shapley value, we can deduce the marginal impacts of each features. The Shapley value ensures each feature gains as much or more as they would have from acting independently.</a:t>
+              <a:t>Accuracy coefficient and Discrimination coefficient are two information–theoretic measures that separately quantify the accuracy and discriminatory impact of features. Using Shapley value, we can deduce the marginal impacts of each features. The Shapley value ensures each feature gains as much or more as they would have from acting independently.</a:t>
             </a:r>
             <a:endParaRPr sz="1600"/>
           </a:p>
@@ -8286,11 +9639,11 @@
 </file>
 
 <file path=ppt/slides/slide8.xml><?xml version="1.0" encoding="utf-8"?>
-<p:sld xmlns:a="http://schemas.openxmlformats.org/drawingml/2006/main" xmlns:r="http://schemas.openxmlformats.org/officeDocument/2006/relationships" xmlns:mc="http://schemas.openxmlformats.org/markup-compatibility/2006" xmlns:mv="urn:schemas-microsoft-com:mac:vml" xmlns:p="http://schemas.openxmlformats.org/presentationml/2006/main" xmlns:c="http://schemas.openxmlformats.org/drawingml/2006/chart" xmlns:dgm="http://schemas.openxmlformats.org/drawingml/2006/diagram" xmlns:o="urn:schemas-microsoft-com:office:office" xmlns:v="urn:schemas-microsoft-com:vml" xmlns:pvml="urn:schemas-microsoft-com:office:powerpoint" xmlns:com="http://schemas.openxmlformats.org/drawingml/2006/compatibility" xmlns:p14="http://schemas.microsoft.com/office/powerpoint/2010/main" xmlns:p15="http://schemas.microsoft.com/office/powerpoint/2012/main" xmlns:ahyp="http://schemas.microsoft.com/office/drawing/2018/hyperlinkcolor">
+<p:sld xmlns:a="http://schemas.openxmlformats.org/drawingml/2006/main" xmlns:r="http://schemas.openxmlformats.org/officeDocument/2006/relationships" xmlns:p="http://schemas.openxmlformats.org/presentationml/2006/main">
   <p:cSld>
     <p:spTree>
       <p:nvGrpSpPr>
-        <p:cNvPr id="104" name="Shape 104"/>
+        <p:cNvPr id="1" name="Shape 104"/>
         <p:cNvGrpSpPr/>
         <p:nvPr/>
       </p:nvGrpSpPr>
@@ -8305,7 +9658,9 @@
       <p:sp>
         <p:nvSpPr>
           <p:cNvPr id="105" name="Google Shape;105;p20"/>
-          <p:cNvSpPr txBox="1"/>
+          <p:cNvSpPr txBox="1">
+            <a:spLocks noGrp="1"/>
+          </p:cNvSpPr>
           <p:nvPr>
             <p:ph type="title"/>
           </p:nvPr>
@@ -8320,12 +9675,12 @@
           </a:prstGeom>
         </p:spPr>
         <p:txBody>
-          <a:bodyPr anchorCtr="0" anchor="t" bIns="91425" lIns="91425" spcFirstLastPara="1" rIns="91425" wrap="square" tIns="91425">
+          <a:bodyPr spcFirstLastPara="1" wrap="square" lIns="91425" tIns="91425" rIns="91425" bIns="91425" anchor="t" anchorCtr="0">
             <a:normAutofit fontScale="90000"/>
           </a:bodyPr>
           <a:lstStyle/>
           <a:p>
-            <a:pPr indent="0" lvl="0" marL="0" rtl="0" algn="l">
+            <a:pPr marL="0" lvl="0" indent="0" algn="l" rtl="0">
               <a:spcBef>
                 <a:spcPts val="0"/>
               </a:spcBef>
@@ -8345,9 +9700,11 @@
       <p:sp>
         <p:nvSpPr>
           <p:cNvPr id="106" name="Google Shape;106;p20"/>
-          <p:cNvSpPr txBox="1"/>
+          <p:cNvSpPr txBox="1">
+            <a:spLocks noGrp="1"/>
+          </p:cNvSpPr>
           <p:nvPr>
-            <p:ph idx="1" type="body"/>
+            <p:ph type="body" idx="1"/>
           </p:nvPr>
         </p:nvSpPr>
         <p:spPr>
@@ -8360,12 +9717,12 @@
           </a:prstGeom>
         </p:spPr>
         <p:txBody>
-          <a:bodyPr anchorCtr="0" anchor="t" bIns="91425" lIns="91425" spcFirstLastPara="1" rIns="91425" wrap="square" tIns="91425">
+          <a:bodyPr spcFirstLastPara="1" wrap="square" lIns="91425" tIns="91425" rIns="91425" bIns="91425" anchor="t" anchorCtr="0">
             <a:normAutofit/>
           </a:bodyPr>
           <a:lstStyle/>
           <a:p>
-            <a:pPr indent="0" lvl="0" marL="0" rtl="0" algn="l">
+            <a:pPr marL="0" lvl="0" indent="0" algn="l" rtl="0">
               <a:spcBef>
                 <a:spcPts val="0"/>
               </a:spcBef>
@@ -8374,9 +9731,6 @@
               </a:spcAft>
               <a:buNone/>
             </a:pPr>
-            <a:r>
-              <a:t/>
-            </a:r>
             <a:endParaRPr/>
           </a:p>
         </p:txBody>
@@ -8418,11 +9772,11 @@
 </file>
 
 <file path=ppt/slides/slide9.xml><?xml version="1.0" encoding="utf-8"?>
-<p:sld xmlns:a="http://schemas.openxmlformats.org/drawingml/2006/main" xmlns:r="http://schemas.openxmlformats.org/officeDocument/2006/relationships" xmlns:mc="http://schemas.openxmlformats.org/markup-compatibility/2006" xmlns:mv="urn:schemas-microsoft-com:mac:vml" xmlns:p="http://schemas.openxmlformats.org/presentationml/2006/main" xmlns:c="http://schemas.openxmlformats.org/drawingml/2006/chart" xmlns:dgm="http://schemas.openxmlformats.org/drawingml/2006/diagram" xmlns:o="urn:schemas-microsoft-com:office:office" xmlns:v="urn:schemas-microsoft-com:vml" xmlns:pvml="urn:schemas-microsoft-com:office:powerpoint" xmlns:com="http://schemas.openxmlformats.org/drawingml/2006/compatibility" xmlns:p14="http://schemas.microsoft.com/office/powerpoint/2010/main" xmlns:p15="http://schemas.microsoft.com/office/powerpoint/2012/main" xmlns:ahyp="http://schemas.microsoft.com/office/drawing/2018/hyperlinkcolor">
+<p:sld xmlns:a="http://schemas.openxmlformats.org/drawingml/2006/main" xmlns:r="http://schemas.openxmlformats.org/officeDocument/2006/relationships" xmlns:p="http://schemas.openxmlformats.org/presentationml/2006/main">
   <p:cSld>
     <p:spTree>
       <p:nvGrpSpPr>
-        <p:cNvPr id="111" name="Shape 111"/>
+        <p:cNvPr id="1" name="Shape 111"/>
         <p:cNvGrpSpPr/>
         <p:nvPr/>
       </p:nvGrpSpPr>
@@ -8510,12 +9864,12 @@
           </a:ln>
         </p:spPr>
         <p:txBody>
-          <a:bodyPr anchorCtr="0" anchor="t" bIns="91425" lIns="91425" spcFirstLastPara="1" rIns="91425" wrap="square" tIns="91425">
+          <a:bodyPr spcFirstLastPara="1" wrap="square" lIns="91425" tIns="91425" rIns="91425" bIns="91425" anchor="t" anchorCtr="0">
             <a:spAutoFit/>
           </a:bodyPr>
           <a:lstStyle/>
           <a:p>
-            <a:pPr indent="0" lvl="0" marL="0" rtl="0" algn="l">
+            <a:pPr marL="0" lvl="0" indent="0" algn="l" rtl="0">
               <a:spcBef>
                 <a:spcPts val="0"/>
               </a:spcBef>
@@ -8556,12 +9910,12 @@
           </a:ln>
         </p:spPr>
         <p:txBody>
-          <a:bodyPr anchorCtr="0" anchor="t" bIns="91425" lIns="91425" spcFirstLastPara="1" rIns="91425" wrap="square" tIns="91425">
+          <a:bodyPr spcFirstLastPara="1" wrap="square" lIns="91425" tIns="91425" rIns="91425" bIns="91425" anchor="t" anchorCtr="0">
             <a:spAutoFit/>
           </a:bodyPr>
           <a:lstStyle/>
           <a:p>
-            <a:pPr indent="0" lvl="0" marL="0" rtl="0" algn="l">
+            <a:pPr marL="0" lvl="0" indent="0" algn="l" rtl="0">
               <a:spcBef>
                 <a:spcPts val="0"/>
               </a:spcBef>
@@ -8576,15 +9930,7 @@
                   <a:schemeClr val="dk1"/>
                 </a:solidFill>
               </a:rPr>
-              <a:t>SVM</a:t>
-            </a:r>
-            <a:r>
-              <a:rPr lang="en" sz="2800">
-                <a:solidFill>
-                  <a:schemeClr val="dk1"/>
-                </a:solidFill>
-              </a:rPr>
-              <a:t> Using FFS</a:t>
+              <a:t>SVM Using FFS</a:t>
             </a:r>
             <a:endParaRPr/>
           </a:p>
@@ -8610,12 +9956,12 @@
           </a:ln>
         </p:spPr>
         <p:txBody>
-          <a:bodyPr anchorCtr="0" anchor="t" bIns="91425" lIns="91425" spcFirstLastPara="1" rIns="91425" wrap="square" tIns="91425">
+          <a:bodyPr spcFirstLastPara="1" wrap="square" lIns="91425" tIns="91425" rIns="91425" bIns="91425" anchor="t" anchorCtr="0">
             <a:spAutoFit/>
           </a:bodyPr>
           <a:lstStyle/>
           <a:p>
-            <a:pPr indent="0" lvl="0" marL="0" rtl="0" algn="l">
+            <a:pPr marL="0" lvl="0" indent="0" algn="l" rtl="0">
               <a:spcBef>
                 <a:spcPts val="0"/>
               </a:spcBef>
@@ -8649,7 +9995,7 @@
 </file>
 
 <file path=ppt/theme/theme1.xml><?xml version="1.0" encoding="utf-8"?>
-<a:theme xmlns:a="http://schemas.openxmlformats.org/drawingml/2006/main" xmlns:r="http://schemas.openxmlformats.org/officeDocument/2006/relationships" name="Simple Dark">
+<a:theme xmlns:a="http://schemas.openxmlformats.org/drawingml/2006/main" name="Simple Dark">
   <a:themeElements>
     <a:clrScheme name="Simple Dark">
       <a:dk1>
@@ -8924,11 +10270,13 @@
       </a:bgFillStyleLst>
     </a:fmtScheme>
   </a:themeElements>
+  <a:objectDefaults/>
+  <a:extraClrSchemeLst/>
 </a:theme>
 </file>
 
 <file path=ppt/theme/theme2.xml><?xml version="1.0" encoding="utf-8"?>
-<a:theme xmlns:a="http://schemas.openxmlformats.org/drawingml/2006/main" xmlns:r="http://schemas.openxmlformats.org/officeDocument/2006/relationships">
+<a:theme xmlns:a="http://schemas.openxmlformats.org/drawingml/2006/main">
   <a:themeElements>
     <a:clrScheme name="Default">
       <a:dk1>
@@ -9203,5 +10551,7 @@
       </a:bgFillStyleLst>
     </a:fmtScheme>
   </a:themeElements>
+  <a:objectDefaults/>
+  <a:extraClrSchemeLst/>
 </a:theme>
 </file>